--- a/zebrafish_detect_ppt/zebrafish_website_code/如何開啟網站.pptx
+++ b/zebrafish_detect_ppt/zebrafish_website_code/如何開啟網站.pptx
@@ -5,10 +5,10 @@
     <p:sldMasterId id="2147483648" r:id="rId1"/>
   </p:sldMasterIdLst>
   <p:notesMasterIdLst>
-    <p:notesMasterId r:id="rId11"/>
+    <p:notesMasterId r:id="rId12"/>
   </p:notesMasterIdLst>
   <p:handoutMasterIdLst>
-    <p:handoutMasterId r:id="rId12"/>
+    <p:handoutMasterId r:id="rId13"/>
   </p:handoutMasterIdLst>
   <p:sldIdLst>
     <p:sldId id="259" r:id="rId2"/>
@@ -20,6 +20,7 @@
     <p:sldId id="1262" r:id="rId8"/>
     <p:sldId id="1267" r:id="rId9"/>
     <p:sldId id="1268" r:id="rId10"/>
+    <p:sldId id="336" r:id="rId11"/>
   </p:sldIdLst>
   <p:sldSz cx="12192000" cy="6858000"/>
   <p:notesSz cx="6858000" cy="9144000"/>
@@ -132,6 +133,7 @@
             <p14:sldId id="1262"/>
             <p14:sldId id="1267"/>
             <p14:sldId id="1268"/>
+            <p14:sldId id="336"/>
           </p14:sldIdLst>
         </p14:section>
       </p14:sectionLst>
@@ -1307,6 +1309,204 @@
 </p:sldLayout>
 </file>
 
+<file path=ppt/slideLayouts/slideLayout12.xml><?xml version="1.0" encoding="utf-8"?>
+<p:sldLayout xmlns:a="http://schemas.openxmlformats.org/drawingml/2006/main" xmlns:r="http://schemas.openxmlformats.org/officeDocument/2006/relationships" xmlns:p="http://schemas.openxmlformats.org/presentationml/2006/main" type="obj">
+  <p:cSld name="標題及內容">
+    <p:spTree>
+      <p:nvGrpSpPr>
+        <p:cNvPr id="1" name=""/>
+        <p:cNvGrpSpPr/>
+        <p:nvPr/>
+      </p:nvGrpSpPr>
+      <p:grpSpPr>
+        <a:xfrm>
+          <a:off x="0" y="0"/>
+          <a:ext cx="0" cy="0"/>
+          <a:chOff x="0" y="0"/>
+          <a:chExt cx="0" cy="0"/>
+        </a:xfrm>
+      </p:grpSpPr>
+      <p:sp>
+        <p:nvSpPr>
+          <p:cNvPr id="2" name="標題 1">
+            <a:extLst>
+              <a:ext uri="{FF2B5EF4-FFF2-40B4-BE49-F238E27FC236}">
+                <a16:creationId xmlns:a16="http://schemas.microsoft.com/office/drawing/2014/main" id="{7F32E742-896D-506F-EFC5-1CE5176A133A}"/>
+              </a:ext>
+            </a:extLst>
+          </p:cNvPr>
+          <p:cNvSpPr>
+            <a:spLocks noGrp="1"/>
+          </p:cNvSpPr>
+          <p:nvPr>
+            <p:ph type="title"/>
+          </p:nvPr>
+        </p:nvSpPr>
+        <p:spPr/>
+        <p:txBody>
+          <a:bodyPr/>
+          <a:lstStyle/>
+          <a:p>
+            <a:r>
+              <a:rPr lang="zh-TW" altLang="en-US"/>
+              <a:t>按一下以編輯母片標題樣式</a:t>
+            </a:r>
+          </a:p>
+        </p:txBody>
+      </p:sp>
+      <p:sp>
+        <p:nvSpPr>
+          <p:cNvPr id="3" name="內容版面配置區 2">
+            <a:extLst>
+              <a:ext uri="{FF2B5EF4-FFF2-40B4-BE49-F238E27FC236}">
+                <a16:creationId xmlns:a16="http://schemas.microsoft.com/office/drawing/2014/main" id="{04B7BD86-97AA-7185-D05E-E3A36ECA4814}"/>
+              </a:ext>
+            </a:extLst>
+          </p:cNvPr>
+          <p:cNvSpPr>
+            <a:spLocks noGrp="1"/>
+          </p:cNvSpPr>
+          <p:nvPr>
+            <p:ph idx="1"/>
+          </p:nvPr>
+        </p:nvSpPr>
+        <p:spPr/>
+        <p:txBody>
+          <a:bodyPr/>
+          <a:lstStyle/>
+          <a:p>
+            <a:pPr lvl="0"/>
+            <a:r>
+              <a:rPr lang="zh-TW" altLang="en-US"/>
+              <a:t>按一下以編輯母片文字樣式</a:t>
+            </a:r>
+          </a:p>
+          <a:p>
+            <a:pPr lvl="1"/>
+            <a:r>
+              <a:rPr lang="zh-TW" altLang="en-US"/>
+              <a:t>第二層</a:t>
+            </a:r>
+          </a:p>
+          <a:p>
+            <a:pPr lvl="2"/>
+            <a:r>
+              <a:rPr lang="zh-TW" altLang="en-US"/>
+              <a:t>第三層</a:t>
+            </a:r>
+          </a:p>
+          <a:p>
+            <a:pPr lvl="3"/>
+            <a:r>
+              <a:rPr lang="zh-TW" altLang="en-US"/>
+              <a:t>第四層</a:t>
+            </a:r>
+          </a:p>
+          <a:p>
+            <a:pPr lvl="4"/>
+            <a:r>
+              <a:rPr lang="zh-TW" altLang="en-US"/>
+              <a:t>第五層</a:t>
+            </a:r>
+          </a:p>
+        </p:txBody>
+      </p:sp>
+      <p:sp>
+        <p:nvSpPr>
+          <p:cNvPr id="4" name="日期版面配置區 3">
+            <a:extLst>
+              <a:ext uri="{FF2B5EF4-FFF2-40B4-BE49-F238E27FC236}">
+                <a16:creationId xmlns:a16="http://schemas.microsoft.com/office/drawing/2014/main" id="{FC55268A-F412-3F4E-3C71-ECA1978C35EA}"/>
+              </a:ext>
+            </a:extLst>
+          </p:cNvPr>
+          <p:cNvSpPr>
+            <a:spLocks noGrp="1"/>
+          </p:cNvSpPr>
+          <p:nvPr>
+            <p:ph type="dt" sz="half" idx="10"/>
+          </p:nvPr>
+        </p:nvSpPr>
+        <p:spPr/>
+        <p:txBody>
+          <a:bodyPr/>
+          <a:lstStyle/>
+          <a:p>
+            <a:fld id="{3396CF0D-83B6-489B-A035-BC8D0A7198CA}" type="datetimeFigureOut">
+              <a:rPr lang="zh-TW" altLang="en-US" smtClean="0"/>
+              <a:t>2023/6/21</a:t>
+            </a:fld>
+            <a:endParaRPr lang="zh-TW" altLang="en-US"/>
+          </a:p>
+        </p:txBody>
+      </p:sp>
+      <p:sp>
+        <p:nvSpPr>
+          <p:cNvPr id="5" name="頁尾版面配置區 4">
+            <a:extLst>
+              <a:ext uri="{FF2B5EF4-FFF2-40B4-BE49-F238E27FC236}">
+                <a16:creationId xmlns:a16="http://schemas.microsoft.com/office/drawing/2014/main" id="{41F66B42-297E-2DF0-5055-6C06EA74AD55}"/>
+              </a:ext>
+            </a:extLst>
+          </p:cNvPr>
+          <p:cNvSpPr>
+            <a:spLocks noGrp="1"/>
+          </p:cNvSpPr>
+          <p:nvPr>
+            <p:ph type="ftr" sz="quarter" idx="11"/>
+          </p:nvPr>
+        </p:nvSpPr>
+        <p:spPr/>
+        <p:txBody>
+          <a:bodyPr/>
+          <a:lstStyle/>
+          <a:p>
+            <a:endParaRPr lang="zh-TW" altLang="en-US"/>
+          </a:p>
+        </p:txBody>
+      </p:sp>
+      <p:sp>
+        <p:nvSpPr>
+          <p:cNvPr id="6" name="投影片編號版面配置區 5">
+            <a:extLst>
+              <a:ext uri="{FF2B5EF4-FFF2-40B4-BE49-F238E27FC236}">
+                <a16:creationId xmlns:a16="http://schemas.microsoft.com/office/drawing/2014/main" id="{C3028C41-1E6C-367D-83E7-69589D45DA52}"/>
+              </a:ext>
+            </a:extLst>
+          </p:cNvPr>
+          <p:cNvSpPr>
+            <a:spLocks noGrp="1"/>
+          </p:cNvSpPr>
+          <p:nvPr>
+            <p:ph type="sldNum" sz="quarter" idx="12"/>
+          </p:nvPr>
+        </p:nvSpPr>
+        <p:spPr/>
+        <p:txBody>
+          <a:bodyPr/>
+          <a:lstStyle/>
+          <a:p>
+            <a:fld id="{F55B1302-6444-4715-B286-00D6BED56790}" type="slidenum">
+              <a:rPr lang="zh-TW" altLang="en-US" smtClean="0"/>
+              <a:t>‹#›</a:t>
+            </a:fld>
+            <a:endParaRPr lang="zh-TW" altLang="en-US"/>
+          </a:p>
+        </p:txBody>
+      </p:sp>
+    </p:spTree>
+    <p:extLst>
+      <p:ext uri="{BB962C8B-B14F-4D97-AF65-F5344CB8AC3E}">
+        <p14:creationId xmlns:p14="http://schemas.microsoft.com/office/powerpoint/2010/main" val="3732092925"/>
+      </p:ext>
+    </p:extLst>
+  </p:cSld>
+  <p:clrMapOvr>
+    <a:masterClrMapping/>
+  </p:clrMapOvr>
+</p:sldLayout>
+</file>
+
 <file path=ppt/slideLayouts/slideLayout2.xml><?xml version="1.0" encoding="utf-8"?>
 <p:sldLayout xmlns:a="http://schemas.openxmlformats.org/drawingml/2006/main" xmlns:r="http://schemas.openxmlformats.org/officeDocument/2006/relationships" xmlns:p="http://schemas.openxmlformats.org/presentationml/2006/main" preserve="1" userDrawn="1">
   <p:cSld name="標題及物件">
@@ -3400,7 +3600,7 @@
           <p:nvPr userDrawn="1"/>
         </p:nvPicPr>
         <p:blipFill rotWithShape="1">
-          <a:blip r:embed="rId13">
+          <a:blip r:embed="rId14">
             <a:alphaModFix/>
           </a:blip>
           <a:srcRect/>
@@ -3440,6 +3640,7 @@
     <p:sldLayoutId id="2147483657" r:id="rId9"/>
     <p:sldLayoutId id="2147483658" r:id="rId10"/>
     <p:sldLayoutId id="2147483659" r:id="rId11"/>
+    <p:sldLayoutId id="2147483660" r:id="rId12"/>
   </p:sldLayoutIdLst>
   <p:txStyles>
     <p:titleStyle>
@@ -3788,6 +3989,178 @@
 </p:sld>
 </file>
 
+<file path=ppt/slides/slide10.xml><?xml version="1.0" encoding="utf-8"?>
+<p:sld xmlns:a="http://schemas.openxmlformats.org/drawingml/2006/main" xmlns:r="http://schemas.openxmlformats.org/officeDocument/2006/relationships" xmlns:p="http://schemas.openxmlformats.org/presentationml/2006/main">
+  <p:cSld>
+    <p:spTree>
+      <p:nvGrpSpPr>
+        <p:cNvPr id="1" name=""/>
+        <p:cNvGrpSpPr/>
+        <p:nvPr/>
+      </p:nvGrpSpPr>
+      <p:grpSpPr>
+        <a:xfrm>
+          <a:off x="0" y="0"/>
+          <a:ext cx="0" cy="0"/>
+          <a:chOff x="0" y="0"/>
+          <a:chExt cx="0" cy="0"/>
+        </a:xfrm>
+      </p:grpSpPr>
+      <p:sp>
+        <p:nvSpPr>
+          <p:cNvPr id="2" name="標題 1">
+            <a:extLst>
+              <a:ext uri="{FF2B5EF4-FFF2-40B4-BE49-F238E27FC236}">
+                <a16:creationId xmlns:a16="http://schemas.microsoft.com/office/drawing/2014/main" id="{46341E31-BA64-A521-4FFB-CB60D5529D47}"/>
+              </a:ext>
+            </a:extLst>
+          </p:cNvPr>
+          <p:cNvSpPr>
+            <a:spLocks noGrp="1"/>
+          </p:cNvSpPr>
+          <p:nvPr>
+            <p:ph type="title"/>
+          </p:nvPr>
+        </p:nvSpPr>
+        <p:spPr>
+          <a:xfrm>
+            <a:off x="838200" y="365126"/>
+            <a:ext cx="2552700" cy="692150"/>
+          </a:xfrm>
+        </p:spPr>
+        <p:txBody>
+          <a:bodyPr>
+            <a:normAutofit fontScale="90000"/>
+          </a:bodyPr>
+          <a:lstStyle/>
+          <a:p>
+            <a:r>
+              <a:rPr lang="zh-TW" altLang="en-US" dirty="0"/>
+              <a:t>問題紀錄</a:t>
+            </a:r>
+          </a:p>
+        </p:txBody>
+      </p:sp>
+      <p:sp>
+        <p:nvSpPr>
+          <p:cNvPr id="4" name="文字方塊 3">
+            <a:extLst>
+              <a:ext uri="{FF2B5EF4-FFF2-40B4-BE49-F238E27FC236}">
+                <a16:creationId xmlns:a16="http://schemas.microsoft.com/office/drawing/2014/main" id="{54D03CA4-1C53-954B-EE79-DBAA6E4FE3BC}"/>
+              </a:ext>
+            </a:extLst>
+          </p:cNvPr>
+          <p:cNvSpPr txBox="1"/>
+          <p:nvPr/>
+        </p:nvSpPr>
+        <p:spPr>
+          <a:xfrm>
+            <a:off x="838199" y="1352663"/>
+            <a:ext cx="6825343" cy="369332"/>
+          </a:xfrm>
+          <a:prstGeom prst="rect">
+            <a:avLst/>
+          </a:prstGeom>
+          <a:noFill/>
+          <a:ln>
+            <a:solidFill>
+              <a:schemeClr val="tx1"/>
+            </a:solidFill>
+          </a:ln>
+        </p:spPr>
+        <p:txBody>
+          <a:bodyPr wrap="square" rtlCol="0">
+            <a:spAutoFit/>
+          </a:bodyPr>
+          <a:lstStyle/>
+          <a:p>
+            <a:r>
+              <a:rPr lang="zh-TW" altLang="en-US" dirty="0"/>
+              <a:t>若找不到</a:t>
+            </a:r>
+            <a:r>
+              <a:rPr lang="en-US" altLang="zh-TW" dirty="0"/>
+              <a:t>_Convolution2</a:t>
+            </a:r>
+            <a:r>
+              <a:rPr lang="zh-TW" altLang="en-US" dirty="0"/>
+              <a:t>的程式檔</a:t>
+            </a:r>
+            <a:r>
+              <a:rPr lang="en-US" altLang="zh-TW" dirty="0"/>
+              <a:t>,</a:t>
+            </a:r>
+            <a:r>
+              <a:rPr lang="zh-TW" altLang="en-US" dirty="0"/>
+              <a:t>代表</a:t>
+            </a:r>
+            <a:r>
+              <a:rPr lang="en-US" altLang="zh-TW" dirty="0"/>
+              <a:t>python</a:t>
+            </a:r>
+            <a:r>
+              <a:rPr lang="zh-TW" altLang="en-US" dirty="0"/>
+              <a:t>環境錯誤</a:t>
+            </a:r>
+            <a:r>
+              <a:rPr lang="en-US" altLang="zh-TW" dirty="0"/>
+              <a:t>,</a:t>
+            </a:r>
+            <a:r>
+              <a:rPr lang="zh-TW" altLang="en-US" dirty="0"/>
+              <a:t>必須為</a:t>
+            </a:r>
+            <a:r>
+              <a:rPr lang="en-US" altLang="zh-TW" dirty="0"/>
+              <a:t>3.8.10</a:t>
+            </a:r>
+            <a:endParaRPr lang="zh-TW" altLang="en-US" dirty="0"/>
+          </a:p>
+        </p:txBody>
+      </p:sp>
+      <p:pic>
+        <p:nvPicPr>
+          <p:cNvPr id="6" name="圖片 5">
+            <a:extLst>
+              <a:ext uri="{FF2B5EF4-FFF2-40B4-BE49-F238E27FC236}">
+                <a16:creationId xmlns:a16="http://schemas.microsoft.com/office/drawing/2014/main" id="{3A9601EA-98EF-29E1-2ABF-A97E68EE5BD6}"/>
+              </a:ext>
+            </a:extLst>
+          </p:cNvPr>
+          <p:cNvPicPr>
+            <a:picLocks noChangeAspect="1"/>
+          </p:cNvPicPr>
+          <p:nvPr/>
+        </p:nvPicPr>
+        <p:blipFill>
+          <a:blip r:embed="rId2"/>
+          <a:stretch>
+            <a:fillRect/>
+          </a:stretch>
+        </p:blipFill>
+        <p:spPr>
+          <a:xfrm>
+            <a:off x="838200" y="2133471"/>
+            <a:ext cx="9831172" cy="1848108"/>
+          </a:xfrm>
+          <a:prstGeom prst="rect">
+            <a:avLst/>
+          </a:prstGeom>
+        </p:spPr>
+      </p:pic>
+    </p:spTree>
+    <p:extLst>
+      <p:ext uri="{BB962C8B-B14F-4D97-AF65-F5344CB8AC3E}">
+        <p14:creationId xmlns:p14="http://schemas.microsoft.com/office/powerpoint/2010/main" val="1459821296"/>
+      </p:ext>
+    </p:extLst>
+  </p:cSld>
+  <p:clrMapOvr>
+    <a:masterClrMapping/>
+  </p:clrMapOvr>
+</p:sld>
+</file>
+
 <file path=ppt/slides/slide2.xml><?xml version="1.0" encoding="utf-8"?>
 <p:sld xmlns:a="http://schemas.openxmlformats.org/drawingml/2006/main" xmlns:r="http://schemas.openxmlformats.org/officeDocument/2006/relationships" xmlns:p="http://schemas.openxmlformats.org/presentationml/2006/main">
   <p:cSld>
@@ -3864,6 +4237,14 @@
             <a:r>
               <a:rPr lang="en-US" altLang="zh-TW" dirty="0"/>
               <a:t>(</a:t>
+            </a:r>
+            <a:r>
+              <a:rPr lang="zh-TW" altLang="en-US" dirty="0"/>
+              <a:t>必須使用此版本</a:t>
+            </a:r>
+            <a:r>
+              <a:rPr lang="en-US" altLang="zh-TW" dirty="0"/>
+              <a:t>,</a:t>
             </a:r>
             <a:r>
               <a:rPr lang="zh-TW" altLang="en-US" dirty="0"/>

--- a/zebrafish_detect_ppt/zebrafish_website_code/如何開啟網站.pptx
+++ b/zebrafish_detect_ppt/zebrafish_website_code/如何開啟網站.pptx
@@ -4240,7 +4240,7 @@
             </a:r>
             <a:r>
               <a:rPr lang="zh-TW" altLang="en-US" dirty="0"/>
-              <a:t>必須使用此版本</a:t>
+              <a:t>建議在虛擬環境中運行</a:t>
             </a:r>
             <a:r>
               <a:rPr lang="en-US" altLang="zh-TW" dirty="0"/>
@@ -4248,7 +4248,15 @@
             </a:r>
             <a:r>
               <a:rPr lang="zh-TW" altLang="en-US" dirty="0"/>
-              <a:t>建議在虛擬環境中運行</a:t>
+              <a:t>此處用的是</a:t>
+            </a:r>
+            <a:r>
+              <a:rPr lang="en-US" altLang="zh-TW" dirty="0" err="1"/>
+              <a:t>conda</a:t>
+            </a:r>
+            <a:r>
+              <a:rPr lang="zh-TW" altLang="en-US" dirty="0"/>
+              <a:t>來建設虛擬環境</a:t>
             </a:r>
             <a:r>
               <a:rPr lang="en-US" altLang="zh-TW" dirty="0"/>
@@ -4258,7 +4266,15 @@
           <a:p>
             <a:r>
               <a:rPr lang="en-US" altLang="zh-TW" dirty="0"/>
-              <a:t>python3.8.10</a:t>
+              <a:t>python3.8.10(</a:t>
+            </a:r>
+            <a:r>
+              <a:rPr lang="zh-TW" altLang="en-US" dirty="0"/>
+              <a:t>必須使用此版本</a:t>
+            </a:r>
+            <a:r>
+              <a:rPr lang="en-US" altLang="zh-TW" dirty="0"/>
+              <a:t>)</a:t>
             </a:r>
           </a:p>
           <a:p>
@@ -4291,7 +4307,7 @@
             </a:r>
             <a:r>
               <a:rPr lang="en-US" altLang="zh-TW" dirty="0"/>
-              <a:t>-python==4.7</a:t>
+              <a:t>-python==4.7.0.72</a:t>
             </a:r>
           </a:p>
           <a:p>

--- a/zebrafish_detect_ppt/zebrafish_website_code/如何開啟網站.pptx
+++ b/zebrafish_detect_ppt/zebrafish_website_code/如何開啟網站.pptx
@@ -5,22 +5,24 @@
     <p:sldMasterId id="2147483648" r:id="rId1"/>
   </p:sldMasterIdLst>
   <p:notesMasterIdLst>
-    <p:notesMasterId r:id="rId12"/>
+    <p:notesMasterId r:id="rId14"/>
   </p:notesMasterIdLst>
   <p:handoutMasterIdLst>
-    <p:handoutMasterId r:id="rId13"/>
+    <p:handoutMasterId r:id="rId15"/>
   </p:handoutMasterIdLst>
   <p:sldIdLst>
     <p:sldId id="259" r:id="rId2"/>
     <p:sldId id="1258" r:id="rId3"/>
-    <p:sldId id="1259" r:id="rId4"/>
-    <p:sldId id="1260" r:id="rId5"/>
-    <p:sldId id="1266" r:id="rId6"/>
-    <p:sldId id="1261" r:id="rId7"/>
-    <p:sldId id="1262" r:id="rId8"/>
-    <p:sldId id="1267" r:id="rId9"/>
-    <p:sldId id="1268" r:id="rId10"/>
-    <p:sldId id="336" r:id="rId11"/>
+    <p:sldId id="1269" r:id="rId4"/>
+    <p:sldId id="1270" r:id="rId5"/>
+    <p:sldId id="1259" r:id="rId6"/>
+    <p:sldId id="1260" r:id="rId7"/>
+    <p:sldId id="1266" r:id="rId8"/>
+    <p:sldId id="1261" r:id="rId9"/>
+    <p:sldId id="1262" r:id="rId10"/>
+    <p:sldId id="1267" r:id="rId11"/>
+    <p:sldId id="1268" r:id="rId12"/>
+    <p:sldId id="336" r:id="rId13"/>
   </p:sldIdLst>
   <p:sldSz cx="12192000" cy="6858000"/>
   <p:notesSz cx="6858000" cy="9144000"/>
@@ -126,6 +128,8 @@
           <p14:sldIdLst>
             <p14:sldId id="259"/>
             <p14:sldId id="1258"/>
+            <p14:sldId id="1269"/>
+            <p14:sldId id="1270"/>
             <p14:sldId id="1259"/>
             <p14:sldId id="1260"/>
             <p14:sldId id="1266"/>
@@ -4008,2052 +4012,6 @@
       </p:grpSpPr>
       <p:sp>
         <p:nvSpPr>
-          <p:cNvPr id="2" name="標題 1">
-            <a:extLst>
-              <a:ext uri="{FF2B5EF4-FFF2-40B4-BE49-F238E27FC236}">
-                <a16:creationId xmlns:a16="http://schemas.microsoft.com/office/drawing/2014/main" id="{46341E31-BA64-A521-4FFB-CB60D5529D47}"/>
-              </a:ext>
-            </a:extLst>
-          </p:cNvPr>
-          <p:cNvSpPr>
-            <a:spLocks noGrp="1"/>
-          </p:cNvSpPr>
-          <p:nvPr>
-            <p:ph type="title"/>
-          </p:nvPr>
-        </p:nvSpPr>
-        <p:spPr>
-          <a:xfrm>
-            <a:off x="838200" y="365126"/>
-            <a:ext cx="2552700" cy="692150"/>
-          </a:xfrm>
-        </p:spPr>
-        <p:txBody>
-          <a:bodyPr>
-            <a:normAutofit fontScale="90000"/>
-          </a:bodyPr>
-          <a:lstStyle/>
-          <a:p>
-            <a:r>
-              <a:rPr lang="zh-TW" altLang="en-US" dirty="0"/>
-              <a:t>問題紀錄</a:t>
-            </a:r>
-          </a:p>
-        </p:txBody>
-      </p:sp>
-      <p:sp>
-        <p:nvSpPr>
-          <p:cNvPr id="4" name="文字方塊 3">
-            <a:extLst>
-              <a:ext uri="{FF2B5EF4-FFF2-40B4-BE49-F238E27FC236}">
-                <a16:creationId xmlns:a16="http://schemas.microsoft.com/office/drawing/2014/main" id="{54D03CA4-1C53-954B-EE79-DBAA6E4FE3BC}"/>
-              </a:ext>
-            </a:extLst>
-          </p:cNvPr>
-          <p:cNvSpPr txBox="1"/>
-          <p:nvPr/>
-        </p:nvSpPr>
-        <p:spPr>
-          <a:xfrm>
-            <a:off x="838199" y="1352663"/>
-            <a:ext cx="6825343" cy="369332"/>
-          </a:xfrm>
-          <a:prstGeom prst="rect">
-            <a:avLst/>
-          </a:prstGeom>
-          <a:noFill/>
-          <a:ln>
-            <a:solidFill>
-              <a:schemeClr val="tx1"/>
-            </a:solidFill>
-          </a:ln>
-        </p:spPr>
-        <p:txBody>
-          <a:bodyPr wrap="square" rtlCol="0">
-            <a:spAutoFit/>
-          </a:bodyPr>
-          <a:lstStyle/>
-          <a:p>
-            <a:r>
-              <a:rPr lang="zh-TW" altLang="en-US" dirty="0"/>
-              <a:t>若找不到</a:t>
-            </a:r>
-            <a:r>
-              <a:rPr lang="en-US" altLang="zh-TW" dirty="0"/>
-              <a:t>_Convolution2</a:t>
-            </a:r>
-            <a:r>
-              <a:rPr lang="zh-TW" altLang="en-US" dirty="0"/>
-              <a:t>的程式檔</a:t>
-            </a:r>
-            <a:r>
-              <a:rPr lang="en-US" altLang="zh-TW" dirty="0"/>
-              <a:t>,</a:t>
-            </a:r>
-            <a:r>
-              <a:rPr lang="zh-TW" altLang="en-US" dirty="0"/>
-              <a:t>代表</a:t>
-            </a:r>
-            <a:r>
-              <a:rPr lang="en-US" altLang="zh-TW" dirty="0"/>
-              <a:t>python</a:t>
-            </a:r>
-            <a:r>
-              <a:rPr lang="zh-TW" altLang="en-US" dirty="0"/>
-              <a:t>環境錯誤</a:t>
-            </a:r>
-            <a:r>
-              <a:rPr lang="en-US" altLang="zh-TW" dirty="0"/>
-              <a:t>,</a:t>
-            </a:r>
-            <a:r>
-              <a:rPr lang="zh-TW" altLang="en-US" dirty="0"/>
-              <a:t>必須為</a:t>
-            </a:r>
-            <a:r>
-              <a:rPr lang="en-US" altLang="zh-TW" dirty="0"/>
-              <a:t>3.8.10</a:t>
-            </a:r>
-            <a:endParaRPr lang="zh-TW" altLang="en-US" dirty="0"/>
-          </a:p>
-        </p:txBody>
-      </p:sp>
-      <p:pic>
-        <p:nvPicPr>
-          <p:cNvPr id="6" name="圖片 5">
-            <a:extLst>
-              <a:ext uri="{FF2B5EF4-FFF2-40B4-BE49-F238E27FC236}">
-                <a16:creationId xmlns:a16="http://schemas.microsoft.com/office/drawing/2014/main" id="{3A9601EA-98EF-29E1-2ABF-A97E68EE5BD6}"/>
-              </a:ext>
-            </a:extLst>
-          </p:cNvPr>
-          <p:cNvPicPr>
-            <a:picLocks noChangeAspect="1"/>
-          </p:cNvPicPr>
-          <p:nvPr/>
-        </p:nvPicPr>
-        <p:blipFill>
-          <a:blip r:embed="rId2"/>
-          <a:stretch>
-            <a:fillRect/>
-          </a:stretch>
-        </p:blipFill>
-        <p:spPr>
-          <a:xfrm>
-            <a:off x="838200" y="2133471"/>
-            <a:ext cx="9831172" cy="1848108"/>
-          </a:xfrm>
-          <a:prstGeom prst="rect">
-            <a:avLst/>
-          </a:prstGeom>
-        </p:spPr>
-      </p:pic>
-    </p:spTree>
-    <p:extLst>
-      <p:ext uri="{BB962C8B-B14F-4D97-AF65-F5344CB8AC3E}">
-        <p14:creationId xmlns:p14="http://schemas.microsoft.com/office/powerpoint/2010/main" val="1459821296"/>
-      </p:ext>
-    </p:extLst>
-  </p:cSld>
-  <p:clrMapOvr>
-    <a:masterClrMapping/>
-  </p:clrMapOvr>
-</p:sld>
-</file>
-
-<file path=ppt/slides/slide2.xml><?xml version="1.0" encoding="utf-8"?>
-<p:sld xmlns:a="http://schemas.openxmlformats.org/drawingml/2006/main" xmlns:r="http://schemas.openxmlformats.org/officeDocument/2006/relationships" xmlns:p="http://schemas.openxmlformats.org/presentationml/2006/main">
-  <p:cSld>
-    <p:spTree>
-      <p:nvGrpSpPr>
-        <p:cNvPr id="1" name=""/>
-        <p:cNvGrpSpPr/>
-        <p:nvPr/>
-      </p:nvGrpSpPr>
-      <p:grpSpPr>
-        <a:xfrm>
-          <a:off x="0" y="0"/>
-          <a:ext cx="0" cy="0"/>
-          <a:chOff x="0" y="0"/>
-          <a:chExt cx="0" cy="0"/>
-        </a:xfrm>
-      </p:grpSpPr>
-      <p:sp>
-        <p:nvSpPr>
-          <p:cNvPr id="3" name="標題 2"/>
-          <p:cNvSpPr>
-            <a:spLocks noGrp="1"/>
-          </p:cNvSpPr>
-          <p:nvPr>
-            <p:ph type="title"/>
-          </p:nvPr>
-        </p:nvSpPr>
-        <p:spPr/>
-        <p:txBody>
-          <a:bodyPr>
-            <a:noAutofit/>
-          </a:bodyPr>
-          <a:lstStyle/>
-          <a:p>
-            <a:r>
-              <a:rPr lang="zh-TW" altLang="en-US" sz="3600" dirty="0"/>
-              <a:t>前置作業</a:t>
-            </a:r>
-          </a:p>
-        </p:txBody>
-      </p:sp>
-      <p:sp>
-        <p:nvSpPr>
-          <p:cNvPr id="2" name="文字方塊 1">
-            <a:extLst>
-              <a:ext uri="{FF2B5EF4-FFF2-40B4-BE49-F238E27FC236}">
-                <a16:creationId xmlns:a16="http://schemas.microsoft.com/office/drawing/2014/main" id="{078B43F9-BFF1-C255-64B7-5D2F5ED5DE37}"/>
-              </a:ext>
-            </a:extLst>
-          </p:cNvPr>
-          <p:cNvSpPr txBox="1"/>
-          <p:nvPr/>
-        </p:nvSpPr>
-        <p:spPr>
-          <a:xfrm>
-            <a:off x="988423" y="1445623"/>
-            <a:ext cx="10215154" cy="2308324"/>
-          </a:xfrm>
-          <a:prstGeom prst="rect">
-            <a:avLst/>
-          </a:prstGeom>
-          <a:noFill/>
-        </p:spPr>
-        <p:txBody>
-          <a:bodyPr wrap="square" rtlCol="0">
-            <a:spAutoFit/>
-          </a:bodyPr>
-          <a:lstStyle/>
-          <a:p>
-            <a:r>
-              <a:rPr lang="zh-TW" altLang="en-US" dirty="0"/>
-              <a:t>環境限制</a:t>
-            </a:r>
-            <a:r>
-              <a:rPr lang="en-US" altLang="zh-TW" dirty="0"/>
-              <a:t>(</a:t>
-            </a:r>
-            <a:r>
-              <a:rPr lang="zh-TW" altLang="en-US" dirty="0"/>
-              <a:t>建議在虛擬環境中運行</a:t>
-            </a:r>
-            <a:r>
-              <a:rPr lang="en-US" altLang="zh-TW" dirty="0"/>
-              <a:t>,</a:t>
-            </a:r>
-            <a:r>
-              <a:rPr lang="zh-TW" altLang="en-US" dirty="0"/>
-              <a:t>此處用的是</a:t>
-            </a:r>
-            <a:r>
-              <a:rPr lang="en-US" altLang="zh-TW" dirty="0" err="1"/>
-              <a:t>conda</a:t>
-            </a:r>
-            <a:r>
-              <a:rPr lang="zh-TW" altLang="en-US" dirty="0"/>
-              <a:t>來建設虛擬環境</a:t>
-            </a:r>
-            <a:r>
-              <a:rPr lang="en-US" altLang="zh-TW" dirty="0"/>
-              <a:t>):</a:t>
-            </a:r>
-          </a:p>
-          <a:p>
-            <a:r>
-              <a:rPr lang="en-US" altLang="zh-TW" dirty="0"/>
-              <a:t>python3.8.10(</a:t>
-            </a:r>
-            <a:r>
-              <a:rPr lang="zh-TW" altLang="en-US" dirty="0"/>
-              <a:t>必須使用此版本</a:t>
-            </a:r>
-            <a:r>
-              <a:rPr lang="en-US" altLang="zh-TW" dirty="0"/>
-              <a:t>)</a:t>
-            </a:r>
-          </a:p>
-          <a:p>
-            <a:endParaRPr lang="en-US" altLang="zh-TW" dirty="0"/>
-          </a:p>
-          <a:p>
-            <a:r>
-              <a:rPr lang="zh-TW" altLang="en-US" dirty="0"/>
-              <a:t>所需模組</a:t>
-            </a:r>
-            <a:r>
-              <a:rPr lang="en-US" altLang="zh-TW" dirty="0"/>
-              <a:t>:</a:t>
-            </a:r>
-          </a:p>
-          <a:p>
-            <a:r>
-              <a:rPr lang="en-US" altLang="zh-TW" dirty="0" err="1"/>
-              <a:t>django</a:t>
-            </a:r>
-            <a:r>
-              <a:rPr lang="en-US" altLang="zh-TW" dirty="0"/>
-              <a:t>==3.0.3</a:t>
-            </a:r>
-          </a:p>
-          <a:p>
-            <a:r>
-              <a:rPr lang="en-US" altLang="zh-TW" dirty="0" err="1"/>
-              <a:t>opencv</a:t>
-            </a:r>
-            <a:r>
-              <a:rPr lang="en-US" altLang="zh-TW" dirty="0"/>
-              <a:t>-python==4.7.0.72</a:t>
-            </a:r>
-          </a:p>
-          <a:p>
-            <a:r>
-              <a:rPr lang="en-US" altLang="zh-TW" dirty="0" err="1"/>
-              <a:t>numpy</a:t>
-            </a:r>
-            <a:r>
-              <a:rPr lang="en-US" altLang="zh-TW" dirty="0"/>
-              <a:t>==1.23.5</a:t>
-            </a:r>
-          </a:p>
-          <a:p>
-            <a:r>
-              <a:rPr lang="en-US" altLang="zh-TW" dirty="0"/>
-              <a:t>Pillow</a:t>
-            </a:r>
-          </a:p>
-        </p:txBody>
-      </p:sp>
-    </p:spTree>
-    <p:extLst>
-      <p:ext uri="{BB962C8B-B14F-4D97-AF65-F5344CB8AC3E}">
-        <p14:creationId xmlns:p14="http://schemas.microsoft.com/office/powerpoint/2010/main" val="197185061"/>
-      </p:ext>
-    </p:extLst>
-  </p:cSld>
-  <p:clrMapOvr>
-    <a:masterClrMapping/>
-  </p:clrMapOvr>
-</p:sld>
-</file>
-
-<file path=ppt/slides/slide3.xml><?xml version="1.0" encoding="utf-8"?>
-<p:sld xmlns:a="http://schemas.openxmlformats.org/drawingml/2006/main" xmlns:r="http://schemas.openxmlformats.org/officeDocument/2006/relationships" xmlns:p="http://schemas.openxmlformats.org/presentationml/2006/main">
-  <p:cSld>
-    <p:spTree>
-      <p:nvGrpSpPr>
-        <p:cNvPr id="1" name=""/>
-        <p:cNvGrpSpPr/>
-        <p:nvPr/>
-      </p:nvGrpSpPr>
-      <p:grpSpPr>
-        <a:xfrm>
-          <a:off x="0" y="0"/>
-          <a:ext cx="0" cy="0"/>
-          <a:chOff x="0" y="0"/>
-          <a:chExt cx="0" cy="0"/>
-        </a:xfrm>
-      </p:grpSpPr>
-      <p:sp>
-        <p:nvSpPr>
-          <p:cNvPr id="3" name="標題 2"/>
-          <p:cNvSpPr>
-            <a:spLocks noGrp="1"/>
-          </p:cNvSpPr>
-          <p:nvPr>
-            <p:ph type="title"/>
-          </p:nvPr>
-        </p:nvSpPr>
-        <p:spPr/>
-        <p:txBody>
-          <a:bodyPr>
-            <a:noAutofit/>
-          </a:bodyPr>
-          <a:lstStyle/>
-          <a:p>
-            <a:r>
-              <a:rPr lang="zh-TW" altLang="en-US" sz="3600" dirty="0"/>
-              <a:t>教學</a:t>
-            </a:r>
-          </a:p>
-        </p:txBody>
-      </p:sp>
-      <p:sp>
-        <p:nvSpPr>
-          <p:cNvPr id="4" name="文字方塊 3">
-            <a:extLst>
-              <a:ext uri="{FF2B5EF4-FFF2-40B4-BE49-F238E27FC236}">
-                <a16:creationId xmlns:a16="http://schemas.microsoft.com/office/drawing/2014/main" id="{2B338AA9-E58C-0FF2-7D06-E44A90439D6F}"/>
-              </a:ext>
-            </a:extLst>
-          </p:cNvPr>
-          <p:cNvSpPr txBox="1"/>
-          <p:nvPr/>
-        </p:nvSpPr>
-        <p:spPr>
-          <a:xfrm>
-            <a:off x="1010194" y="1384663"/>
-            <a:ext cx="3805646" cy="369332"/>
-          </a:xfrm>
-          <a:prstGeom prst="rect">
-            <a:avLst/>
-          </a:prstGeom>
-          <a:noFill/>
-          <a:ln>
-            <a:solidFill>
-              <a:schemeClr val="tx1"/>
-            </a:solidFill>
-          </a:ln>
-        </p:spPr>
-        <p:txBody>
-          <a:bodyPr wrap="square" rtlCol="0">
-            <a:spAutoFit/>
-          </a:bodyPr>
-          <a:lstStyle/>
-          <a:p>
-            <a:r>
-              <a:rPr lang="zh-TW" altLang="en-US" dirty="0"/>
-              <a:t>第一步</a:t>
-            </a:r>
-            <a:r>
-              <a:rPr lang="en-US" altLang="zh-TW" dirty="0"/>
-              <a:t>:</a:t>
-            </a:r>
-            <a:r>
-              <a:rPr lang="zh-TW" altLang="en-US" dirty="0"/>
-              <a:t>打開放置網頁程式的資料夾</a:t>
-            </a:r>
-          </a:p>
-        </p:txBody>
-      </p:sp>
-      <p:pic>
-        <p:nvPicPr>
-          <p:cNvPr id="6" name="圖片 5">
-            <a:extLst>
-              <a:ext uri="{FF2B5EF4-FFF2-40B4-BE49-F238E27FC236}">
-                <a16:creationId xmlns:a16="http://schemas.microsoft.com/office/drawing/2014/main" id="{7E500E93-E437-FAD4-91D2-CA08C6074138}"/>
-              </a:ext>
-            </a:extLst>
-          </p:cNvPr>
-          <p:cNvPicPr>
-            <a:picLocks noChangeAspect="1"/>
-          </p:cNvPicPr>
-          <p:nvPr/>
-        </p:nvPicPr>
-        <p:blipFill>
-          <a:blip r:embed="rId2"/>
-          <a:stretch>
-            <a:fillRect/>
-          </a:stretch>
-        </p:blipFill>
-        <p:spPr>
-          <a:xfrm>
-            <a:off x="1010194" y="1865233"/>
-            <a:ext cx="5643155" cy="1992158"/>
-          </a:xfrm>
-          <a:prstGeom prst="rect">
-            <a:avLst/>
-          </a:prstGeom>
-          <a:ln>
-            <a:solidFill>
-              <a:schemeClr val="tx1"/>
-            </a:solidFill>
-          </a:ln>
-        </p:spPr>
-      </p:pic>
-      <p:sp>
-        <p:nvSpPr>
-          <p:cNvPr id="7" name="框架 6">
-            <a:extLst>
-              <a:ext uri="{FF2B5EF4-FFF2-40B4-BE49-F238E27FC236}">
-                <a16:creationId xmlns:a16="http://schemas.microsoft.com/office/drawing/2014/main" id="{0C5CC03B-B497-89EF-33CF-8DD76621FC51}"/>
-              </a:ext>
-            </a:extLst>
-          </p:cNvPr>
-          <p:cNvSpPr/>
-          <p:nvPr/>
-        </p:nvSpPr>
-        <p:spPr>
-          <a:xfrm>
-            <a:off x="1001486" y="2804161"/>
-            <a:ext cx="5477692" cy="296092"/>
-          </a:xfrm>
-          <a:prstGeom prst="frame">
-            <a:avLst/>
-          </a:prstGeom>
-          <a:solidFill>
-            <a:srgbClr val="FF0000"/>
-          </a:solidFill>
-          <a:ln>
-            <a:solidFill>
-              <a:srgbClr val="FF0000"/>
-            </a:solidFill>
-          </a:ln>
-        </p:spPr>
-        <p:style>
-          <a:lnRef idx="2">
-            <a:schemeClr val="accent1">
-              <a:shade val="15000"/>
-            </a:schemeClr>
-          </a:lnRef>
-          <a:fillRef idx="1">
-            <a:schemeClr val="accent1"/>
-          </a:fillRef>
-          <a:effectRef idx="0">
-            <a:schemeClr val="accent1"/>
-          </a:effectRef>
-          <a:fontRef idx="minor">
-            <a:schemeClr val="lt1"/>
-          </a:fontRef>
-        </p:style>
-        <p:txBody>
-          <a:bodyPr rtlCol="0" anchor="ctr"/>
-          <a:lstStyle/>
-          <a:p>
-            <a:pPr algn="ctr"/>
-            <a:endParaRPr lang="zh-TW" altLang="en-US">
-              <a:solidFill>
-                <a:schemeClr val="tx1"/>
-              </a:solidFill>
-            </a:endParaRPr>
-          </a:p>
-        </p:txBody>
-      </p:sp>
-      <p:pic>
-        <p:nvPicPr>
-          <p:cNvPr id="9" name="圖片 8">
-            <a:extLst>
-              <a:ext uri="{FF2B5EF4-FFF2-40B4-BE49-F238E27FC236}">
-                <a16:creationId xmlns:a16="http://schemas.microsoft.com/office/drawing/2014/main" id="{F15A310C-F1FA-1AB5-DADD-BE56A497FCA9}"/>
-              </a:ext>
-            </a:extLst>
-          </p:cNvPr>
-          <p:cNvPicPr>
-            <a:picLocks noChangeAspect="1"/>
-          </p:cNvPicPr>
-          <p:nvPr/>
-        </p:nvPicPr>
-        <p:blipFill>
-          <a:blip r:embed="rId3"/>
-          <a:stretch>
-            <a:fillRect/>
-          </a:stretch>
-        </p:blipFill>
-        <p:spPr>
-          <a:xfrm>
-            <a:off x="6096000" y="4080620"/>
-            <a:ext cx="5333451" cy="2578899"/>
-          </a:xfrm>
-          <a:prstGeom prst="rect">
-            <a:avLst/>
-          </a:prstGeom>
-          <a:ln>
-            <a:solidFill>
-              <a:schemeClr val="tx1"/>
-            </a:solidFill>
-          </a:ln>
-        </p:spPr>
-      </p:pic>
-      <p:sp>
-        <p:nvSpPr>
-          <p:cNvPr id="10" name="箭號: 上彎 9">
-            <a:extLst>
-              <a:ext uri="{FF2B5EF4-FFF2-40B4-BE49-F238E27FC236}">
-                <a16:creationId xmlns:a16="http://schemas.microsoft.com/office/drawing/2014/main" id="{829B7AC3-E531-9F13-F927-FA9A755EC35B}"/>
-              </a:ext>
-            </a:extLst>
-          </p:cNvPr>
-          <p:cNvSpPr/>
-          <p:nvPr/>
-        </p:nvSpPr>
-        <p:spPr>
-          <a:xfrm rot="5400000">
-            <a:off x="3827417" y="4034828"/>
-            <a:ext cx="1942011" cy="1950719"/>
-          </a:xfrm>
-          <a:prstGeom prst="bentUpArrow">
-            <a:avLst>
-              <a:gd name="adj1" fmla="val 25000"/>
-              <a:gd name="adj2" fmla="val 29791"/>
-              <a:gd name="adj3" fmla="val 23206"/>
-            </a:avLst>
-          </a:prstGeom>
-          <a:solidFill>
-            <a:srgbClr val="FF0000"/>
-          </a:solidFill>
-          <a:ln>
-            <a:solidFill>
-              <a:srgbClr val="FF0000"/>
-            </a:solidFill>
-          </a:ln>
-        </p:spPr>
-        <p:style>
-          <a:lnRef idx="2">
-            <a:schemeClr val="accent1">
-              <a:shade val="15000"/>
-            </a:schemeClr>
-          </a:lnRef>
-          <a:fillRef idx="1">
-            <a:schemeClr val="accent1"/>
-          </a:fillRef>
-          <a:effectRef idx="0">
-            <a:schemeClr val="accent1"/>
-          </a:effectRef>
-          <a:fontRef idx="minor">
-            <a:schemeClr val="lt1"/>
-          </a:fontRef>
-        </p:style>
-        <p:txBody>
-          <a:bodyPr rtlCol="0" anchor="ctr"/>
-          <a:lstStyle/>
-          <a:p>
-            <a:pPr algn="ctr"/>
-            <a:endParaRPr lang="zh-TW" altLang="en-US"/>
-          </a:p>
-        </p:txBody>
-      </p:sp>
-    </p:spTree>
-    <p:extLst>
-      <p:ext uri="{BB962C8B-B14F-4D97-AF65-F5344CB8AC3E}">
-        <p14:creationId xmlns:p14="http://schemas.microsoft.com/office/powerpoint/2010/main" val="2730431049"/>
-      </p:ext>
-    </p:extLst>
-  </p:cSld>
-  <p:clrMapOvr>
-    <a:masterClrMapping/>
-  </p:clrMapOvr>
-</p:sld>
-</file>
-
-<file path=ppt/slides/slide4.xml><?xml version="1.0" encoding="utf-8"?>
-<p:sld xmlns:a="http://schemas.openxmlformats.org/drawingml/2006/main" xmlns:r="http://schemas.openxmlformats.org/officeDocument/2006/relationships" xmlns:p="http://schemas.openxmlformats.org/presentationml/2006/main">
-  <p:cSld>
-    <p:spTree>
-      <p:nvGrpSpPr>
-        <p:cNvPr id="1" name=""/>
-        <p:cNvGrpSpPr/>
-        <p:nvPr/>
-      </p:nvGrpSpPr>
-      <p:grpSpPr>
-        <a:xfrm>
-          <a:off x="0" y="0"/>
-          <a:ext cx="0" cy="0"/>
-          <a:chOff x="0" y="0"/>
-          <a:chExt cx="0" cy="0"/>
-        </a:xfrm>
-      </p:grpSpPr>
-      <p:sp>
-        <p:nvSpPr>
-          <p:cNvPr id="3" name="標題 2"/>
-          <p:cNvSpPr>
-            <a:spLocks noGrp="1"/>
-          </p:cNvSpPr>
-          <p:nvPr>
-            <p:ph type="title"/>
-          </p:nvPr>
-        </p:nvSpPr>
-        <p:spPr/>
-        <p:txBody>
-          <a:bodyPr>
-            <a:noAutofit/>
-          </a:bodyPr>
-          <a:lstStyle/>
-          <a:p>
-            <a:r>
-              <a:rPr lang="zh-TW" altLang="en-US" sz="3600" dirty="0"/>
-              <a:t>教學</a:t>
-            </a:r>
-          </a:p>
-        </p:txBody>
-      </p:sp>
-      <p:sp>
-        <p:nvSpPr>
-          <p:cNvPr id="4" name="文字方塊 3">
-            <a:extLst>
-              <a:ext uri="{FF2B5EF4-FFF2-40B4-BE49-F238E27FC236}">
-                <a16:creationId xmlns:a16="http://schemas.microsoft.com/office/drawing/2014/main" id="{2B338AA9-E58C-0FF2-7D06-E44A90439D6F}"/>
-              </a:ext>
-            </a:extLst>
-          </p:cNvPr>
-          <p:cNvSpPr txBox="1"/>
-          <p:nvPr/>
-        </p:nvSpPr>
-        <p:spPr>
-          <a:xfrm>
-            <a:off x="1010194" y="1384663"/>
-            <a:ext cx="4850676" cy="369332"/>
-          </a:xfrm>
-          <a:prstGeom prst="rect">
-            <a:avLst/>
-          </a:prstGeom>
-          <a:noFill/>
-          <a:ln>
-            <a:solidFill>
-              <a:schemeClr val="tx1"/>
-            </a:solidFill>
-          </a:ln>
-        </p:spPr>
-        <p:txBody>
-          <a:bodyPr wrap="square" rtlCol="0">
-            <a:spAutoFit/>
-          </a:bodyPr>
-          <a:lstStyle/>
-          <a:p>
-            <a:r>
-              <a:rPr lang="zh-TW" altLang="en-US" dirty="0"/>
-              <a:t>第二步</a:t>
-            </a:r>
-            <a:r>
-              <a:rPr lang="en-US" altLang="zh-TW" dirty="0"/>
-              <a:t>:</a:t>
-            </a:r>
-            <a:r>
-              <a:rPr lang="zh-TW" altLang="en-US" dirty="0"/>
-              <a:t>在當前資料夾進入</a:t>
-            </a:r>
-            <a:r>
-              <a:rPr lang="en-US" altLang="zh-TW" dirty="0" err="1"/>
-              <a:t>cmd</a:t>
-            </a:r>
-            <a:r>
-              <a:rPr lang="en-US" altLang="zh-TW" dirty="0"/>
-              <a:t>,</a:t>
-            </a:r>
-            <a:r>
-              <a:rPr lang="zh-TW" altLang="en-US" dirty="0"/>
-              <a:t>並開啟虛擬環境</a:t>
-            </a:r>
-          </a:p>
-        </p:txBody>
-      </p:sp>
-      <p:pic>
-        <p:nvPicPr>
-          <p:cNvPr id="5" name="圖片 4">
-            <a:extLst>
-              <a:ext uri="{FF2B5EF4-FFF2-40B4-BE49-F238E27FC236}">
-                <a16:creationId xmlns:a16="http://schemas.microsoft.com/office/drawing/2014/main" id="{057A3191-E36D-5DC6-6F25-7D7A62A426C3}"/>
-              </a:ext>
-            </a:extLst>
-          </p:cNvPr>
-          <p:cNvPicPr>
-            <a:picLocks noChangeAspect="1"/>
-          </p:cNvPicPr>
-          <p:nvPr/>
-        </p:nvPicPr>
-        <p:blipFill>
-          <a:blip r:embed="rId2"/>
-          <a:stretch>
-            <a:fillRect/>
-          </a:stretch>
-        </p:blipFill>
-        <p:spPr>
-          <a:xfrm>
-            <a:off x="1001486" y="1944385"/>
-            <a:ext cx="4697763" cy="1887387"/>
-          </a:xfrm>
-          <a:prstGeom prst="rect">
-            <a:avLst/>
-          </a:prstGeom>
-          <a:ln>
-            <a:solidFill>
-              <a:schemeClr val="tx1"/>
-            </a:solidFill>
-          </a:ln>
-        </p:spPr>
-      </p:pic>
-      <p:sp>
-        <p:nvSpPr>
-          <p:cNvPr id="6" name="框架 5">
-            <a:extLst>
-              <a:ext uri="{FF2B5EF4-FFF2-40B4-BE49-F238E27FC236}">
-                <a16:creationId xmlns:a16="http://schemas.microsoft.com/office/drawing/2014/main" id="{4ED1C614-8B3A-5F5B-3A92-825679CF0370}"/>
-              </a:ext>
-            </a:extLst>
-          </p:cNvPr>
-          <p:cNvSpPr/>
-          <p:nvPr/>
-        </p:nvSpPr>
-        <p:spPr>
-          <a:xfrm>
-            <a:off x="940526" y="1926969"/>
-            <a:ext cx="2952205" cy="296092"/>
-          </a:xfrm>
-          <a:prstGeom prst="frame">
-            <a:avLst/>
-          </a:prstGeom>
-          <a:solidFill>
-            <a:srgbClr val="FF0000"/>
-          </a:solidFill>
-          <a:ln>
-            <a:solidFill>
-              <a:srgbClr val="FF0000"/>
-            </a:solidFill>
-          </a:ln>
-        </p:spPr>
-        <p:style>
-          <a:lnRef idx="2">
-            <a:schemeClr val="accent1">
-              <a:shade val="15000"/>
-            </a:schemeClr>
-          </a:lnRef>
-          <a:fillRef idx="1">
-            <a:schemeClr val="accent1"/>
-          </a:fillRef>
-          <a:effectRef idx="0">
-            <a:schemeClr val="accent1"/>
-          </a:effectRef>
-          <a:fontRef idx="minor">
-            <a:schemeClr val="lt1"/>
-          </a:fontRef>
-        </p:style>
-        <p:txBody>
-          <a:bodyPr rtlCol="0" anchor="ctr"/>
-          <a:lstStyle/>
-          <a:p>
-            <a:pPr algn="ctr"/>
-            <a:endParaRPr lang="zh-TW" altLang="en-US">
-              <a:solidFill>
-                <a:schemeClr val="tx1"/>
-              </a:solidFill>
-            </a:endParaRPr>
-          </a:p>
-        </p:txBody>
-      </p:sp>
-      <p:pic>
-        <p:nvPicPr>
-          <p:cNvPr id="9" name="圖片 8">
-            <a:extLst>
-              <a:ext uri="{FF2B5EF4-FFF2-40B4-BE49-F238E27FC236}">
-                <a16:creationId xmlns:a16="http://schemas.microsoft.com/office/drawing/2014/main" id="{93A24BFE-57DF-2DC9-9EA9-B6D1A41C9A97}"/>
-              </a:ext>
-            </a:extLst>
-          </p:cNvPr>
-          <p:cNvPicPr>
-            <a:picLocks noChangeAspect="1"/>
-          </p:cNvPicPr>
-          <p:nvPr/>
-        </p:nvPicPr>
-        <p:blipFill>
-          <a:blip r:embed="rId3"/>
-          <a:stretch>
-            <a:fillRect/>
-          </a:stretch>
-        </p:blipFill>
-        <p:spPr>
-          <a:xfrm>
-            <a:off x="6252754" y="3831772"/>
-            <a:ext cx="4758723" cy="2415522"/>
-          </a:xfrm>
-          <a:prstGeom prst="rect">
-            <a:avLst/>
-          </a:prstGeom>
-          <a:ln>
-            <a:solidFill>
-              <a:schemeClr val="tx1"/>
-            </a:solidFill>
-          </a:ln>
-        </p:spPr>
-      </p:pic>
-      <p:sp>
-        <p:nvSpPr>
-          <p:cNvPr id="10" name="框架 9">
-            <a:extLst>
-              <a:ext uri="{FF2B5EF4-FFF2-40B4-BE49-F238E27FC236}">
-                <a16:creationId xmlns:a16="http://schemas.microsoft.com/office/drawing/2014/main" id="{1524D284-3D79-D5A9-965A-152DA292DBAE}"/>
-              </a:ext>
-            </a:extLst>
-          </p:cNvPr>
-          <p:cNvSpPr/>
-          <p:nvPr/>
-        </p:nvSpPr>
-        <p:spPr>
-          <a:xfrm>
-            <a:off x="6261462" y="3831771"/>
-            <a:ext cx="4380412" cy="349541"/>
-          </a:xfrm>
-          <a:prstGeom prst="frame">
-            <a:avLst/>
-          </a:prstGeom>
-          <a:solidFill>
-            <a:srgbClr val="FF0000"/>
-          </a:solidFill>
-          <a:ln>
-            <a:solidFill>
-              <a:srgbClr val="FF0000"/>
-            </a:solidFill>
-          </a:ln>
-        </p:spPr>
-        <p:style>
-          <a:lnRef idx="2">
-            <a:schemeClr val="accent1">
-              <a:shade val="15000"/>
-            </a:schemeClr>
-          </a:lnRef>
-          <a:fillRef idx="1">
-            <a:schemeClr val="accent1"/>
-          </a:fillRef>
-          <a:effectRef idx="0">
-            <a:schemeClr val="accent1"/>
-          </a:effectRef>
-          <a:fontRef idx="minor">
-            <a:schemeClr val="lt1"/>
-          </a:fontRef>
-        </p:style>
-        <p:txBody>
-          <a:bodyPr rtlCol="0" anchor="ctr"/>
-          <a:lstStyle/>
-          <a:p>
-            <a:pPr algn="ctr"/>
-            <a:endParaRPr lang="zh-TW" altLang="en-US">
-              <a:solidFill>
-                <a:schemeClr val="tx1"/>
-              </a:solidFill>
-            </a:endParaRPr>
-          </a:p>
-        </p:txBody>
-      </p:sp>
-      <p:sp>
-        <p:nvSpPr>
-          <p:cNvPr id="16" name="箭號: 上彎 15">
-            <a:extLst>
-              <a:ext uri="{FF2B5EF4-FFF2-40B4-BE49-F238E27FC236}">
-                <a16:creationId xmlns:a16="http://schemas.microsoft.com/office/drawing/2014/main" id="{A8EE1B67-B8FF-736D-028E-72FD309CC58F}"/>
-              </a:ext>
-            </a:extLst>
-          </p:cNvPr>
-          <p:cNvSpPr/>
-          <p:nvPr/>
-        </p:nvSpPr>
-        <p:spPr>
-          <a:xfrm rot="5400000">
-            <a:off x="3557452" y="4017808"/>
-            <a:ext cx="1942011" cy="1950719"/>
-          </a:xfrm>
-          <a:prstGeom prst="bentUpArrow">
-            <a:avLst>
-              <a:gd name="adj1" fmla="val 25000"/>
-              <a:gd name="adj2" fmla="val 29791"/>
-              <a:gd name="adj3" fmla="val 23206"/>
-            </a:avLst>
-          </a:prstGeom>
-          <a:solidFill>
-            <a:srgbClr val="FF0000"/>
-          </a:solidFill>
-          <a:ln>
-            <a:solidFill>
-              <a:srgbClr val="FF0000"/>
-            </a:solidFill>
-          </a:ln>
-        </p:spPr>
-        <p:style>
-          <a:lnRef idx="2">
-            <a:schemeClr val="accent1">
-              <a:shade val="15000"/>
-            </a:schemeClr>
-          </a:lnRef>
-          <a:fillRef idx="1">
-            <a:schemeClr val="accent1"/>
-          </a:fillRef>
-          <a:effectRef idx="0">
-            <a:schemeClr val="accent1"/>
-          </a:effectRef>
-          <a:fontRef idx="minor">
-            <a:schemeClr val="lt1"/>
-          </a:fontRef>
-        </p:style>
-        <p:txBody>
-          <a:bodyPr rtlCol="0" anchor="ctr"/>
-          <a:lstStyle/>
-          <a:p>
-            <a:pPr algn="ctr"/>
-            <a:endParaRPr lang="zh-TW" altLang="en-US"/>
-          </a:p>
-        </p:txBody>
-      </p:sp>
-    </p:spTree>
-    <p:extLst>
-      <p:ext uri="{BB962C8B-B14F-4D97-AF65-F5344CB8AC3E}">
-        <p14:creationId xmlns:p14="http://schemas.microsoft.com/office/powerpoint/2010/main" val="3711818896"/>
-      </p:ext>
-    </p:extLst>
-  </p:cSld>
-  <p:clrMapOvr>
-    <a:masterClrMapping/>
-  </p:clrMapOvr>
-</p:sld>
-</file>
-
-<file path=ppt/slides/slide5.xml><?xml version="1.0" encoding="utf-8"?>
-<p:sld xmlns:a="http://schemas.openxmlformats.org/drawingml/2006/main" xmlns:r="http://schemas.openxmlformats.org/officeDocument/2006/relationships" xmlns:p="http://schemas.openxmlformats.org/presentationml/2006/main">
-  <p:cSld>
-    <p:spTree>
-      <p:nvGrpSpPr>
-        <p:cNvPr id="1" name=""/>
-        <p:cNvGrpSpPr/>
-        <p:nvPr/>
-      </p:nvGrpSpPr>
-      <p:grpSpPr>
-        <a:xfrm>
-          <a:off x="0" y="0"/>
-          <a:ext cx="0" cy="0"/>
-          <a:chOff x="0" y="0"/>
-          <a:chExt cx="0" cy="0"/>
-        </a:xfrm>
-      </p:grpSpPr>
-      <p:sp>
-        <p:nvSpPr>
-          <p:cNvPr id="3" name="標題 2"/>
-          <p:cNvSpPr>
-            <a:spLocks noGrp="1"/>
-          </p:cNvSpPr>
-          <p:nvPr>
-            <p:ph type="title"/>
-          </p:nvPr>
-        </p:nvSpPr>
-        <p:spPr/>
-        <p:txBody>
-          <a:bodyPr>
-            <a:noAutofit/>
-          </a:bodyPr>
-          <a:lstStyle/>
-          <a:p>
-            <a:r>
-              <a:rPr lang="zh-TW" altLang="en-US" sz="3600" dirty="0"/>
-              <a:t>教學</a:t>
-            </a:r>
-          </a:p>
-        </p:txBody>
-      </p:sp>
-      <p:sp>
-        <p:nvSpPr>
-          <p:cNvPr id="4" name="文字方塊 3">
-            <a:extLst>
-              <a:ext uri="{FF2B5EF4-FFF2-40B4-BE49-F238E27FC236}">
-                <a16:creationId xmlns:a16="http://schemas.microsoft.com/office/drawing/2014/main" id="{2B338AA9-E58C-0FF2-7D06-E44A90439D6F}"/>
-              </a:ext>
-            </a:extLst>
-          </p:cNvPr>
-          <p:cNvSpPr txBox="1"/>
-          <p:nvPr/>
-        </p:nvSpPr>
-        <p:spPr>
-          <a:xfrm>
-            <a:off x="1010193" y="1384663"/>
-            <a:ext cx="8203476" cy="369332"/>
-          </a:xfrm>
-          <a:prstGeom prst="rect">
-            <a:avLst/>
-          </a:prstGeom>
-          <a:noFill/>
-          <a:ln>
-            <a:solidFill>
-              <a:schemeClr val="tx1"/>
-            </a:solidFill>
-          </a:ln>
-        </p:spPr>
-        <p:txBody>
-          <a:bodyPr wrap="square" rtlCol="0">
-            <a:spAutoFit/>
-          </a:bodyPr>
-          <a:lstStyle/>
-          <a:p>
-            <a:r>
-              <a:rPr lang="zh-TW" altLang="en-US" dirty="0"/>
-              <a:t>第二步</a:t>
-            </a:r>
-            <a:r>
-              <a:rPr lang="en-US" altLang="zh-TW" dirty="0"/>
-              <a:t>:</a:t>
-            </a:r>
-            <a:r>
-              <a:rPr lang="zh-TW" altLang="en-US" dirty="0"/>
-              <a:t>在當前資料夾進入</a:t>
-            </a:r>
-            <a:r>
-              <a:rPr lang="en-US" altLang="zh-TW" dirty="0" err="1"/>
-              <a:t>cmd</a:t>
-            </a:r>
-            <a:r>
-              <a:rPr lang="en-US" altLang="zh-TW" dirty="0"/>
-              <a:t>,</a:t>
-            </a:r>
-            <a:r>
-              <a:rPr lang="zh-TW" altLang="en-US" dirty="0"/>
-              <a:t>並開啟虛擬環境</a:t>
-            </a:r>
-            <a:r>
-              <a:rPr lang="en-US" altLang="zh-TW" dirty="0"/>
-              <a:t>(</a:t>
-            </a:r>
-            <a:r>
-              <a:rPr lang="zh-TW" altLang="en-US" dirty="0"/>
-              <a:t>此處虛擬環境使用</a:t>
-            </a:r>
-            <a:r>
-              <a:rPr lang="en-US" altLang="zh-TW" dirty="0"/>
-              <a:t>Anaconda</a:t>
-            </a:r>
-            <a:r>
-              <a:rPr lang="zh-TW" altLang="en-US" dirty="0"/>
-              <a:t>架設</a:t>
-            </a:r>
-            <a:r>
-              <a:rPr lang="en-US" altLang="zh-TW" dirty="0"/>
-              <a:t>)</a:t>
-            </a:r>
-            <a:endParaRPr lang="zh-TW" altLang="en-US" dirty="0"/>
-          </a:p>
-        </p:txBody>
-      </p:sp>
-      <p:pic>
-        <p:nvPicPr>
-          <p:cNvPr id="14" name="圖片 13">
-            <a:extLst>
-              <a:ext uri="{FF2B5EF4-FFF2-40B4-BE49-F238E27FC236}">
-                <a16:creationId xmlns:a16="http://schemas.microsoft.com/office/drawing/2014/main" id="{D2522F1F-0A15-4238-3A25-A646A8D03725}"/>
-              </a:ext>
-            </a:extLst>
-          </p:cNvPr>
-          <p:cNvPicPr>
-            <a:picLocks noChangeAspect="1"/>
-          </p:cNvPicPr>
-          <p:nvPr/>
-        </p:nvPicPr>
-        <p:blipFill>
-          <a:blip r:embed="rId2"/>
-          <a:stretch>
-            <a:fillRect/>
-          </a:stretch>
-        </p:blipFill>
-        <p:spPr>
-          <a:xfrm>
-            <a:off x="1124933" y="2357389"/>
-            <a:ext cx="10507541" cy="2648320"/>
-          </a:xfrm>
-          <a:prstGeom prst="rect">
-            <a:avLst/>
-          </a:prstGeom>
-        </p:spPr>
-      </p:pic>
-      <p:sp>
-        <p:nvSpPr>
-          <p:cNvPr id="2" name="框架 1">
-            <a:extLst>
-              <a:ext uri="{FF2B5EF4-FFF2-40B4-BE49-F238E27FC236}">
-                <a16:creationId xmlns:a16="http://schemas.microsoft.com/office/drawing/2014/main" id="{12146EDD-9FC5-7CAA-5307-166B7298E453}"/>
-              </a:ext>
-            </a:extLst>
-          </p:cNvPr>
-          <p:cNvSpPr/>
-          <p:nvPr/>
-        </p:nvSpPr>
-        <p:spPr>
-          <a:xfrm>
-            <a:off x="4963886" y="3280954"/>
-            <a:ext cx="1567543" cy="296092"/>
-          </a:xfrm>
-          <a:prstGeom prst="frame">
-            <a:avLst/>
-          </a:prstGeom>
-          <a:solidFill>
-            <a:srgbClr val="FF0000"/>
-          </a:solidFill>
-          <a:ln>
-            <a:solidFill>
-              <a:srgbClr val="FF0000"/>
-            </a:solidFill>
-          </a:ln>
-        </p:spPr>
-        <p:style>
-          <a:lnRef idx="2">
-            <a:schemeClr val="accent1">
-              <a:shade val="15000"/>
-            </a:schemeClr>
-          </a:lnRef>
-          <a:fillRef idx="1">
-            <a:schemeClr val="accent1"/>
-          </a:fillRef>
-          <a:effectRef idx="0">
-            <a:schemeClr val="accent1"/>
-          </a:effectRef>
-          <a:fontRef idx="minor">
-            <a:schemeClr val="lt1"/>
-          </a:fontRef>
-        </p:style>
-        <p:txBody>
-          <a:bodyPr rtlCol="0" anchor="ctr"/>
-          <a:lstStyle/>
-          <a:p>
-            <a:pPr algn="ctr"/>
-            <a:endParaRPr lang="zh-TW" altLang="en-US">
-              <a:solidFill>
-                <a:schemeClr val="tx1"/>
-              </a:solidFill>
-            </a:endParaRPr>
-          </a:p>
-        </p:txBody>
-      </p:sp>
-      <p:sp>
-        <p:nvSpPr>
-          <p:cNvPr id="7" name="框架 6">
-            <a:extLst>
-              <a:ext uri="{FF2B5EF4-FFF2-40B4-BE49-F238E27FC236}">
-                <a16:creationId xmlns:a16="http://schemas.microsoft.com/office/drawing/2014/main" id="{CB4DA94A-447A-CAE6-F6EC-B09B6B012B64}"/>
-              </a:ext>
-            </a:extLst>
-          </p:cNvPr>
-          <p:cNvSpPr/>
-          <p:nvPr/>
-        </p:nvSpPr>
-        <p:spPr>
-          <a:xfrm>
-            <a:off x="1124932" y="3653246"/>
-            <a:ext cx="747411" cy="296092"/>
-          </a:xfrm>
-          <a:prstGeom prst="frame">
-            <a:avLst/>
-          </a:prstGeom>
-          <a:solidFill>
-            <a:srgbClr val="FF0000"/>
-          </a:solidFill>
-          <a:ln>
-            <a:solidFill>
-              <a:srgbClr val="FF0000"/>
-            </a:solidFill>
-          </a:ln>
-        </p:spPr>
-        <p:style>
-          <a:lnRef idx="2">
-            <a:schemeClr val="accent1">
-              <a:shade val="15000"/>
-            </a:schemeClr>
-          </a:lnRef>
-          <a:fillRef idx="1">
-            <a:schemeClr val="accent1"/>
-          </a:fillRef>
-          <a:effectRef idx="0">
-            <a:schemeClr val="accent1"/>
-          </a:effectRef>
-          <a:fontRef idx="minor">
-            <a:schemeClr val="lt1"/>
-          </a:fontRef>
-        </p:style>
-        <p:txBody>
-          <a:bodyPr rtlCol="0" anchor="ctr"/>
-          <a:lstStyle/>
-          <a:p>
-            <a:pPr algn="ctr"/>
-            <a:endParaRPr lang="zh-TW" altLang="en-US">
-              <a:solidFill>
-                <a:schemeClr val="tx1"/>
-              </a:solidFill>
-            </a:endParaRPr>
-          </a:p>
-        </p:txBody>
-      </p:sp>
-      <p:cxnSp>
-        <p:nvCxnSpPr>
-          <p:cNvPr id="11" name="直線接點 10">
-            <a:extLst>
-              <a:ext uri="{FF2B5EF4-FFF2-40B4-BE49-F238E27FC236}">
-                <a16:creationId xmlns:a16="http://schemas.microsoft.com/office/drawing/2014/main" id="{41E05AF9-882D-FB1C-8789-18432750A412}"/>
-              </a:ext>
-            </a:extLst>
-          </p:cNvPr>
-          <p:cNvCxnSpPr>
-            <a:cxnSpLocks/>
-            <a:stCxn id="7" idx="2"/>
-            <a:endCxn id="12" idx="0"/>
-          </p:cNvCxnSpPr>
-          <p:nvPr/>
-        </p:nvCxnSpPr>
-        <p:spPr>
-          <a:xfrm>
-            <a:off x="1498638" y="3949338"/>
-            <a:ext cx="1545008" cy="1637993"/>
-          </a:xfrm>
-          <a:prstGeom prst="line">
-            <a:avLst/>
-          </a:prstGeom>
-          <a:ln>
-            <a:solidFill>
-              <a:srgbClr val="FF0000"/>
-            </a:solidFill>
-          </a:ln>
-        </p:spPr>
-        <p:style>
-          <a:lnRef idx="3">
-            <a:schemeClr val="dk1"/>
-          </a:lnRef>
-          <a:fillRef idx="0">
-            <a:schemeClr val="dk1"/>
-          </a:fillRef>
-          <a:effectRef idx="2">
-            <a:schemeClr val="dk1"/>
-          </a:effectRef>
-          <a:fontRef idx="minor">
-            <a:schemeClr val="tx1"/>
-          </a:fontRef>
-        </p:style>
-      </p:cxnSp>
-      <p:sp>
-        <p:nvSpPr>
-          <p:cNvPr id="12" name="文字方塊 11">
-            <a:extLst>
-              <a:ext uri="{FF2B5EF4-FFF2-40B4-BE49-F238E27FC236}">
-                <a16:creationId xmlns:a16="http://schemas.microsoft.com/office/drawing/2014/main" id="{D54E4E02-69BD-3345-582C-B03AD68DCDD7}"/>
-              </a:ext>
-            </a:extLst>
-          </p:cNvPr>
-          <p:cNvSpPr txBox="1"/>
-          <p:nvPr/>
-        </p:nvSpPr>
-        <p:spPr>
-          <a:xfrm>
-            <a:off x="1297577" y="5587331"/>
-            <a:ext cx="3492138" cy="369332"/>
-          </a:xfrm>
-          <a:prstGeom prst="rect">
-            <a:avLst/>
-          </a:prstGeom>
-          <a:noFill/>
-          <a:ln>
-            <a:solidFill>
-              <a:schemeClr val="tx1"/>
-            </a:solidFill>
-          </a:ln>
-        </p:spPr>
-        <p:txBody>
-          <a:bodyPr wrap="square" rtlCol="0">
-            <a:spAutoFit/>
-          </a:bodyPr>
-          <a:lstStyle/>
-          <a:p>
-            <a:r>
-              <a:rPr lang="zh-TW" altLang="en-US" dirty="0"/>
-              <a:t>出現這個代表成功進入虛擬環境</a:t>
-            </a:r>
-          </a:p>
-        </p:txBody>
-      </p:sp>
-    </p:spTree>
-    <p:extLst>
-      <p:ext uri="{BB962C8B-B14F-4D97-AF65-F5344CB8AC3E}">
-        <p14:creationId xmlns:p14="http://schemas.microsoft.com/office/powerpoint/2010/main" val="1690780675"/>
-      </p:ext>
-    </p:extLst>
-  </p:cSld>
-  <p:clrMapOvr>
-    <a:masterClrMapping/>
-  </p:clrMapOvr>
-</p:sld>
-</file>
-
-<file path=ppt/slides/slide6.xml><?xml version="1.0" encoding="utf-8"?>
-<p:sld xmlns:a="http://schemas.openxmlformats.org/drawingml/2006/main" xmlns:r="http://schemas.openxmlformats.org/officeDocument/2006/relationships" xmlns:p="http://schemas.openxmlformats.org/presentationml/2006/main">
-  <p:cSld>
-    <p:spTree>
-      <p:nvGrpSpPr>
-        <p:cNvPr id="1" name=""/>
-        <p:cNvGrpSpPr/>
-        <p:nvPr/>
-      </p:nvGrpSpPr>
-      <p:grpSpPr>
-        <a:xfrm>
-          <a:off x="0" y="0"/>
-          <a:ext cx="0" cy="0"/>
-          <a:chOff x="0" y="0"/>
-          <a:chExt cx="0" cy="0"/>
-        </a:xfrm>
-      </p:grpSpPr>
-      <p:sp>
-        <p:nvSpPr>
-          <p:cNvPr id="3" name="標題 2"/>
-          <p:cNvSpPr>
-            <a:spLocks noGrp="1"/>
-          </p:cNvSpPr>
-          <p:nvPr>
-            <p:ph type="title"/>
-          </p:nvPr>
-        </p:nvSpPr>
-        <p:spPr/>
-        <p:txBody>
-          <a:bodyPr>
-            <a:noAutofit/>
-          </a:bodyPr>
-          <a:lstStyle/>
-          <a:p>
-            <a:r>
-              <a:rPr lang="zh-TW" altLang="en-US" sz="3600" dirty="0"/>
-              <a:t>教學</a:t>
-            </a:r>
-          </a:p>
-        </p:txBody>
-      </p:sp>
-      <p:sp>
-        <p:nvSpPr>
-          <p:cNvPr id="4" name="文字方塊 3">
-            <a:extLst>
-              <a:ext uri="{FF2B5EF4-FFF2-40B4-BE49-F238E27FC236}">
-                <a16:creationId xmlns:a16="http://schemas.microsoft.com/office/drawing/2014/main" id="{2B338AA9-E58C-0FF2-7D06-E44A90439D6F}"/>
-              </a:ext>
-            </a:extLst>
-          </p:cNvPr>
-          <p:cNvSpPr txBox="1"/>
-          <p:nvPr/>
-        </p:nvSpPr>
-        <p:spPr>
-          <a:xfrm>
-            <a:off x="1010193" y="1384663"/>
-            <a:ext cx="5529943" cy="369332"/>
-          </a:xfrm>
-          <a:prstGeom prst="rect">
-            <a:avLst/>
-          </a:prstGeom>
-          <a:noFill/>
-          <a:ln>
-            <a:solidFill>
-              <a:schemeClr val="tx1"/>
-            </a:solidFill>
-          </a:ln>
-        </p:spPr>
-        <p:txBody>
-          <a:bodyPr wrap="square" rtlCol="0">
-            <a:spAutoFit/>
-          </a:bodyPr>
-          <a:lstStyle/>
-          <a:p>
-            <a:r>
-              <a:rPr lang="zh-TW" altLang="en-US" dirty="0"/>
-              <a:t>第三步</a:t>
-            </a:r>
-            <a:r>
-              <a:rPr lang="en-US" altLang="zh-TW" dirty="0"/>
-              <a:t>:</a:t>
-            </a:r>
-            <a:r>
-              <a:rPr lang="zh-TW" altLang="en-US" dirty="0"/>
-              <a:t>輸入運行</a:t>
-            </a:r>
-            <a:r>
-              <a:rPr lang="en-US" altLang="zh-TW" dirty="0" err="1"/>
-              <a:t>django</a:t>
-            </a:r>
-            <a:r>
-              <a:rPr lang="zh-TW" altLang="en-US" dirty="0"/>
-              <a:t>網站的指令</a:t>
-            </a:r>
-            <a:r>
-              <a:rPr lang="en-US" altLang="zh-TW" dirty="0"/>
-              <a:t>,</a:t>
-            </a:r>
-            <a:r>
-              <a:rPr lang="zh-TW" altLang="en-US" dirty="0"/>
-              <a:t>會跑出網頁的網址</a:t>
-            </a:r>
-          </a:p>
-        </p:txBody>
-      </p:sp>
-      <p:pic>
-        <p:nvPicPr>
-          <p:cNvPr id="10" name="圖片 9">
-            <a:extLst>
-              <a:ext uri="{FF2B5EF4-FFF2-40B4-BE49-F238E27FC236}">
-                <a16:creationId xmlns:a16="http://schemas.microsoft.com/office/drawing/2014/main" id="{FD291076-FBDE-05B6-6E94-72594D7E0E08}"/>
-              </a:ext>
-            </a:extLst>
-          </p:cNvPr>
-          <p:cNvPicPr>
-            <a:picLocks noChangeAspect="1"/>
-          </p:cNvPicPr>
-          <p:nvPr/>
-        </p:nvPicPr>
-        <p:blipFill>
-          <a:blip r:embed="rId2"/>
-          <a:stretch>
-            <a:fillRect/>
-          </a:stretch>
-        </p:blipFill>
-        <p:spPr>
-          <a:xfrm>
-            <a:off x="1010194" y="1942893"/>
-            <a:ext cx="7106642" cy="1486107"/>
-          </a:xfrm>
-          <a:prstGeom prst="rect">
-            <a:avLst/>
-          </a:prstGeom>
-        </p:spPr>
-      </p:pic>
-      <p:sp>
-        <p:nvSpPr>
-          <p:cNvPr id="11" name="框架 10">
-            <a:extLst>
-              <a:ext uri="{FF2B5EF4-FFF2-40B4-BE49-F238E27FC236}">
-                <a16:creationId xmlns:a16="http://schemas.microsoft.com/office/drawing/2014/main" id="{3FE71066-F74C-9D21-0B8A-968E5E143ED7}"/>
-              </a:ext>
-            </a:extLst>
-          </p:cNvPr>
-          <p:cNvSpPr/>
-          <p:nvPr/>
-        </p:nvSpPr>
-        <p:spPr>
-          <a:xfrm>
-            <a:off x="5566303" y="2804160"/>
-            <a:ext cx="2227868" cy="326572"/>
-          </a:xfrm>
-          <a:prstGeom prst="frame">
-            <a:avLst/>
-          </a:prstGeom>
-          <a:solidFill>
-            <a:srgbClr val="FF0000"/>
-          </a:solidFill>
-          <a:ln>
-            <a:solidFill>
-              <a:srgbClr val="FF0000"/>
-            </a:solidFill>
-          </a:ln>
-        </p:spPr>
-        <p:style>
-          <a:lnRef idx="2">
-            <a:schemeClr val="accent1">
-              <a:shade val="15000"/>
-            </a:schemeClr>
-          </a:lnRef>
-          <a:fillRef idx="1">
-            <a:schemeClr val="accent1"/>
-          </a:fillRef>
-          <a:effectRef idx="0">
-            <a:schemeClr val="accent1"/>
-          </a:effectRef>
-          <a:fontRef idx="minor">
-            <a:schemeClr val="lt1"/>
-          </a:fontRef>
-        </p:style>
-        <p:txBody>
-          <a:bodyPr rtlCol="0" anchor="ctr"/>
-          <a:lstStyle/>
-          <a:p>
-            <a:pPr algn="ctr"/>
-            <a:endParaRPr lang="zh-TW" altLang="en-US">
-              <a:solidFill>
-                <a:schemeClr val="tx1"/>
-              </a:solidFill>
-            </a:endParaRPr>
-          </a:p>
-        </p:txBody>
-      </p:sp>
-      <p:pic>
-        <p:nvPicPr>
-          <p:cNvPr id="14" name="圖片 13">
-            <a:extLst>
-              <a:ext uri="{FF2B5EF4-FFF2-40B4-BE49-F238E27FC236}">
-                <a16:creationId xmlns:a16="http://schemas.microsoft.com/office/drawing/2014/main" id="{78D74473-0D96-64A2-28E6-18FD72978954}"/>
-              </a:ext>
-            </a:extLst>
-          </p:cNvPr>
-          <p:cNvPicPr>
-            <a:picLocks noChangeAspect="1"/>
-          </p:cNvPicPr>
-          <p:nvPr/>
-        </p:nvPicPr>
-        <p:blipFill>
-          <a:blip r:embed="rId3"/>
-          <a:stretch>
-            <a:fillRect/>
-          </a:stretch>
-        </p:blipFill>
-        <p:spPr>
-          <a:xfrm>
-            <a:off x="1010194" y="3617898"/>
-            <a:ext cx="10421804" cy="2638793"/>
-          </a:xfrm>
-          <a:prstGeom prst="rect">
-            <a:avLst/>
-          </a:prstGeom>
-        </p:spPr>
-      </p:pic>
-      <p:sp>
-        <p:nvSpPr>
-          <p:cNvPr id="15" name="框架 14">
-            <a:extLst>
-              <a:ext uri="{FF2B5EF4-FFF2-40B4-BE49-F238E27FC236}">
-                <a16:creationId xmlns:a16="http://schemas.microsoft.com/office/drawing/2014/main" id="{B641A442-D89C-EACE-4E6B-D4F67F6E2644}"/>
-              </a:ext>
-            </a:extLst>
-          </p:cNvPr>
-          <p:cNvSpPr/>
-          <p:nvPr/>
-        </p:nvSpPr>
-        <p:spPr>
-          <a:xfrm>
-            <a:off x="3611225" y="5841610"/>
-            <a:ext cx="2227868" cy="326572"/>
-          </a:xfrm>
-          <a:prstGeom prst="frame">
-            <a:avLst/>
-          </a:prstGeom>
-          <a:solidFill>
-            <a:srgbClr val="FF0000"/>
-          </a:solidFill>
-          <a:ln>
-            <a:solidFill>
-              <a:srgbClr val="FF0000"/>
-            </a:solidFill>
-          </a:ln>
-        </p:spPr>
-        <p:style>
-          <a:lnRef idx="2">
-            <a:schemeClr val="accent1">
-              <a:shade val="15000"/>
-            </a:schemeClr>
-          </a:lnRef>
-          <a:fillRef idx="1">
-            <a:schemeClr val="accent1"/>
-          </a:fillRef>
-          <a:effectRef idx="0">
-            <a:schemeClr val="accent1"/>
-          </a:effectRef>
-          <a:fontRef idx="minor">
-            <a:schemeClr val="lt1"/>
-          </a:fontRef>
-        </p:style>
-        <p:txBody>
-          <a:bodyPr rtlCol="0" anchor="ctr"/>
-          <a:lstStyle/>
-          <a:p>
-            <a:pPr algn="ctr"/>
-            <a:endParaRPr lang="zh-TW" altLang="en-US">
-              <a:solidFill>
-                <a:schemeClr val="tx1"/>
-              </a:solidFill>
-            </a:endParaRPr>
-          </a:p>
-        </p:txBody>
-      </p:sp>
-      <p:cxnSp>
-        <p:nvCxnSpPr>
-          <p:cNvPr id="16" name="直線接點 15">
-            <a:extLst>
-              <a:ext uri="{FF2B5EF4-FFF2-40B4-BE49-F238E27FC236}">
-                <a16:creationId xmlns:a16="http://schemas.microsoft.com/office/drawing/2014/main" id="{417595B8-A37D-6040-38DD-2E82D3F2B481}"/>
-              </a:ext>
-            </a:extLst>
-          </p:cNvPr>
-          <p:cNvCxnSpPr>
-            <a:cxnSpLocks/>
-            <a:stCxn id="15" idx="3"/>
-            <a:endCxn id="17" idx="2"/>
-          </p:cNvCxnSpPr>
-          <p:nvPr/>
-        </p:nvCxnSpPr>
-        <p:spPr>
-          <a:xfrm flipV="1">
-            <a:off x="5839093" y="2967446"/>
-            <a:ext cx="4101741" cy="3037450"/>
-          </a:xfrm>
-          <a:prstGeom prst="line">
-            <a:avLst/>
-          </a:prstGeom>
-          <a:ln>
-            <a:solidFill>
-              <a:srgbClr val="FF0000"/>
-            </a:solidFill>
-          </a:ln>
-        </p:spPr>
-        <p:style>
-          <a:lnRef idx="3">
-            <a:schemeClr val="dk1"/>
-          </a:lnRef>
-          <a:fillRef idx="0">
-            <a:schemeClr val="dk1"/>
-          </a:fillRef>
-          <a:effectRef idx="2">
-            <a:schemeClr val="dk1"/>
-          </a:effectRef>
-          <a:fontRef idx="minor">
-            <a:schemeClr val="tx1"/>
-          </a:fontRef>
-        </p:style>
-      </p:cxnSp>
-      <p:sp>
-        <p:nvSpPr>
-          <p:cNvPr id="17" name="文字方塊 16">
-            <a:extLst>
-              <a:ext uri="{FF2B5EF4-FFF2-40B4-BE49-F238E27FC236}">
-                <a16:creationId xmlns:a16="http://schemas.microsoft.com/office/drawing/2014/main" id="{A18A340D-325D-764E-34EC-2BA6DD8B586D}"/>
-              </a:ext>
-            </a:extLst>
-          </p:cNvPr>
-          <p:cNvSpPr txBox="1"/>
-          <p:nvPr/>
-        </p:nvSpPr>
-        <p:spPr>
-          <a:xfrm>
-            <a:off x="9544593" y="2598114"/>
-            <a:ext cx="792481" cy="369332"/>
-          </a:xfrm>
-          <a:prstGeom prst="rect">
-            <a:avLst/>
-          </a:prstGeom>
-          <a:noFill/>
-          <a:ln>
-            <a:solidFill>
-              <a:schemeClr val="tx1"/>
-            </a:solidFill>
-          </a:ln>
-        </p:spPr>
-        <p:txBody>
-          <a:bodyPr wrap="square" rtlCol="0">
-            <a:spAutoFit/>
-          </a:bodyPr>
-          <a:lstStyle/>
-          <a:p>
-            <a:r>
-              <a:rPr lang="zh-TW" altLang="en-US"/>
-              <a:t>網址</a:t>
-            </a:r>
-            <a:endParaRPr lang="zh-TW" altLang="en-US" dirty="0"/>
-          </a:p>
-        </p:txBody>
-      </p:sp>
-      <p:sp>
-        <p:nvSpPr>
-          <p:cNvPr id="24" name="箭號: 上彎 23">
-            <a:extLst>
-              <a:ext uri="{FF2B5EF4-FFF2-40B4-BE49-F238E27FC236}">
-                <a16:creationId xmlns:a16="http://schemas.microsoft.com/office/drawing/2014/main" id="{B21D8F95-95FD-8249-B527-3BE7ECA9ACF5}"/>
-              </a:ext>
-            </a:extLst>
-          </p:cNvPr>
-          <p:cNvSpPr/>
-          <p:nvPr/>
-        </p:nvSpPr>
-        <p:spPr>
-          <a:xfrm rot="5400000">
-            <a:off x="-656899" y="3164967"/>
-            <a:ext cx="2454618" cy="879565"/>
-          </a:xfrm>
-          <a:prstGeom prst="bentUpArrow">
-            <a:avLst>
-              <a:gd name="adj1" fmla="val 25000"/>
-              <a:gd name="adj2" fmla="val 29791"/>
-              <a:gd name="adj3" fmla="val 23206"/>
-            </a:avLst>
-          </a:prstGeom>
-          <a:solidFill>
-            <a:srgbClr val="FF0000"/>
-          </a:solidFill>
-          <a:ln>
-            <a:solidFill>
-              <a:srgbClr val="FF0000"/>
-            </a:solidFill>
-          </a:ln>
-        </p:spPr>
-        <p:style>
-          <a:lnRef idx="2">
-            <a:schemeClr val="accent1">
-              <a:shade val="15000"/>
-            </a:schemeClr>
-          </a:lnRef>
-          <a:fillRef idx="1">
-            <a:schemeClr val="accent1"/>
-          </a:fillRef>
-          <a:effectRef idx="0">
-            <a:schemeClr val="accent1"/>
-          </a:effectRef>
-          <a:fontRef idx="minor">
-            <a:schemeClr val="lt1"/>
-          </a:fontRef>
-        </p:style>
-        <p:txBody>
-          <a:bodyPr rtlCol="0" anchor="ctr"/>
-          <a:lstStyle/>
-          <a:p>
-            <a:pPr algn="ctr"/>
-            <a:endParaRPr lang="zh-TW" altLang="en-US"/>
-          </a:p>
-        </p:txBody>
-      </p:sp>
-      <p:sp>
-        <p:nvSpPr>
-          <p:cNvPr id="25" name="流程圖: 程序 24">
-            <a:extLst>
-              <a:ext uri="{FF2B5EF4-FFF2-40B4-BE49-F238E27FC236}">
-                <a16:creationId xmlns:a16="http://schemas.microsoft.com/office/drawing/2014/main" id="{803079B4-94A2-DE42-FA25-29D38A03A30F}"/>
-              </a:ext>
-            </a:extLst>
-          </p:cNvPr>
-          <p:cNvSpPr/>
-          <p:nvPr/>
-        </p:nvSpPr>
-        <p:spPr>
-          <a:xfrm>
-            <a:off x="130626" y="2310850"/>
-            <a:ext cx="792483" cy="241544"/>
-          </a:xfrm>
-          <a:prstGeom prst="flowChartProcess">
-            <a:avLst/>
-          </a:prstGeom>
-          <a:solidFill>
-            <a:srgbClr val="FF0000"/>
-          </a:solidFill>
-          <a:ln>
-            <a:solidFill>
-              <a:srgbClr val="FF0000"/>
-            </a:solidFill>
-          </a:ln>
-        </p:spPr>
-        <p:style>
-          <a:lnRef idx="2">
-            <a:schemeClr val="accent1">
-              <a:shade val="15000"/>
-            </a:schemeClr>
-          </a:lnRef>
-          <a:fillRef idx="1">
-            <a:schemeClr val="accent1"/>
-          </a:fillRef>
-          <a:effectRef idx="0">
-            <a:schemeClr val="accent1"/>
-          </a:effectRef>
-          <a:fontRef idx="minor">
-            <a:schemeClr val="lt1"/>
-          </a:fontRef>
-        </p:style>
-        <p:txBody>
-          <a:bodyPr rtlCol="0" anchor="ctr"/>
-          <a:lstStyle/>
-          <a:p>
-            <a:pPr algn="ctr"/>
-            <a:endParaRPr lang="zh-TW" altLang="en-US"/>
-          </a:p>
-        </p:txBody>
-      </p:sp>
-    </p:spTree>
-    <p:extLst>
-      <p:ext uri="{BB962C8B-B14F-4D97-AF65-F5344CB8AC3E}">
-        <p14:creationId xmlns:p14="http://schemas.microsoft.com/office/powerpoint/2010/main" val="2285920300"/>
-      </p:ext>
-    </p:extLst>
-  </p:cSld>
-  <p:clrMapOvr>
-    <a:masterClrMapping/>
-  </p:clrMapOvr>
-</p:sld>
-</file>
-
-<file path=ppt/slides/slide7.xml><?xml version="1.0" encoding="utf-8"?>
-<p:sld xmlns:a="http://schemas.openxmlformats.org/drawingml/2006/main" xmlns:r="http://schemas.openxmlformats.org/officeDocument/2006/relationships" xmlns:p="http://schemas.openxmlformats.org/presentationml/2006/main">
-  <p:cSld>
-    <p:spTree>
-      <p:nvGrpSpPr>
-        <p:cNvPr id="1" name=""/>
-        <p:cNvGrpSpPr/>
-        <p:nvPr/>
-      </p:nvGrpSpPr>
-      <p:grpSpPr>
-        <a:xfrm>
-          <a:off x="0" y="0"/>
-          <a:ext cx="0" cy="0"/>
-          <a:chOff x="0" y="0"/>
-          <a:chExt cx="0" cy="0"/>
-        </a:xfrm>
-      </p:grpSpPr>
-      <p:sp>
-        <p:nvSpPr>
-          <p:cNvPr id="3" name="標題 2"/>
-          <p:cNvSpPr>
-            <a:spLocks noGrp="1"/>
-          </p:cNvSpPr>
-          <p:nvPr>
-            <p:ph type="title"/>
-          </p:nvPr>
-        </p:nvSpPr>
-        <p:spPr/>
-        <p:txBody>
-          <a:bodyPr>
-            <a:noAutofit/>
-          </a:bodyPr>
-          <a:lstStyle/>
-          <a:p>
-            <a:r>
-              <a:rPr lang="zh-TW" altLang="en-US" sz="3600" dirty="0"/>
-              <a:t>教學</a:t>
-            </a:r>
-          </a:p>
-        </p:txBody>
-      </p:sp>
-      <p:sp>
-        <p:nvSpPr>
-          <p:cNvPr id="4" name="文字方塊 3">
-            <a:extLst>
-              <a:ext uri="{FF2B5EF4-FFF2-40B4-BE49-F238E27FC236}">
-                <a16:creationId xmlns:a16="http://schemas.microsoft.com/office/drawing/2014/main" id="{2B338AA9-E58C-0FF2-7D06-E44A90439D6F}"/>
-              </a:ext>
-            </a:extLst>
-          </p:cNvPr>
-          <p:cNvSpPr txBox="1"/>
-          <p:nvPr/>
-        </p:nvSpPr>
-        <p:spPr>
-          <a:xfrm>
-            <a:off x="1123405" y="1358537"/>
-            <a:ext cx="4171406" cy="369332"/>
-          </a:xfrm>
-          <a:prstGeom prst="rect">
-            <a:avLst/>
-          </a:prstGeom>
-          <a:noFill/>
-          <a:ln>
-            <a:solidFill>
-              <a:schemeClr val="tx1"/>
-            </a:solidFill>
-          </a:ln>
-        </p:spPr>
-        <p:txBody>
-          <a:bodyPr wrap="square" rtlCol="0">
-            <a:spAutoFit/>
-          </a:bodyPr>
-          <a:lstStyle/>
-          <a:p>
-            <a:r>
-              <a:rPr lang="zh-TW" altLang="en-US" dirty="0"/>
-              <a:t>第四步</a:t>
-            </a:r>
-            <a:r>
-              <a:rPr lang="en-US" altLang="zh-TW" dirty="0"/>
-              <a:t>:</a:t>
-            </a:r>
-            <a:r>
-              <a:rPr lang="zh-TW" altLang="en-US" dirty="0"/>
-              <a:t>在瀏覽器上輸入剛才得到的網址</a:t>
-            </a:r>
-          </a:p>
-        </p:txBody>
-      </p:sp>
-      <p:pic>
-        <p:nvPicPr>
-          <p:cNvPr id="5" name="圖片 4">
-            <a:extLst>
-              <a:ext uri="{FF2B5EF4-FFF2-40B4-BE49-F238E27FC236}">
-                <a16:creationId xmlns:a16="http://schemas.microsoft.com/office/drawing/2014/main" id="{9578C2D1-053A-5E6C-AFD4-130CE051023F}"/>
-              </a:ext>
-            </a:extLst>
-          </p:cNvPr>
-          <p:cNvPicPr>
-            <a:picLocks noChangeAspect="1"/>
-          </p:cNvPicPr>
-          <p:nvPr/>
-        </p:nvPicPr>
-        <p:blipFill>
-          <a:blip r:embed="rId2"/>
-          <a:stretch>
-            <a:fillRect/>
-          </a:stretch>
-        </p:blipFill>
-        <p:spPr>
-          <a:xfrm>
-            <a:off x="1123405" y="1870619"/>
-            <a:ext cx="8212184" cy="4281456"/>
-          </a:xfrm>
-          <a:prstGeom prst="rect">
-            <a:avLst/>
-          </a:prstGeom>
-        </p:spPr>
-      </p:pic>
-      <p:sp>
-        <p:nvSpPr>
-          <p:cNvPr id="6" name="框架 5">
-            <a:extLst>
-              <a:ext uri="{FF2B5EF4-FFF2-40B4-BE49-F238E27FC236}">
-                <a16:creationId xmlns:a16="http://schemas.microsoft.com/office/drawing/2014/main" id="{55F70CFD-9DEA-CBDF-199D-57D2947EE425}"/>
-              </a:ext>
-            </a:extLst>
-          </p:cNvPr>
-          <p:cNvSpPr/>
-          <p:nvPr/>
-        </p:nvSpPr>
-        <p:spPr>
-          <a:xfrm>
-            <a:off x="1573419" y="1837995"/>
-            <a:ext cx="2227868" cy="260771"/>
-          </a:xfrm>
-          <a:prstGeom prst="frame">
-            <a:avLst/>
-          </a:prstGeom>
-          <a:solidFill>
-            <a:srgbClr val="FF0000"/>
-          </a:solidFill>
-          <a:ln>
-            <a:solidFill>
-              <a:srgbClr val="FF0000"/>
-            </a:solidFill>
-          </a:ln>
-        </p:spPr>
-        <p:style>
-          <a:lnRef idx="2">
-            <a:schemeClr val="accent1">
-              <a:shade val="15000"/>
-            </a:schemeClr>
-          </a:lnRef>
-          <a:fillRef idx="1">
-            <a:schemeClr val="accent1"/>
-          </a:fillRef>
-          <a:effectRef idx="0">
-            <a:schemeClr val="accent1"/>
-          </a:effectRef>
-          <a:fontRef idx="minor">
-            <a:schemeClr val="lt1"/>
-          </a:fontRef>
-        </p:style>
-        <p:txBody>
-          <a:bodyPr rtlCol="0" anchor="ctr"/>
-          <a:lstStyle/>
-          <a:p>
-            <a:pPr algn="ctr"/>
-            <a:endParaRPr lang="zh-TW" altLang="en-US">
-              <a:solidFill>
-                <a:schemeClr val="tx1"/>
-              </a:solidFill>
-            </a:endParaRPr>
-          </a:p>
-        </p:txBody>
-      </p:sp>
-    </p:spTree>
-    <p:extLst>
-      <p:ext uri="{BB962C8B-B14F-4D97-AF65-F5344CB8AC3E}">
-        <p14:creationId xmlns:p14="http://schemas.microsoft.com/office/powerpoint/2010/main" val="2621321599"/>
-      </p:ext>
-    </p:extLst>
-  </p:cSld>
-  <p:clrMapOvr>
-    <a:masterClrMapping/>
-  </p:clrMapOvr>
-</p:sld>
-</file>
-
-<file path=ppt/slides/slide8.xml><?xml version="1.0" encoding="utf-8"?>
-<p:sld xmlns:a="http://schemas.openxmlformats.org/drawingml/2006/main" xmlns:r="http://schemas.openxmlformats.org/officeDocument/2006/relationships" xmlns:p="http://schemas.openxmlformats.org/presentationml/2006/main">
-  <p:cSld>
-    <p:spTree>
-      <p:nvGrpSpPr>
-        <p:cNvPr id="1" name=""/>
-        <p:cNvGrpSpPr/>
-        <p:nvPr/>
-      </p:nvGrpSpPr>
-      <p:grpSpPr>
-        <a:xfrm>
-          <a:off x="0" y="0"/>
-          <a:ext cx="0" cy="0"/>
-          <a:chOff x="0" y="0"/>
-          <a:chExt cx="0" cy="0"/>
-        </a:xfrm>
-      </p:grpSpPr>
-      <p:sp>
-        <p:nvSpPr>
           <p:cNvPr id="3" name="標題 2"/>
           <p:cNvSpPr>
             <a:spLocks noGrp="1"/>
@@ -6172,7 +4130,7 @@
 </p:sld>
 </file>
 
-<file path=ppt/slides/slide9.xml><?xml version="1.0" encoding="utf-8"?>
+<file path=ppt/slides/slide11.xml><?xml version="1.0" encoding="utf-8"?>
 <p:sld xmlns:a="http://schemas.openxmlformats.org/drawingml/2006/main" xmlns:r="http://schemas.openxmlformats.org/officeDocument/2006/relationships" xmlns:p="http://schemas.openxmlformats.org/presentationml/2006/main">
   <p:cSld>
     <p:spTree>
@@ -6350,6 +4308,2705 @@
     <p:extLst>
       <p:ext uri="{BB962C8B-B14F-4D97-AF65-F5344CB8AC3E}">
         <p14:creationId xmlns:p14="http://schemas.microsoft.com/office/powerpoint/2010/main" val="2866853874"/>
+      </p:ext>
+    </p:extLst>
+  </p:cSld>
+  <p:clrMapOvr>
+    <a:masterClrMapping/>
+  </p:clrMapOvr>
+</p:sld>
+</file>
+
+<file path=ppt/slides/slide12.xml><?xml version="1.0" encoding="utf-8"?>
+<p:sld xmlns:a="http://schemas.openxmlformats.org/drawingml/2006/main" xmlns:r="http://schemas.openxmlformats.org/officeDocument/2006/relationships" xmlns:p="http://schemas.openxmlformats.org/presentationml/2006/main">
+  <p:cSld>
+    <p:spTree>
+      <p:nvGrpSpPr>
+        <p:cNvPr id="1" name=""/>
+        <p:cNvGrpSpPr/>
+        <p:nvPr/>
+      </p:nvGrpSpPr>
+      <p:grpSpPr>
+        <a:xfrm>
+          <a:off x="0" y="0"/>
+          <a:ext cx="0" cy="0"/>
+          <a:chOff x="0" y="0"/>
+          <a:chExt cx="0" cy="0"/>
+        </a:xfrm>
+      </p:grpSpPr>
+      <p:sp>
+        <p:nvSpPr>
+          <p:cNvPr id="2" name="標題 1">
+            <a:extLst>
+              <a:ext uri="{FF2B5EF4-FFF2-40B4-BE49-F238E27FC236}">
+                <a16:creationId xmlns:a16="http://schemas.microsoft.com/office/drawing/2014/main" id="{46341E31-BA64-A521-4FFB-CB60D5529D47}"/>
+              </a:ext>
+            </a:extLst>
+          </p:cNvPr>
+          <p:cNvSpPr>
+            <a:spLocks noGrp="1"/>
+          </p:cNvSpPr>
+          <p:nvPr>
+            <p:ph type="title"/>
+          </p:nvPr>
+        </p:nvSpPr>
+        <p:spPr>
+          <a:xfrm>
+            <a:off x="838200" y="365126"/>
+            <a:ext cx="2552700" cy="692150"/>
+          </a:xfrm>
+        </p:spPr>
+        <p:txBody>
+          <a:bodyPr>
+            <a:normAutofit fontScale="90000"/>
+          </a:bodyPr>
+          <a:lstStyle/>
+          <a:p>
+            <a:r>
+              <a:rPr lang="zh-TW" altLang="en-US" dirty="0"/>
+              <a:t>問題紀錄</a:t>
+            </a:r>
+          </a:p>
+        </p:txBody>
+      </p:sp>
+      <p:sp>
+        <p:nvSpPr>
+          <p:cNvPr id="4" name="文字方塊 3">
+            <a:extLst>
+              <a:ext uri="{FF2B5EF4-FFF2-40B4-BE49-F238E27FC236}">
+                <a16:creationId xmlns:a16="http://schemas.microsoft.com/office/drawing/2014/main" id="{54D03CA4-1C53-954B-EE79-DBAA6E4FE3BC}"/>
+              </a:ext>
+            </a:extLst>
+          </p:cNvPr>
+          <p:cNvSpPr txBox="1"/>
+          <p:nvPr/>
+        </p:nvSpPr>
+        <p:spPr>
+          <a:xfrm>
+            <a:off x="838199" y="1352663"/>
+            <a:ext cx="6825343" cy="369332"/>
+          </a:xfrm>
+          <a:prstGeom prst="rect">
+            <a:avLst/>
+          </a:prstGeom>
+          <a:noFill/>
+          <a:ln>
+            <a:solidFill>
+              <a:schemeClr val="tx1"/>
+            </a:solidFill>
+          </a:ln>
+        </p:spPr>
+        <p:txBody>
+          <a:bodyPr wrap="square" rtlCol="0">
+            <a:spAutoFit/>
+          </a:bodyPr>
+          <a:lstStyle/>
+          <a:p>
+            <a:r>
+              <a:rPr lang="zh-TW" altLang="en-US" dirty="0"/>
+              <a:t>若找不到</a:t>
+            </a:r>
+            <a:r>
+              <a:rPr lang="en-US" altLang="zh-TW" dirty="0"/>
+              <a:t>_Convolution2</a:t>
+            </a:r>
+            <a:r>
+              <a:rPr lang="zh-TW" altLang="en-US" dirty="0"/>
+              <a:t>的程式檔</a:t>
+            </a:r>
+            <a:r>
+              <a:rPr lang="en-US" altLang="zh-TW" dirty="0"/>
+              <a:t>,</a:t>
+            </a:r>
+            <a:r>
+              <a:rPr lang="zh-TW" altLang="en-US" dirty="0"/>
+              <a:t>代表</a:t>
+            </a:r>
+            <a:r>
+              <a:rPr lang="en-US" altLang="zh-TW" dirty="0"/>
+              <a:t>python</a:t>
+            </a:r>
+            <a:r>
+              <a:rPr lang="zh-TW" altLang="en-US" dirty="0"/>
+              <a:t>環境錯誤</a:t>
+            </a:r>
+            <a:r>
+              <a:rPr lang="en-US" altLang="zh-TW" dirty="0"/>
+              <a:t>,</a:t>
+            </a:r>
+            <a:r>
+              <a:rPr lang="zh-TW" altLang="en-US" dirty="0"/>
+              <a:t>必須為</a:t>
+            </a:r>
+            <a:r>
+              <a:rPr lang="en-US" altLang="zh-TW" dirty="0"/>
+              <a:t>3.8.10</a:t>
+            </a:r>
+            <a:endParaRPr lang="zh-TW" altLang="en-US" dirty="0"/>
+          </a:p>
+        </p:txBody>
+      </p:sp>
+      <p:pic>
+        <p:nvPicPr>
+          <p:cNvPr id="6" name="圖片 5">
+            <a:extLst>
+              <a:ext uri="{FF2B5EF4-FFF2-40B4-BE49-F238E27FC236}">
+                <a16:creationId xmlns:a16="http://schemas.microsoft.com/office/drawing/2014/main" id="{3A9601EA-98EF-29E1-2ABF-A97E68EE5BD6}"/>
+              </a:ext>
+            </a:extLst>
+          </p:cNvPr>
+          <p:cNvPicPr>
+            <a:picLocks noChangeAspect="1"/>
+          </p:cNvPicPr>
+          <p:nvPr/>
+        </p:nvPicPr>
+        <p:blipFill>
+          <a:blip r:embed="rId2"/>
+          <a:stretch>
+            <a:fillRect/>
+          </a:stretch>
+        </p:blipFill>
+        <p:spPr>
+          <a:xfrm>
+            <a:off x="838200" y="2133471"/>
+            <a:ext cx="9831172" cy="1848108"/>
+          </a:xfrm>
+          <a:prstGeom prst="rect">
+            <a:avLst/>
+          </a:prstGeom>
+        </p:spPr>
+      </p:pic>
+    </p:spTree>
+    <p:extLst>
+      <p:ext uri="{BB962C8B-B14F-4D97-AF65-F5344CB8AC3E}">
+        <p14:creationId xmlns:p14="http://schemas.microsoft.com/office/powerpoint/2010/main" val="1459821296"/>
+      </p:ext>
+    </p:extLst>
+  </p:cSld>
+  <p:clrMapOvr>
+    <a:masterClrMapping/>
+  </p:clrMapOvr>
+</p:sld>
+</file>
+
+<file path=ppt/slides/slide2.xml><?xml version="1.0" encoding="utf-8"?>
+<p:sld xmlns:a="http://schemas.openxmlformats.org/drawingml/2006/main" xmlns:r="http://schemas.openxmlformats.org/officeDocument/2006/relationships" xmlns:p="http://schemas.openxmlformats.org/presentationml/2006/main">
+  <p:cSld>
+    <p:spTree>
+      <p:nvGrpSpPr>
+        <p:cNvPr id="1" name=""/>
+        <p:cNvGrpSpPr/>
+        <p:nvPr/>
+      </p:nvGrpSpPr>
+      <p:grpSpPr>
+        <a:xfrm>
+          <a:off x="0" y="0"/>
+          <a:ext cx="0" cy="0"/>
+          <a:chOff x="0" y="0"/>
+          <a:chExt cx="0" cy="0"/>
+        </a:xfrm>
+      </p:grpSpPr>
+      <p:sp>
+        <p:nvSpPr>
+          <p:cNvPr id="3" name="標題 2"/>
+          <p:cNvSpPr>
+            <a:spLocks noGrp="1"/>
+          </p:cNvSpPr>
+          <p:nvPr>
+            <p:ph type="title"/>
+          </p:nvPr>
+        </p:nvSpPr>
+        <p:spPr/>
+        <p:txBody>
+          <a:bodyPr>
+            <a:noAutofit/>
+          </a:bodyPr>
+          <a:lstStyle/>
+          <a:p>
+            <a:r>
+              <a:rPr lang="zh-TW" altLang="en-US" sz="3600" dirty="0"/>
+              <a:t>前置作業</a:t>
+            </a:r>
+          </a:p>
+        </p:txBody>
+      </p:sp>
+      <p:sp>
+        <p:nvSpPr>
+          <p:cNvPr id="2" name="文字方塊 1">
+            <a:extLst>
+              <a:ext uri="{FF2B5EF4-FFF2-40B4-BE49-F238E27FC236}">
+                <a16:creationId xmlns:a16="http://schemas.microsoft.com/office/drawing/2014/main" id="{078B43F9-BFF1-C255-64B7-5D2F5ED5DE37}"/>
+              </a:ext>
+            </a:extLst>
+          </p:cNvPr>
+          <p:cNvSpPr txBox="1"/>
+          <p:nvPr/>
+        </p:nvSpPr>
+        <p:spPr>
+          <a:xfrm>
+            <a:off x="988423" y="1445623"/>
+            <a:ext cx="10215154" cy="3139321"/>
+          </a:xfrm>
+          <a:prstGeom prst="rect">
+            <a:avLst/>
+          </a:prstGeom>
+          <a:noFill/>
+        </p:spPr>
+        <p:txBody>
+          <a:bodyPr wrap="square" rtlCol="0">
+            <a:spAutoFit/>
+          </a:bodyPr>
+          <a:lstStyle/>
+          <a:p>
+            <a:r>
+              <a:rPr lang="zh-TW" altLang="en-US" dirty="0"/>
+              <a:t>環境限制</a:t>
+            </a:r>
+            <a:r>
+              <a:rPr lang="en-US" altLang="zh-TW" dirty="0"/>
+              <a:t>(</a:t>
+            </a:r>
+            <a:r>
+              <a:rPr lang="zh-TW" altLang="en-US" dirty="0"/>
+              <a:t>建議在虛擬環境中運行</a:t>
+            </a:r>
+            <a:r>
+              <a:rPr lang="en-US" altLang="zh-TW" dirty="0"/>
+              <a:t>,</a:t>
+            </a:r>
+            <a:r>
+              <a:rPr lang="zh-TW" altLang="en-US" dirty="0"/>
+              <a:t>此處用的是</a:t>
+            </a:r>
+            <a:r>
+              <a:rPr lang="en-US" altLang="zh-TW" dirty="0" err="1"/>
+              <a:t>conda</a:t>
+            </a:r>
+            <a:r>
+              <a:rPr lang="zh-TW" altLang="en-US" dirty="0"/>
+              <a:t>來建設虛擬環境</a:t>
+            </a:r>
+            <a:r>
+              <a:rPr lang="en-US" altLang="zh-TW" dirty="0"/>
+              <a:t>):</a:t>
+            </a:r>
+          </a:p>
+          <a:p>
+            <a:r>
+              <a:rPr lang="en-US" altLang="zh-TW" dirty="0"/>
+              <a:t>python3.8.10(</a:t>
+            </a:r>
+            <a:r>
+              <a:rPr lang="zh-TW" altLang="en-US" dirty="0"/>
+              <a:t>必須使用此版本</a:t>
+            </a:r>
+            <a:r>
+              <a:rPr lang="en-US" altLang="zh-TW" dirty="0"/>
+              <a:t>)</a:t>
+            </a:r>
+          </a:p>
+          <a:p>
+            <a:endParaRPr lang="en-US" altLang="zh-TW" dirty="0"/>
+          </a:p>
+          <a:p>
+            <a:r>
+              <a:rPr lang="zh-TW" altLang="en-US" dirty="0"/>
+              <a:t>所需模組</a:t>
+            </a:r>
+            <a:r>
+              <a:rPr lang="en-US" altLang="zh-TW" dirty="0"/>
+              <a:t>:</a:t>
+            </a:r>
+          </a:p>
+          <a:p>
+            <a:r>
+              <a:rPr lang="en-US" altLang="zh-TW" dirty="0" err="1"/>
+              <a:t>django</a:t>
+            </a:r>
+            <a:r>
+              <a:rPr lang="en-US" altLang="zh-TW" dirty="0"/>
+              <a:t>==3.0.3</a:t>
+            </a:r>
+          </a:p>
+          <a:p>
+            <a:r>
+              <a:rPr lang="en-US" altLang="zh-TW" dirty="0" err="1"/>
+              <a:t>opencv</a:t>
+            </a:r>
+            <a:r>
+              <a:rPr lang="en-US" altLang="zh-TW" dirty="0"/>
+              <a:t>-python==4.7.0.72</a:t>
+            </a:r>
+          </a:p>
+          <a:p>
+            <a:r>
+              <a:rPr lang="en-US" altLang="zh-TW" dirty="0" err="1"/>
+              <a:t>numpy</a:t>
+            </a:r>
+            <a:r>
+              <a:rPr lang="en-US" altLang="zh-TW" dirty="0"/>
+              <a:t>==1.23.5</a:t>
+            </a:r>
+          </a:p>
+          <a:p>
+            <a:r>
+              <a:rPr lang="en-US" altLang="zh-TW" dirty="0"/>
+              <a:t>Pillow</a:t>
+            </a:r>
+          </a:p>
+          <a:p>
+            <a:endParaRPr lang="en-US" altLang="zh-TW" dirty="0"/>
+          </a:p>
+          <a:p>
+            <a:r>
+              <a:rPr lang="zh-TW" altLang="en-US" dirty="0"/>
+              <a:t>複製程式碼</a:t>
+            </a:r>
+            <a:r>
+              <a:rPr lang="en-US" altLang="zh-TW" dirty="0"/>
+              <a:t>:</a:t>
+            </a:r>
+          </a:p>
+          <a:p>
+            <a:r>
+              <a:rPr lang="en-US" altLang="zh-TW" dirty="0"/>
+              <a:t>git clone https://github.com/C110112103/111-2_Embedded-Image-Processing.git</a:t>
+            </a:r>
+          </a:p>
+        </p:txBody>
+      </p:sp>
+    </p:spTree>
+    <p:extLst>
+      <p:ext uri="{BB962C8B-B14F-4D97-AF65-F5344CB8AC3E}">
+        <p14:creationId xmlns:p14="http://schemas.microsoft.com/office/powerpoint/2010/main" val="197185061"/>
+      </p:ext>
+    </p:extLst>
+  </p:cSld>
+  <p:clrMapOvr>
+    <a:masterClrMapping/>
+  </p:clrMapOvr>
+</p:sld>
+</file>
+
+<file path=ppt/slides/slide3.xml><?xml version="1.0" encoding="utf-8"?>
+<p:sld xmlns:a="http://schemas.openxmlformats.org/drawingml/2006/main" xmlns:r="http://schemas.openxmlformats.org/officeDocument/2006/relationships" xmlns:p="http://schemas.openxmlformats.org/presentationml/2006/main">
+  <p:cSld>
+    <p:spTree>
+      <p:nvGrpSpPr>
+        <p:cNvPr id="1" name=""/>
+        <p:cNvGrpSpPr/>
+        <p:nvPr/>
+      </p:nvGrpSpPr>
+      <p:grpSpPr>
+        <a:xfrm>
+          <a:off x="0" y="0"/>
+          <a:ext cx="0" cy="0"/>
+          <a:chOff x="0" y="0"/>
+          <a:chExt cx="0" cy="0"/>
+        </a:xfrm>
+      </p:grpSpPr>
+      <p:sp>
+        <p:nvSpPr>
+          <p:cNvPr id="3" name="標題 2"/>
+          <p:cNvSpPr>
+            <a:spLocks noGrp="1"/>
+          </p:cNvSpPr>
+          <p:nvPr>
+            <p:ph type="title"/>
+          </p:nvPr>
+        </p:nvSpPr>
+        <p:spPr/>
+        <p:txBody>
+          <a:bodyPr>
+            <a:noAutofit/>
+          </a:bodyPr>
+          <a:lstStyle/>
+          <a:p>
+            <a:r>
+              <a:rPr lang="zh-TW" altLang="en-US" sz="3600" dirty="0"/>
+              <a:t>教學</a:t>
+            </a:r>
+          </a:p>
+        </p:txBody>
+      </p:sp>
+      <p:sp>
+        <p:nvSpPr>
+          <p:cNvPr id="4" name="文字方塊 3">
+            <a:extLst>
+              <a:ext uri="{FF2B5EF4-FFF2-40B4-BE49-F238E27FC236}">
+                <a16:creationId xmlns:a16="http://schemas.microsoft.com/office/drawing/2014/main" id="{2B338AA9-E58C-0FF2-7D06-E44A90439D6F}"/>
+              </a:ext>
+            </a:extLst>
+          </p:cNvPr>
+          <p:cNvSpPr txBox="1"/>
+          <p:nvPr/>
+        </p:nvSpPr>
+        <p:spPr>
+          <a:xfrm>
+            <a:off x="1010194" y="1384663"/>
+            <a:ext cx="3805646" cy="369332"/>
+          </a:xfrm>
+          <a:prstGeom prst="rect">
+            <a:avLst/>
+          </a:prstGeom>
+          <a:noFill/>
+          <a:ln>
+            <a:solidFill>
+              <a:schemeClr val="tx1"/>
+            </a:solidFill>
+          </a:ln>
+        </p:spPr>
+        <p:txBody>
+          <a:bodyPr wrap="square" rtlCol="0">
+            <a:spAutoFit/>
+          </a:bodyPr>
+          <a:lstStyle/>
+          <a:p>
+            <a:r>
+              <a:rPr lang="zh-TW" altLang="en-US" dirty="0"/>
+              <a:t>第一步</a:t>
+            </a:r>
+            <a:r>
+              <a:rPr lang="en-US" altLang="zh-TW" dirty="0"/>
+              <a:t>:</a:t>
+            </a:r>
+            <a:r>
+              <a:rPr lang="zh-TW" altLang="en-US" dirty="0"/>
+              <a:t>打開放置網頁程式的資料夾</a:t>
+            </a:r>
+          </a:p>
+        </p:txBody>
+      </p:sp>
+      <p:pic>
+        <p:nvPicPr>
+          <p:cNvPr id="6" name="圖片 5">
+            <a:extLst>
+              <a:ext uri="{FF2B5EF4-FFF2-40B4-BE49-F238E27FC236}">
+                <a16:creationId xmlns:a16="http://schemas.microsoft.com/office/drawing/2014/main" id="{7E500E93-E437-FAD4-91D2-CA08C6074138}"/>
+              </a:ext>
+            </a:extLst>
+          </p:cNvPr>
+          <p:cNvPicPr>
+            <a:picLocks noChangeAspect="1"/>
+          </p:cNvPicPr>
+          <p:nvPr/>
+        </p:nvPicPr>
+        <p:blipFill>
+          <a:blip r:embed="rId2"/>
+          <a:stretch>
+            <a:fillRect/>
+          </a:stretch>
+        </p:blipFill>
+        <p:spPr>
+          <a:xfrm>
+            <a:off x="1010194" y="1865233"/>
+            <a:ext cx="5643155" cy="1992158"/>
+          </a:xfrm>
+          <a:prstGeom prst="rect">
+            <a:avLst/>
+          </a:prstGeom>
+          <a:ln>
+            <a:solidFill>
+              <a:schemeClr val="tx1"/>
+            </a:solidFill>
+          </a:ln>
+        </p:spPr>
+      </p:pic>
+      <p:sp>
+        <p:nvSpPr>
+          <p:cNvPr id="7" name="框架 6">
+            <a:extLst>
+              <a:ext uri="{FF2B5EF4-FFF2-40B4-BE49-F238E27FC236}">
+                <a16:creationId xmlns:a16="http://schemas.microsoft.com/office/drawing/2014/main" id="{0C5CC03B-B497-89EF-33CF-8DD76621FC51}"/>
+              </a:ext>
+            </a:extLst>
+          </p:cNvPr>
+          <p:cNvSpPr/>
+          <p:nvPr/>
+        </p:nvSpPr>
+        <p:spPr>
+          <a:xfrm>
+            <a:off x="1001486" y="2804161"/>
+            <a:ext cx="5477692" cy="296092"/>
+          </a:xfrm>
+          <a:prstGeom prst="frame">
+            <a:avLst/>
+          </a:prstGeom>
+          <a:solidFill>
+            <a:srgbClr val="FF0000"/>
+          </a:solidFill>
+          <a:ln>
+            <a:solidFill>
+              <a:srgbClr val="FF0000"/>
+            </a:solidFill>
+          </a:ln>
+        </p:spPr>
+        <p:style>
+          <a:lnRef idx="2">
+            <a:schemeClr val="accent1">
+              <a:shade val="15000"/>
+            </a:schemeClr>
+          </a:lnRef>
+          <a:fillRef idx="1">
+            <a:schemeClr val="accent1"/>
+          </a:fillRef>
+          <a:effectRef idx="0">
+            <a:schemeClr val="accent1"/>
+          </a:effectRef>
+          <a:fontRef idx="minor">
+            <a:schemeClr val="lt1"/>
+          </a:fontRef>
+        </p:style>
+        <p:txBody>
+          <a:bodyPr rtlCol="0" anchor="ctr"/>
+          <a:lstStyle/>
+          <a:p>
+            <a:pPr algn="ctr"/>
+            <a:endParaRPr lang="zh-TW" altLang="en-US">
+              <a:solidFill>
+                <a:schemeClr val="tx1"/>
+              </a:solidFill>
+            </a:endParaRPr>
+          </a:p>
+        </p:txBody>
+      </p:sp>
+      <p:pic>
+        <p:nvPicPr>
+          <p:cNvPr id="9" name="圖片 8">
+            <a:extLst>
+              <a:ext uri="{FF2B5EF4-FFF2-40B4-BE49-F238E27FC236}">
+                <a16:creationId xmlns:a16="http://schemas.microsoft.com/office/drawing/2014/main" id="{F15A310C-F1FA-1AB5-DADD-BE56A497FCA9}"/>
+              </a:ext>
+            </a:extLst>
+          </p:cNvPr>
+          <p:cNvPicPr>
+            <a:picLocks noChangeAspect="1"/>
+          </p:cNvPicPr>
+          <p:nvPr/>
+        </p:nvPicPr>
+        <p:blipFill>
+          <a:blip r:embed="rId3"/>
+          <a:stretch>
+            <a:fillRect/>
+          </a:stretch>
+        </p:blipFill>
+        <p:spPr>
+          <a:xfrm>
+            <a:off x="6096000" y="4080620"/>
+            <a:ext cx="5333451" cy="2578899"/>
+          </a:xfrm>
+          <a:prstGeom prst="rect">
+            <a:avLst/>
+          </a:prstGeom>
+          <a:ln>
+            <a:solidFill>
+              <a:schemeClr val="tx1"/>
+            </a:solidFill>
+          </a:ln>
+        </p:spPr>
+      </p:pic>
+      <p:sp>
+        <p:nvSpPr>
+          <p:cNvPr id="10" name="箭號: 上彎 9">
+            <a:extLst>
+              <a:ext uri="{FF2B5EF4-FFF2-40B4-BE49-F238E27FC236}">
+                <a16:creationId xmlns:a16="http://schemas.microsoft.com/office/drawing/2014/main" id="{829B7AC3-E531-9F13-F927-FA9A755EC35B}"/>
+              </a:ext>
+            </a:extLst>
+          </p:cNvPr>
+          <p:cNvSpPr/>
+          <p:nvPr/>
+        </p:nvSpPr>
+        <p:spPr>
+          <a:xfrm rot="5400000">
+            <a:off x="3827417" y="4034828"/>
+            <a:ext cx="1942011" cy="1950719"/>
+          </a:xfrm>
+          <a:prstGeom prst="bentUpArrow">
+            <a:avLst>
+              <a:gd name="adj1" fmla="val 25000"/>
+              <a:gd name="adj2" fmla="val 29791"/>
+              <a:gd name="adj3" fmla="val 23206"/>
+            </a:avLst>
+          </a:prstGeom>
+          <a:solidFill>
+            <a:srgbClr val="FF0000"/>
+          </a:solidFill>
+          <a:ln>
+            <a:solidFill>
+              <a:srgbClr val="FF0000"/>
+            </a:solidFill>
+          </a:ln>
+        </p:spPr>
+        <p:style>
+          <a:lnRef idx="2">
+            <a:schemeClr val="accent1">
+              <a:shade val="15000"/>
+            </a:schemeClr>
+          </a:lnRef>
+          <a:fillRef idx="1">
+            <a:schemeClr val="accent1"/>
+          </a:fillRef>
+          <a:effectRef idx="0">
+            <a:schemeClr val="accent1"/>
+          </a:effectRef>
+          <a:fontRef idx="minor">
+            <a:schemeClr val="lt1"/>
+          </a:fontRef>
+        </p:style>
+        <p:txBody>
+          <a:bodyPr rtlCol="0" anchor="ctr"/>
+          <a:lstStyle/>
+          <a:p>
+            <a:pPr algn="ctr"/>
+            <a:endParaRPr lang="zh-TW" altLang="en-US"/>
+          </a:p>
+        </p:txBody>
+      </p:sp>
+    </p:spTree>
+    <p:extLst>
+      <p:ext uri="{BB962C8B-B14F-4D97-AF65-F5344CB8AC3E}">
+        <p14:creationId xmlns:p14="http://schemas.microsoft.com/office/powerpoint/2010/main" val="3407219504"/>
+      </p:ext>
+    </p:extLst>
+  </p:cSld>
+  <p:clrMapOvr>
+    <a:masterClrMapping/>
+  </p:clrMapOvr>
+</p:sld>
+</file>
+
+<file path=ppt/slides/slide4.xml><?xml version="1.0" encoding="utf-8"?>
+<p:sld xmlns:a="http://schemas.openxmlformats.org/drawingml/2006/main" xmlns:r="http://schemas.openxmlformats.org/officeDocument/2006/relationships" xmlns:p="http://schemas.openxmlformats.org/presentationml/2006/main">
+  <p:cSld>
+    <p:spTree>
+      <p:nvGrpSpPr>
+        <p:cNvPr id="1" name=""/>
+        <p:cNvGrpSpPr/>
+        <p:nvPr/>
+      </p:nvGrpSpPr>
+      <p:grpSpPr>
+        <a:xfrm>
+          <a:off x="0" y="0"/>
+          <a:ext cx="0" cy="0"/>
+          <a:chOff x="0" y="0"/>
+          <a:chExt cx="0" cy="0"/>
+        </a:xfrm>
+      </p:grpSpPr>
+      <p:sp>
+        <p:nvSpPr>
+          <p:cNvPr id="3" name="標題 2"/>
+          <p:cNvSpPr>
+            <a:spLocks noGrp="1"/>
+          </p:cNvSpPr>
+          <p:nvPr>
+            <p:ph type="title"/>
+          </p:nvPr>
+        </p:nvSpPr>
+        <p:spPr/>
+        <p:txBody>
+          <a:bodyPr>
+            <a:noAutofit/>
+          </a:bodyPr>
+          <a:lstStyle/>
+          <a:p>
+            <a:r>
+              <a:rPr lang="zh-TW" altLang="en-US" sz="3600" dirty="0"/>
+              <a:t>教學</a:t>
+            </a:r>
+          </a:p>
+        </p:txBody>
+      </p:sp>
+      <p:sp>
+        <p:nvSpPr>
+          <p:cNvPr id="4" name="文字方塊 3">
+            <a:extLst>
+              <a:ext uri="{FF2B5EF4-FFF2-40B4-BE49-F238E27FC236}">
+                <a16:creationId xmlns:a16="http://schemas.microsoft.com/office/drawing/2014/main" id="{2B338AA9-E58C-0FF2-7D06-E44A90439D6F}"/>
+              </a:ext>
+            </a:extLst>
+          </p:cNvPr>
+          <p:cNvSpPr txBox="1"/>
+          <p:nvPr/>
+        </p:nvSpPr>
+        <p:spPr>
+          <a:xfrm>
+            <a:off x="1010194" y="1384663"/>
+            <a:ext cx="3805646" cy="369332"/>
+          </a:xfrm>
+          <a:prstGeom prst="rect">
+            <a:avLst/>
+          </a:prstGeom>
+          <a:noFill/>
+          <a:ln>
+            <a:solidFill>
+              <a:schemeClr val="tx1"/>
+            </a:solidFill>
+          </a:ln>
+        </p:spPr>
+        <p:txBody>
+          <a:bodyPr wrap="square" rtlCol="0">
+            <a:spAutoFit/>
+          </a:bodyPr>
+          <a:lstStyle/>
+          <a:p>
+            <a:r>
+              <a:rPr lang="zh-TW" altLang="en-US" dirty="0"/>
+              <a:t>第一步</a:t>
+            </a:r>
+            <a:r>
+              <a:rPr lang="en-US" altLang="zh-TW" dirty="0"/>
+              <a:t>:</a:t>
+            </a:r>
+            <a:r>
+              <a:rPr lang="zh-TW" altLang="en-US" dirty="0"/>
+              <a:t>打開放置網頁程式的資料夾</a:t>
+            </a:r>
+          </a:p>
+        </p:txBody>
+      </p:sp>
+      <p:sp>
+        <p:nvSpPr>
+          <p:cNvPr id="10" name="箭號: 上彎 9">
+            <a:extLst>
+              <a:ext uri="{FF2B5EF4-FFF2-40B4-BE49-F238E27FC236}">
+                <a16:creationId xmlns:a16="http://schemas.microsoft.com/office/drawing/2014/main" id="{829B7AC3-E531-9F13-F927-FA9A755EC35B}"/>
+              </a:ext>
+            </a:extLst>
+          </p:cNvPr>
+          <p:cNvSpPr/>
+          <p:nvPr/>
+        </p:nvSpPr>
+        <p:spPr>
+          <a:xfrm rot="5400000">
+            <a:off x="1902822" y="2488081"/>
+            <a:ext cx="1942011" cy="2368731"/>
+          </a:xfrm>
+          <a:prstGeom prst="bentUpArrow">
+            <a:avLst>
+              <a:gd name="adj1" fmla="val 25000"/>
+              <a:gd name="adj2" fmla="val 29791"/>
+              <a:gd name="adj3" fmla="val 23206"/>
+            </a:avLst>
+          </a:prstGeom>
+          <a:solidFill>
+            <a:srgbClr val="FF0000"/>
+          </a:solidFill>
+          <a:ln>
+            <a:solidFill>
+              <a:srgbClr val="FF0000"/>
+            </a:solidFill>
+          </a:ln>
+        </p:spPr>
+        <p:style>
+          <a:lnRef idx="2">
+            <a:schemeClr val="accent1">
+              <a:shade val="15000"/>
+            </a:schemeClr>
+          </a:lnRef>
+          <a:fillRef idx="1">
+            <a:schemeClr val="accent1"/>
+          </a:fillRef>
+          <a:effectRef idx="0">
+            <a:schemeClr val="accent1"/>
+          </a:effectRef>
+          <a:fontRef idx="minor">
+            <a:schemeClr val="lt1"/>
+          </a:fontRef>
+        </p:style>
+        <p:txBody>
+          <a:bodyPr rtlCol="0" anchor="ctr"/>
+          <a:lstStyle/>
+          <a:p>
+            <a:pPr algn="ctr"/>
+            <a:endParaRPr lang="zh-TW" altLang="en-US"/>
+          </a:p>
+        </p:txBody>
+      </p:sp>
+      <p:pic>
+        <p:nvPicPr>
+          <p:cNvPr id="5" name="圖片 4">
+            <a:extLst>
+              <a:ext uri="{FF2B5EF4-FFF2-40B4-BE49-F238E27FC236}">
+                <a16:creationId xmlns:a16="http://schemas.microsoft.com/office/drawing/2014/main" id="{C94D0D54-3166-13AA-EEF0-020EF89DBD0E}"/>
+              </a:ext>
+            </a:extLst>
+          </p:cNvPr>
+          <p:cNvPicPr>
+            <a:picLocks noChangeAspect="1"/>
+          </p:cNvPicPr>
+          <p:nvPr/>
+        </p:nvPicPr>
+        <p:blipFill>
+          <a:blip r:embed="rId2"/>
+          <a:stretch>
+            <a:fillRect/>
+          </a:stretch>
+        </p:blipFill>
+        <p:spPr>
+          <a:xfrm>
+            <a:off x="1010194" y="1941928"/>
+            <a:ext cx="4982270" cy="571580"/>
+          </a:xfrm>
+          <a:prstGeom prst="rect">
+            <a:avLst/>
+          </a:prstGeom>
+          <a:ln>
+            <a:solidFill>
+              <a:schemeClr val="tx1"/>
+            </a:solidFill>
+          </a:ln>
+        </p:spPr>
+      </p:pic>
+      <p:pic>
+        <p:nvPicPr>
+          <p:cNvPr id="11" name="圖片 10">
+            <a:extLst>
+              <a:ext uri="{FF2B5EF4-FFF2-40B4-BE49-F238E27FC236}">
+                <a16:creationId xmlns:a16="http://schemas.microsoft.com/office/drawing/2014/main" id="{4E5C0487-6ECF-D009-13FA-C40C41380E96}"/>
+              </a:ext>
+            </a:extLst>
+          </p:cNvPr>
+          <p:cNvPicPr>
+            <a:picLocks noChangeAspect="1"/>
+          </p:cNvPicPr>
+          <p:nvPr/>
+        </p:nvPicPr>
+        <p:blipFill>
+          <a:blip r:embed="rId3"/>
+          <a:stretch>
+            <a:fillRect/>
+          </a:stretch>
+        </p:blipFill>
+        <p:spPr>
+          <a:xfrm>
+            <a:off x="4260668" y="2818818"/>
+            <a:ext cx="7020905" cy="3686689"/>
+          </a:xfrm>
+          <a:prstGeom prst="rect">
+            <a:avLst/>
+          </a:prstGeom>
+          <a:ln>
+            <a:solidFill>
+              <a:schemeClr val="tx1"/>
+            </a:solidFill>
+          </a:ln>
+        </p:spPr>
+      </p:pic>
+      <p:sp>
+        <p:nvSpPr>
+          <p:cNvPr id="12" name="框架 11">
+            <a:extLst>
+              <a:ext uri="{FF2B5EF4-FFF2-40B4-BE49-F238E27FC236}">
+                <a16:creationId xmlns:a16="http://schemas.microsoft.com/office/drawing/2014/main" id="{38DDA177-535E-39C9-236D-1A2797CEEA8B}"/>
+              </a:ext>
+            </a:extLst>
+          </p:cNvPr>
+          <p:cNvSpPr/>
+          <p:nvPr/>
+        </p:nvSpPr>
+        <p:spPr>
+          <a:xfrm>
+            <a:off x="4580708" y="5059681"/>
+            <a:ext cx="5477692" cy="296092"/>
+          </a:xfrm>
+          <a:prstGeom prst="frame">
+            <a:avLst/>
+          </a:prstGeom>
+          <a:solidFill>
+            <a:srgbClr val="FF0000"/>
+          </a:solidFill>
+          <a:ln>
+            <a:solidFill>
+              <a:srgbClr val="FF0000"/>
+            </a:solidFill>
+          </a:ln>
+        </p:spPr>
+        <p:style>
+          <a:lnRef idx="2">
+            <a:schemeClr val="accent1">
+              <a:shade val="15000"/>
+            </a:schemeClr>
+          </a:lnRef>
+          <a:fillRef idx="1">
+            <a:schemeClr val="accent1"/>
+          </a:fillRef>
+          <a:effectRef idx="0">
+            <a:schemeClr val="accent1"/>
+          </a:effectRef>
+          <a:fontRef idx="minor">
+            <a:schemeClr val="lt1"/>
+          </a:fontRef>
+        </p:style>
+        <p:txBody>
+          <a:bodyPr rtlCol="0" anchor="ctr"/>
+          <a:lstStyle/>
+          <a:p>
+            <a:pPr algn="ctr"/>
+            <a:endParaRPr lang="zh-TW" altLang="en-US">
+              <a:solidFill>
+                <a:schemeClr val="tx1"/>
+              </a:solidFill>
+            </a:endParaRPr>
+          </a:p>
+        </p:txBody>
+      </p:sp>
+    </p:spTree>
+    <p:extLst>
+      <p:ext uri="{BB962C8B-B14F-4D97-AF65-F5344CB8AC3E}">
+        <p14:creationId xmlns:p14="http://schemas.microsoft.com/office/powerpoint/2010/main" val="3410195719"/>
+      </p:ext>
+    </p:extLst>
+  </p:cSld>
+  <p:clrMapOvr>
+    <a:masterClrMapping/>
+  </p:clrMapOvr>
+</p:sld>
+</file>
+
+<file path=ppt/slides/slide5.xml><?xml version="1.0" encoding="utf-8"?>
+<p:sld xmlns:a="http://schemas.openxmlformats.org/drawingml/2006/main" xmlns:r="http://schemas.openxmlformats.org/officeDocument/2006/relationships" xmlns:p="http://schemas.openxmlformats.org/presentationml/2006/main">
+  <p:cSld>
+    <p:spTree>
+      <p:nvGrpSpPr>
+        <p:cNvPr id="1" name=""/>
+        <p:cNvGrpSpPr/>
+        <p:nvPr/>
+      </p:nvGrpSpPr>
+      <p:grpSpPr>
+        <a:xfrm>
+          <a:off x="0" y="0"/>
+          <a:ext cx="0" cy="0"/>
+          <a:chOff x="0" y="0"/>
+          <a:chExt cx="0" cy="0"/>
+        </a:xfrm>
+      </p:grpSpPr>
+      <p:pic>
+        <p:nvPicPr>
+          <p:cNvPr id="5" name="圖片 4">
+            <a:extLst>
+              <a:ext uri="{FF2B5EF4-FFF2-40B4-BE49-F238E27FC236}">
+                <a16:creationId xmlns:a16="http://schemas.microsoft.com/office/drawing/2014/main" id="{E4AE8CAC-BC21-2354-F9E5-24A7015AA2D1}"/>
+              </a:ext>
+            </a:extLst>
+          </p:cNvPr>
+          <p:cNvPicPr>
+            <a:picLocks noChangeAspect="1"/>
+          </p:cNvPicPr>
+          <p:nvPr/>
+        </p:nvPicPr>
+        <p:blipFill>
+          <a:blip r:embed="rId2"/>
+          <a:stretch>
+            <a:fillRect/>
+          </a:stretch>
+        </p:blipFill>
+        <p:spPr>
+          <a:xfrm>
+            <a:off x="908982" y="1879047"/>
+            <a:ext cx="5091224" cy="2744295"/>
+          </a:xfrm>
+          <a:prstGeom prst="rect">
+            <a:avLst/>
+          </a:prstGeom>
+          <a:ln>
+            <a:solidFill>
+              <a:schemeClr val="tx1"/>
+            </a:solidFill>
+          </a:ln>
+        </p:spPr>
+      </p:pic>
+      <p:sp>
+        <p:nvSpPr>
+          <p:cNvPr id="3" name="標題 2"/>
+          <p:cNvSpPr>
+            <a:spLocks noGrp="1"/>
+          </p:cNvSpPr>
+          <p:nvPr>
+            <p:ph type="title"/>
+          </p:nvPr>
+        </p:nvSpPr>
+        <p:spPr/>
+        <p:txBody>
+          <a:bodyPr>
+            <a:noAutofit/>
+          </a:bodyPr>
+          <a:lstStyle/>
+          <a:p>
+            <a:r>
+              <a:rPr lang="zh-TW" altLang="en-US" sz="3600" dirty="0"/>
+              <a:t>教學</a:t>
+            </a:r>
+          </a:p>
+        </p:txBody>
+      </p:sp>
+      <p:sp>
+        <p:nvSpPr>
+          <p:cNvPr id="4" name="文字方塊 3">
+            <a:extLst>
+              <a:ext uri="{FF2B5EF4-FFF2-40B4-BE49-F238E27FC236}">
+                <a16:creationId xmlns:a16="http://schemas.microsoft.com/office/drawing/2014/main" id="{2B338AA9-E58C-0FF2-7D06-E44A90439D6F}"/>
+              </a:ext>
+            </a:extLst>
+          </p:cNvPr>
+          <p:cNvSpPr txBox="1"/>
+          <p:nvPr/>
+        </p:nvSpPr>
+        <p:spPr>
+          <a:xfrm>
+            <a:off x="1010194" y="1384663"/>
+            <a:ext cx="3805646" cy="369332"/>
+          </a:xfrm>
+          <a:prstGeom prst="rect">
+            <a:avLst/>
+          </a:prstGeom>
+          <a:noFill/>
+          <a:ln>
+            <a:solidFill>
+              <a:schemeClr val="tx1"/>
+            </a:solidFill>
+          </a:ln>
+        </p:spPr>
+        <p:txBody>
+          <a:bodyPr wrap="square" rtlCol="0">
+            <a:spAutoFit/>
+          </a:bodyPr>
+          <a:lstStyle/>
+          <a:p>
+            <a:r>
+              <a:rPr lang="zh-TW" altLang="en-US" dirty="0"/>
+              <a:t>第一步</a:t>
+            </a:r>
+            <a:r>
+              <a:rPr lang="en-US" altLang="zh-TW" dirty="0"/>
+              <a:t>:</a:t>
+            </a:r>
+            <a:r>
+              <a:rPr lang="zh-TW" altLang="en-US" dirty="0"/>
+              <a:t>打開放置網頁程式的資料夾</a:t>
+            </a:r>
+          </a:p>
+        </p:txBody>
+      </p:sp>
+      <p:sp>
+        <p:nvSpPr>
+          <p:cNvPr id="7" name="框架 6">
+            <a:extLst>
+              <a:ext uri="{FF2B5EF4-FFF2-40B4-BE49-F238E27FC236}">
+                <a16:creationId xmlns:a16="http://schemas.microsoft.com/office/drawing/2014/main" id="{0C5CC03B-B497-89EF-33CF-8DD76621FC51}"/>
+              </a:ext>
+            </a:extLst>
+          </p:cNvPr>
+          <p:cNvSpPr/>
+          <p:nvPr/>
+        </p:nvSpPr>
+        <p:spPr>
+          <a:xfrm>
+            <a:off x="1123405" y="2955812"/>
+            <a:ext cx="4572001" cy="170565"/>
+          </a:xfrm>
+          <a:prstGeom prst="frame">
+            <a:avLst/>
+          </a:prstGeom>
+          <a:solidFill>
+            <a:srgbClr val="FF0000"/>
+          </a:solidFill>
+          <a:ln>
+            <a:solidFill>
+              <a:srgbClr val="FF0000"/>
+            </a:solidFill>
+          </a:ln>
+        </p:spPr>
+        <p:style>
+          <a:lnRef idx="2">
+            <a:schemeClr val="accent1">
+              <a:shade val="15000"/>
+            </a:schemeClr>
+          </a:lnRef>
+          <a:fillRef idx="1">
+            <a:schemeClr val="accent1"/>
+          </a:fillRef>
+          <a:effectRef idx="0">
+            <a:schemeClr val="accent1"/>
+          </a:effectRef>
+          <a:fontRef idx="minor">
+            <a:schemeClr val="lt1"/>
+          </a:fontRef>
+        </p:style>
+        <p:txBody>
+          <a:bodyPr rtlCol="0" anchor="ctr"/>
+          <a:lstStyle/>
+          <a:p>
+            <a:pPr algn="ctr"/>
+            <a:endParaRPr lang="zh-TW" altLang="en-US">
+              <a:solidFill>
+                <a:schemeClr val="tx1"/>
+              </a:solidFill>
+            </a:endParaRPr>
+          </a:p>
+        </p:txBody>
+      </p:sp>
+      <p:sp>
+        <p:nvSpPr>
+          <p:cNvPr id="10" name="箭號: 上彎 9">
+            <a:extLst>
+              <a:ext uri="{FF2B5EF4-FFF2-40B4-BE49-F238E27FC236}">
+                <a16:creationId xmlns:a16="http://schemas.microsoft.com/office/drawing/2014/main" id="{829B7AC3-E531-9F13-F927-FA9A755EC35B}"/>
+              </a:ext>
+            </a:extLst>
+          </p:cNvPr>
+          <p:cNvSpPr/>
+          <p:nvPr/>
+        </p:nvSpPr>
+        <p:spPr>
+          <a:xfrm rot="5400000">
+            <a:off x="2483588" y="4652020"/>
+            <a:ext cx="1942011" cy="1950719"/>
+          </a:xfrm>
+          <a:prstGeom prst="bentUpArrow">
+            <a:avLst>
+              <a:gd name="adj1" fmla="val 25000"/>
+              <a:gd name="adj2" fmla="val 29791"/>
+              <a:gd name="adj3" fmla="val 23206"/>
+            </a:avLst>
+          </a:prstGeom>
+          <a:solidFill>
+            <a:srgbClr val="FF0000"/>
+          </a:solidFill>
+          <a:ln>
+            <a:solidFill>
+              <a:srgbClr val="FF0000"/>
+            </a:solidFill>
+          </a:ln>
+        </p:spPr>
+        <p:style>
+          <a:lnRef idx="2">
+            <a:schemeClr val="accent1">
+              <a:shade val="15000"/>
+            </a:schemeClr>
+          </a:lnRef>
+          <a:fillRef idx="1">
+            <a:schemeClr val="accent1"/>
+          </a:fillRef>
+          <a:effectRef idx="0">
+            <a:schemeClr val="accent1"/>
+          </a:effectRef>
+          <a:fontRef idx="minor">
+            <a:schemeClr val="lt1"/>
+          </a:fontRef>
+        </p:style>
+        <p:txBody>
+          <a:bodyPr rtlCol="0" anchor="ctr"/>
+          <a:lstStyle/>
+          <a:p>
+            <a:pPr algn="ctr"/>
+            <a:endParaRPr lang="zh-TW" altLang="en-US"/>
+          </a:p>
+        </p:txBody>
+      </p:sp>
+      <p:pic>
+        <p:nvPicPr>
+          <p:cNvPr id="11" name="圖片 10">
+            <a:extLst>
+              <a:ext uri="{FF2B5EF4-FFF2-40B4-BE49-F238E27FC236}">
+                <a16:creationId xmlns:a16="http://schemas.microsoft.com/office/drawing/2014/main" id="{3949A8E1-8397-5534-ED82-E27A0C00FDB8}"/>
+              </a:ext>
+            </a:extLst>
+          </p:cNvPr>
+          <p:cNvPicPr>
+            <a:picLocks noChangeAspect="1"/>
+          </p:cNvPicPr>
+          <p:nvPr/>
+        </p:nvPicPr>
+        <p:blipFill>
+          <a:blip r:embed="rId3"/>
+          <a:stretch>
+            <a:fillRect/>
+          </a:stretch>
+        </p:blipFill>
+        <p:spPr>
+          <a:xfrm>
+            <a:off x="4676503" y="4748394"/>
+            <a:ext cx="6113417" cy="1991003"/>
+          </a:xfrm>
+          <a:prstGeom prst="rect">
+            <a:avLst/>
+          </a:prstGeom>
+          <a:ln>
+            <a:solidFill>
+              <a:schemeClr val="tx1"/>
+            </a:solidFill>
+          </a:ln>
+        </p:spPr>
+      </p:pic>
+      <p:sp>
+        <p:nvSpPr>
+          <p:cNvPr id="12" name="框架 11">
+            <a:extLst>
+              <a:ext uri="{FF2B5EF4-FFF2-40B4-BE49-F238E27FC236}">
+                <a16:creationId xmlns:a16="http://schemas.microsoft.com/office/drawing/2014/main" id="{6B2852B3-004D-308A-881C-F22DE4117EDA}"/>
+              </a:ext>
+            </a:extLst>
+          </p:cNvPr>
+          <p:cNvSpPr/>
+          <p:nvPr/>
+        </p:nvSpPr>
+        <p:spPr>
+          <a:xfrm>
+            <a:off x="4898571" y="5473337"/>
+            <a:ext cx="4572001" cy="317863"/>
+          </a:xfrm>
+          <a:prstGeom prst="frame">
+            <a:avLst/>
+          </a:prstGeom>
+          <a:solidFill>
+            <a:srgbClr val="FF0000"/>
+          </a:solidFill>
+          <a:ln>
+            <a:solidFill>
+              <a:srgbClr val="FF0000"/>
+            </a:solidFill>
+          </a:ln>
+        </p:spPr>
+        <p:style>
+          <a:lnRef idx="2">
+            <a:schemeClr val="accent1">
+              <a:shade val="15000"/>
+            </a:schemeClr>
+          </a:lnRef>
+          <a:fillRef idx="1">
+            <a:schemeClr val="accent1"/>
+          </a:fillRef>
+          <a:effectRef idx="0">
+            <a:schemeClr val="accent1"/>
+          </a:effectRef>
+          <a:fontRef idx="minor">
+            <a:schemeClr val="lt1"/>
+          </a:fontRef>
+        </p:style>
+        <p:txBody>
+          <a:bodyPr rtlCol="0" anchor="ctr"/>
+          <a:lstStyle/>
+          <a:p>
+            <a:pPr algn="ctr"/>
+            <a:endParaRPr lang="zh-TW" altLang="en-US">
+              <a:solidFill>
+                <a:schemeClr val="tx1"/>
+              </a:solidFill>
+            </a:endParaRPr>
+          </a:p>
+        </p:txBody>
+      </p:sp>
+    </p:spTree>
+    <p:extLst>
+      <p:ext uri="{BB962C8B-B14F-4D97-AF65-F5344CB8AC3E}">
+        <p14:creationId xmlns:p14="http://schemas.microsoft.com/office/powerpoint/2010/main" val="2730431049"/>
+      </p:ext>
+    </p:extLst>
+  </p:cSld>
+  <p:clrMapOvr>
+    <a:masterClrMapping/>
+  </p:clrMapOvr>
+</p:sld>
+</file>
+
+<file path=ppt/slides/slide6.xml><?xml version="1.0" encoding="utf-8"?>
+<p:sld xmlns:a="http://schemas.openxmlformats.org/drawingml/2006/main" xmlns:r="http://schemas.openxmlformats.org/officeDocument/2006/relationships" xmlns:p="http://schemas.openxmlformats.org/presentationml/2006/main">
+  <p:cSld>
+    <p:spTree>
+      <p:nvGrpSpPr>
+        <p:cNvPr id="1" name=""/>
+        <p:cNvGrpSpPr/>
+        <p:nvPr/>
+      </p:nvGrpSpPr>
+      <p:grpSpPr>
+        <a:xfrm>
+          <a:off x="0" y="0"/>
+          <a:ext cx="0" cy="0"/>
+          <a:chOff x="0" y="0"/>
+          <a:chExt cx="0" cy="0"/>
+        </a:xfrm>
+      </p:grpSpPr>
+      <p:pic>
+        <p:nvPicPr>
+          <p:cNvPr id="11" name="圖片 10">
+            <a:extLst>
+              <a:ext uri="{FF2B5EF4-FFF2-40B4-BE49-F238E27FC236}">
+                <a16:creationId xmlns:a16="http://schemas.microsoft.com/office/drawing/2014/main" id="{5ED29591-9B72-9E0A-8C0A-458D4717076E}"/>
+              </a:ext>
+            </a:extLst>
+          </p:cNvPr>
+          <p:cNvPicPr>
+            <a:picLocks noChangeAspect="1"/>
+          </p:cNvPicPr>
+          <p:nvPr/>
+        </p:nvPicPr>
+        <p:blipFill>
+          <a:blip r:embed="rId2"/>
+          <a:stretch>
+            <a:fillRect/>
+          </a:stretch>
+        </p:blipFill>
+        <p:spPr>
+          <a:xfrm>
+            <a:off x="838200" y="1926969"/>
+            <a:ext cx="5336177" cy="1817690"/>
+          </a:xfrm>
+          <a:prstGeom prst="rect">
+            <a:avLst/>
+          </a:prstGeom>
+          <a:ln>
+            <a:solidFill>
+              <a:schemeClr val="tx1"/>
+            </a:solidFill>
+          </a:ln>
+        </p:spPr>
+      </p:pic>
+      <p:sp>
+        <p:nvSpPr>
+          <p:cNvPr id="3" name="標題 2"/>
+          <p:cNvSpPr>
+            <a:spLocks noGrp="1"/>
+          </p:cNvSpPr>
+          <p:nvPr>
+            <p:ph type="title"/>
+          </p:nvPr>
+        </p:nvSpPr>
+        <p:spPr/>
+        <p:txBody>
+          <a:bodyPr>
+            <a:noAutofit/>
+          </a:bodyPr>
+          <a:lstStyle/>
+          <a:p>
+            <a:r>
+              <a:rPr lang="zh-TW" altLang="en-US" sz="3600" dirty="0"/>
+              <a:t>教學</a:t>
+            </a:r>
+          </a:p>
+        </p:txBody>
+      </p:sp>
+      <p:sp>
+        <p:nvSpPr>
+          <p:cNvPr id="4" name="文字方塊 3">
+            <a:extLst>
+              <a:ext uri="{FF2B5EF4-FFF2-40B4-BE49-F238E27FC236}">
+                <a16:creationId xmlns:a16="http://schemas.microsoft.com/office/drawing/2014/main" id="{2B338AA9-E58C-0FF2-7D06-E44A90439D6F}"/>
+              </a:ext>
+            </a:extLst>
+          </p:cNvPr>
+          <p:cNvSpPr txBox="1"/>
+          <p:nvPr/>
+        </p:nvSpPr>
+        <p:spPr>
+          <a:xfrm>
+            <a:off x="1010194" y="1384663"/>
+            <a:ext cx="4850676" cy="369332"/>
+          </a:xfrm>
+          <a:prstGeom prst="rect">
+            <a:avLst/>
+          </a:prstGeom>
+          <a:noFill/>
+          <a:ln>
+            <a:solidFill>
+              <a:schemeClr val="tx1"/>
+            </a:solidFill>
+          </a:ln>
+        </p:spPr>
+        <p:txBody>
+          <a:bodyPr wrap="square" rtlCol="0">
+            <a:spAutoFit/>
+          </a:bodyPr>
+          <a:lstStyle/>
+          <a:p>
+            <a:r>
+              <a:rPr lang="zh-TW" altLang="en-US" dirty="0"/>
+              <a:t>第二步</a:t>
+            </a:r>
+            <a:r>
+              <a:rPr lang="en-US" altLang="zh-TW" dirty="0"/>
+              <a:t>:</a:t>
+            </a:r>
+            <a:r>
+              <a:rPr lang="zh-TW" altLang="en-US" dirty="0"/>
+              <a:t>在當前資料夾進入</a:t>
+            </a:r>
+            <a:r>
+              <a:rPr lang="en-US" altLang="zh-TW" dirty="0" err="1"/>
+              <a:t>cmd</a:t>
+            </a:r>
+            <a:r>
+              <a:rPr lang="en-US" altLang="zh-TW" dirty="0"/>
+              <a:t>,</a:t>
+            </a:r>
+            <a:r>
+              <a:rPr lang="zh-TW" altLang="en-US" dirty="0"/>
+              <a:t>並開啟虛擬環境</a:t>
+            </a:r>
+          </a:p>
+        </p:txBody>
+      </p:sp>
+      <p:sp>
+        <p:nvSpPr>
+          <p:cNvPr id="6" name="框架 5">
+            <a:extLst>
+              <a:ext uri="{FF2B5EF4-FFF2-40B4-BE49-F238E27FC236}">
+                <a16:creationId xmlns:a16="http://schemas.microsoft.com/office/drawing/2014/main" id="{4ED1C614-8B3A-5F5B-3A92-825679CF0370}"/>
+              </a:ext>
+            </a:extLst>
+          </p:cNvPr>
+          <p:cNvSpPr/>
+          <p:nvPr/>
+        </p:nvSpPr>
+        <p:spPr>
+          <a:xfrm>
+            <a:off x="838200" y="1883452"/>
+            <a:ext cx="4880523" cy="296092"/>
+          </a:xfrm>
+          <a:prstGeom prst="frame">
+            <a:avLst/>
+          </a:prstGeom>
+          <a:solidFill>
+            <a:srgbClr val="FF0000"/>
+          </a:solidFill>
+          <a:ln>
+            <a:solidFill>
+              <a:srgbClr val="FF0000"/>
+            </a:solidFill>
+          </a:ln>
+        </p:spPr>
+        <p:style>
+          <a:lnRef idx="2">
+            <a:schemeClr val="accent1">
+              <a:shade val="15000"/>
+            </a:schemeClr>
+          </a:lnRef>
+          <a:fillRef idx="1">
+            <a:schemeClr val="accent1"/>
+          </a:fillRef>
+          <a:effectRef idx="0">
+            <a:schemeClr val="accent1"/>
+          </a:effectRef>
+          <a:fontRef idx="minor">
+            <a:schemeClr val="lt1"/>
+          </a:fontRef>
+        </p:style>
+        <p:txBody>
+          <a:bodyPr rtlCol="0" anchor="ctr"/>
+          <a:lstStyle/>
+          <a:p>
+            <a:pPr algn="ctr"/>
+            <a:endParaRPr lang="zh-TW" altLang="en-US">
+              <a:solidFill>
+                <a:schemeClr val="tx1"/>
+              </a:solidFill>
+            </a:endParaRPr>
+          </a:p>
+        </p:txBody>
+      </p:sp>
+      <p:pic>
+        <p:nvPicPr>
+          <p:cNvPr id="9" name="圖片 8">
+            <a:extLst>
+              <a:ext uri="{FF2B5EF4-FFF2-40B4-BE49-F238E27FC236}">
+                <a16:creationId xmlns:a16="http://schemas.microsoft.com/office/drawing/2014/main" id="{93A24BFE-57DF-2DC9-9EA9-B6D1A41C9A97}"/>
+              </a:ext>
+            </a:extLst>
+          </p:cNvPr>
+          <p:cNvPicPr>
+            <a:picLocks noChangeAspect="1"/>
+          </p:cNvPicPr>
+          <p:nvPr/>
+        </p:nvPicPr>
+        <p:blipFill>
+          <a:blip r:embed="rId3"/>
+          <a:stretch>
+            <a:fillRect/>
+          </a:stretch>
+        </p:blipFill>
+        <p:spPr>
+          <a:xfrm>
+            <a:off x="6252754" y="3831772"/>
+            <a:ext cx="4758723" cy="2415522"/>
+          </a:xfrm>
+          <a:prstGeom prst="rect">
+            <a:avLst/>
+          </a:prstGeom>
+          <a:ln>
+            <a:solidFill>
+              <a:schemeClr val="tx1"/>
+            </a:solidFill>
+          </a:ln>
+        </p:spPr>
+      </p:pic>
+      <p:sp>
+        <p:nvSpPr>
+          <p:cNvPr id="10" name="框架 9">
+            <a:extLst>
+              <a:ext uri="{FF2B5EF4-FFF2-40B4-BE49-F238E27FC236}">
+                <a16:creationId xmlns:a16="http://schemas.microsoft.com/office/drawing/2014/main" id="{1524D284-3D79-D5A9-965A-152DA292DBAE}"/>
+              </a:ext>
+            </a:extLst>
+          </p:cNvPr>
+          <p:cNvSpPr/>
+          <p:nvPr/>
+        </p:nvSpPr>
+        <p:spPr>
+          <a:xfrm>
+            <a:off x="6261462" y="3831771"/>
+            <a:ext cx="4380412" cy="349541"/>
+          </a:xfrm>
+          <a:prstGeom prst="frame">
+            <a:avLst/>
+          </a:prstGeom>
+          <a:solidFill>
+            <a:srgbClr val="FF0000"/>
+          </a:solidFill>
+          <a:ln>
+            <a:solidFill>
+              <a:srgbClr val="FF0000"/>
+            </a:solidFill>
+          </a:ln>
+        </p:spPr>
+        <p:style>
+          <a:lnRef idx="2">
+            <a:schemeClr val="accent1">
+              <a:shade val="15000"/>
+            </a:schemeClr>
+          </a:lnRef>
+          <a:fillRef idx="1">
+            <a:schemeClr val="accent1"/>
+          </a:fillRef>
+          <a:effectRef idx="0">
+            <a:schemeClr val="accent1"/>
+          </a:effectRef>
+          <a:fontRef idx="minor">
+            <a:schemeClr val="lt1"/>
+          </a:fontRef>
+        </p:style>
+        <p:txBody>
+          <a:bodyPr rtlCol="0" anchor="ctr"/>
+          <a:lstStyle/>
+          <a:p>
+            <a:pPr algn="ctr"/>
+            <a:endParaRPr lang="zh-TW" altLang="en-US">
+              <a:solidFill>
+                <a:schemeClr val="tx1"/>
+              </a:solidFill>
+            </a:endParaRPr>
+          </a:p>
+        </p:txBody>
+      </p:sp>
+      <p:sp>
+        <p:nvSpPr>
+          <p:cNvPr id="16" name="箭號: 上彎 15">
+            <a:extLst>
+              <a:ext uri="{FF2B5EF4-FFF2-40B4-BE49-F238E27FC236}">
+                <a16:creationId xmlns:a16="http://schemas.microsoft.com/office/drawing/2014/main" id="{A8EE1B67-B8FF-736D-028E-72FD309CC58F}"/>
+              </a:ext>
+            </a:extLst>
+          </p:cNvPr>
+          <p:cNvSpPr/>
+          <p:nvPr/>
+        </p:nvSpPr>
+        <p:spPr>
+          <a:xfrm rot="5400000">
+            <a:off x="3679971" y="3704898"/>
+            <a:ext cx="2132402" cy="2386149"/>
+          </a:xfrm>
+          <a:prstGeom prst="bentUpArrow">
+            <a:avLst>
+              <a:gd name="adj1" fmla="val 22141"/>
+              <a:gd name="adj2" fmla="val 29791"/>
+              <a:gd name="adj3" fmla="val 23206"/>
+            </a:avLst>
+          </a:prstGeom>
+          <a:solidFill>
+            <a:srgbClr val="FF0000"/>
+          </a:solidFill>
+          <a:ln>
+            <a:solidFill>
+              <a:srgbClr val="FF0000"/>
+            </a:solidFill>
+          </a:ln>
+        </p:spPr>
+        <p:style>
+          <a:lnRef idx="2">
+            <a:schemeClr val="accent1">
+              <a:shade val="15000"/>
+            </a:schemeClr>
+          </a:lnRef>
+          <a:fillRef idx="1">
+            <a:schemeClr val="accent1"/>
+          </a:fillRef>
+          <a:effectRef idx="0">
+            <a:schemeClr val="accent1"/>
+          </a:effectRef>
+          <a:fontRef idx="minor">
+            <a:schemeClr val="lt1"/>
+          </a:fontRef>
+        </p:style>
+        <p:txBody>
+          <a:bodyPr rtlCol="0" anchor="ctr"/>
+          <a:lstStyle/>
+          <a:p>
+            <a:pPr algn="ctr"/>
+            <a:endParaRPr lang="zh-TW" altLang="en-US"/>
+          </a:p>
+        </p:txBody>
+      </p:sp>
+    </p:spTree>
+    <p:extLst>
+      <p:ext uri="{BB962C8B-B14F-4D97-AF65-F5344CB8AC3E}">
+        <p14:creationId xmlns:p14="http://schemas.microsoft.com/office/powerpoint/2010/main" val="3711818896"/>
+      </p:ext>
+    </p:extLst>
+  </p:cSld>
+  <p:clrMapOvr>
+    <a:masterClrMapping/>
+  </p:clrMapOvr>
+</p:sld>
+</file>
+
+<file path=ppt/slides/slide7.xml><?xml version="1.0" encoding="utf-8"?>
+<p:sld xmlns:a="http://schemas.openxmlformats.org/drawingml/2006/main" xmlns:r="http://schemas.openxmlformats.org/officeDocument/2006/relationships" xmlns:p="http://schemas.openxmlformats.org/presentationml/2006/main">
+  <p:cSld>
+    <p:spTree>
+      <p:nvGrpSpPr>
+        <p:cNvPr id="1" name=""/>
+        <p:cNvGrpSpPr/>
+        <p:nvPr/>
+      </p:nvGrpSpPr>
+      <p:grpSpPr>
+        <a:xfrm>
+          <a:off x="0" y="0"/>
+          <a:ext cx="0" cy="0"/>
+          <a:chOff x="0" y="0"/>
+          <a:chExt cx="0" cy="0"/>
+        </a:xfrm>
+      </p:grpSpPr>
+      <p:sp>
+        <p:nvSpPr>
+          <p:cNvPr id="3" name="標題 2"/>
+          <p:cNvSpPr>
+            <a:spLocks noGrp="1"/>
+          </p:cNvSpPr>
+          <p:nvPr>
+            <p:ph type="title"/>
+          </p:nvPr>
+        </p:nvSpPr>
+        <p:spPr/>
+        <p:txBody>
+          <a:bodyPr>
+            <a:noAutofit/>
+          </a:bodyPr>
+          <a:lstStyle/>
+          <a:p>
+            <a:r>
+              <a:rPr lang="zh-TW" altLang="en-US" sz="3600" dirty="0"/>
+              <a:t>教學</a:t>
+            </a:r>
+          </a:p>
+        </p:txBody>
+      </p:sp>
+      <p:sp>
+        <p:nvSpPr>
+          <p:cNvPr id="4" name="文字方塊 3">
+            <a:extLst>
+              <a:ext uri="{FF2B5EF4-FFF2-40B4-BE49-F238E27FC236}">
+                <a16:creationId xmlns:a16="http://schemas.microsoft.com/office/drawing/2014/main" id="{2B338AA9-E58C-0FF2-7D06-E44A90439D6F}"/>
+              </a:ext>
+            </a:extLst>
+          </p:cNvPr>
+          <p:cNvSpPr txBox="1"/>
+          <p:nvPr/>
+        </p:nvSpPr>
+        <p:spPr>
+          <a:xfrm>
+            <a:off x="1010193" y="1384663"/>
+            <a:ext cx="8203476" cy="369332"/>
+          </a:xfrm>
+          <a:prstGeom prst="rect">
+            <a:avLst/>
+          </a:prstGeom>
+          <a:noFill/>
+          <a:ln>
+            <a:solidFill>
+              <a:schemeClr val="tx1"/>
+            </a:solidFill>
+          </a:ln>
+        </p:spPr>
+        <p:txBody>
+          <a:bodyPr wrap="square" rtlCol="0">
+            <a:spAutoFit/>
+          </a:bodyPr>
+          <a:lstStyle/>
+          <a:p>
+            <a:r>
+              <a:rPr lang="zh-TW" altLang="en-US" dirty="0"/>
+              <a:t>第二步</a:t>
+            </a:r>
+            <a:r>
+              <a:rPr lang="en-US" altLang="zh-TW" dirty="0"/>
+              <a:t>:</a:t>
+            </a:r>
+            <a:r>
+              <a:rPr lang="zh-TW" altLang="en-US" dirty="0"/>
+              <a:t>在當前資料夾進入</a:t>
+            </a:r>
+            <a:r>
+              <a:rPr lang="en-US" altLang="zh-TW" dirty="0" err="1"/>
+              <a:t>cmd</a:t>
+            </a:r>
+            <a:r>
+              <a:rPr lang="en-US" altLang="zh-TW" dirty="0"/>
+              <a:t>,</a:t>
+            </a:r>
+            <a:r>
+              <a:rPr lang="zh-TW" altLang="en-US" dirty="0"/>
+              <a:t>並開啟虛擬環境</a:t>
+            </a:r>
+            <a:r>
+              <a:rPr lang="en-US" altLang="zh-TW" dirty="0"/>
+              <a:t>(</a:t>
+            </a:r>
+            <a:r>
+              <a:rPr lang="zh-TW" altLang="en-US" dirty="0"/>
+              <a:t>此處虛擬環境使用</a:t>
+            </a:r>
+            <a:r>
+              <a:rPr lang="en-US" altLang="zh-TW" dirty="0"/>
+              <a:t>Anaconda</a:t>
+            </a:r>
+            <a:r>
+              <a:rPr lang="zh-TW" altLang="en-US" dirty="0"/>
+              <a:t>架設</a:t>
+            </a:r>
+            <a:r>
+              <a:rPr lang="en-US" altLang="zh-TW" dirty="0"/>
+              <a:t>)</a:t>
+            </a:r>
+            <a:endParaRPr lang="zh-TW" altLang="en-US" dirty="0"/>
+          </a:p>
+        </p:txBody>
+      </p:sp>
+      <p:pic>
+        <p:nvPicPr>
+          <p:cNvPr id="14" name="圖片 13">
+            <a:extLst>
+              <a:ext uri="{FF2B5EF4-FFF2-40B4-BE49-F238E27FC236}">
+                <a16:creationId xmlns:a16="http://schemas.microsoft.com/office/drawing/2014/main" id="{D2522F1F-0A15-4238-3A25-A646A8D03725}"/>
+              </a:ext>
+            </a:extLst>
+          </p:cNvPr>
+          <p:cNvPicPr>
+            <a:picLocks noChangeAspect="1"/>
+          </p:cNvPicPr>
+          <p:nvPr/>
+        </p:nvPicPr>
+        <p:blipFill>
+          <a:blip r:embed="rId2"/>
+          <a:stretch>
+            <a:fillRect/>
+          </a:stretch>
+        </p:blipFill>
+        <p:spPr>
+          <a:xfrm>
+            <a:off x="1124933" y="2357389"/>
+            <a:ext cx="10507541" cy="2648320"/>
+          </a:xfrm>
+          <a:prstGeom prst="rect">
+            <a:avLst/>
+          </a:prstGeom>
+        </p:spPr>
+      </p:pic>
+      <p:sp>
+        <p:nvSpPr>
+          <p:cNvPr id="2" name="框架 1">
+            <a:extLst>
+              <a:ext uri="{FF2B5EF4-FFF2-40B4-BE49-F238E27FC236}">
+                <a16:creationId xmlns:a16="http://schemas.microsoft.com/office/drawing/2014/main" id="{12146EDD-9FC5-7CAA-5307-166B7298E453}"/>
+              </a:ext>
+            </a:extLst>
+          </p:cNvPr>
+          <p:cNvSpPr/>
+          <p:nvPr/>
+        </p:nvSpPr>
+        <p:spPr>
+          <a:xfrm>
+            <a:off x="4963886" y="3280954"/>
+            <a:ext cx="1567543" cy="296092"/>
+          </a:xfrm>
+          <a:prstGeom prst="frame">
+            <a:avLst/>
+          </a:prstGeom>
+          <a:solidFill>
+            <a:srgbClr val="FF0000"/>
+          </a:solidFill>
+          <a:ln>
+            <a:solidFill>
+              <a:srgbClr val="FF0000"/>
+            </a:solidFill>
+          </a:ln>
+        </p:spPr>
+        <p:style>
+          <a:lnRef idx="2">
+            <a:schemeClr val="accent1">
+              <a:shade val="15000"/>
+            </a:schemeClr>
+          </a:lnRef>
+          <a:fillRef idx="1">
+            <a:schemeClr val="accent1"/>
+          </a:fillRef>
+          <a:effectRef idx="0">
+            <a:schemeClr val="accent1"/>
+          </a:effectRef>
+          <a:fontRef idx="minor">
+            <a:schemeClr val="lt1"/>
+          </a:fontRef>
+        </p:style>
+        <p:txBody>
+          <a:bodyPr rtlCol="0" anchor="ctr"/>
+          <a:lstStyle/>
+          <a:p>
+            <a:pPr algn="ctr"/>
+            <a:endParaRPr lang="zh-TW" altLang="en-US">
+              <a:solidFill>
+                <a:schemeClr val="tx1"/>
+              </a:solidFill>
+            </a:endParaRPr>
+          </a:p>
+        </p:txBody>
+      </p:sp>
+      <p:sp>
+        <p:nvSpPr>
+          <p:cNvPr id="7" name="框架 6">
+            <a:extLst>
+              <a:ext uri="{FF2B5EF4-FFF2-40B4-BE49-F238E27FC236}">
+                <a16:creationId xmlns:a16="http://schemas.microsoft.com/office/drawing/2014/main" id="{CB4DA94A-447A-CAE6-F6EC-B09B6B012B64}"/>
+              </a:ext>
+            </a:extLst>
+          </p:cNvPr>
+          <p:cNvSpPr/>
+          <p:nvPr/>
+        </p:nvSpPr>
+        <p:spPr>
+          <a:xfrm>
+            <a:off x="1124932" y="3653246"/>
+            <a:ext cx="747411" cy="296092"/>
+          </a:xfrm>
+          <a:prstGeom prst="frame">
+            <a:avLst/>
+          </a:prstGeom>
+          <a:solidFill>
+            <a:srgbClr val="FF0000"/>
+          </a:solidFill>
+          <a:ln>
+            <a:solidFill>
+              <a:srgbClr val="FF0000"/>
+            </a:solidFill>
+          </a:ln>
+        </p:spPr>
+        <p:style>
+          <a:lnRef idx="2">
+            <a:schemeClr val="accent1">
+              <a:shade val="15000"/>
+            </a:schemeClr>
+          </a:lnRef>
+          <a:fillRef idx="1">
+            <a:schemeClr val="accent1"/>
+          </a:fillRef>
+          <a:effectRef idx="0">
+            <a:schemeClr val="accent1"/>
+          </a:effectRef>
+          <a:fontRef idx="minor">
+            <a:schemeClr val="lt1"/>
+          </a:fontRef>
+        </p:style>
+        <p:txBody>
+          <a:bodyPr rtlCol="0" anchor="ctr"/>
+          <a:lstStyle/>
+          <a:p>
+            <a:pPr algn="ctr"/>
+            <a:endParaRPr lang="zh-TW" altLang="en-US">
+              <a:solidFill>
+                <a:schemeClr val="tx1"/>
+              </a:solidFill>
+            </a:endParaRPr>
+          </a:p>
+        </p:txBody>
+      </p:sp>
+      <p:cxnSp>
+        <p:nvCxnSpPr>
+          <p:cNvPr id="11" name="直線接點 10">
+            <a:extLst>
+              <a:ext uri="{FF2B5EF4-FFF2-40B4-BE49-F238E27FC236}">
+                <a16:creationId xmlns:a16="http://schemas.microsoft.com/office/drawing/2014/main" id="{41E05AF9-882D-FB1C-8789-18432750A412}"/>
+              </a:ext>
+            </a:extLst>
+          </p:cNvPr>
+          <p:cNvCxnSpPr>
+            <a:cxnSpLocks/>
+            <a:stCxn id="7" idx="2"/>
+            <a:endCxn id="12" idx="0"/>
+          </p:cNvCxnSpPr>
+          <p:nvPr/>
+        </p:nvCxnSpPr>
+        <p:spPr>
+          <a:xfrm>
+            <a:off x="1498638" y="3949338"/>
+            <a:ext cx="1545008" cy="1637993"/>
+          </a:xfrm>
+          <a:prstGeom prst="line">
+            <a:avLst/>
+          </a:prstGeom>
+          <a:ln>
+            <a:solidFill>
+              <a:srgbClr val="FF0000"/>
+            </a:solidFill>
+          </a:ln>
+        </p:spPr>
+        <p:style>
+          <a:lnRef idx="3">
+            <a:schemeClr val="dk1"/>
+          </a:lnRef>
+          <a:fillRef idx="0">
+            <a:schemeClr val="dk1"/>
+          </a:fillRef>
+          <a:effectRef idx="2">
+            <a:schemeClr val="dk1"/>
+          </a:effectRef>
+          <a:fontRef idx="minor">
+            <a:schemeClr val="tx1"/>
+          </a:fontRef>
+        </p:style>
+      </p:cxnSp>
+      <p:sp>
+        <p:nvSpPr>
+          <p:cNvPr id="12" name="文字方塊 11">
+            <a:extLst>
+              <a:ext uri="{FF2B5EF4-FFF2-40B4-BE49-F238E27FC236}">
+                <a16:creationId xmlns:a16="http://schemas.microsoft.com/office/drawing/2014/main" id="{D54E4E02-69BD-3345-582C-B03AD68DCDD7}"/>
+              </a:ext>
+            </a:extLst>
+          </p:cNvPr>
+          <p:cNvSpPr txBox="1"/>
+          <p:nvPr/>
+        </p:nvSpPr>
+        <p:spPr>
+          <a:xfrm>
+            <a:off x="1297577" y="5587331"/>
+            <a:ext cx="3492138" cy="369332"/>
+          </a:xfrm>
+          <a:prstGeom prst="rect">
+            <a:avLst/>
+          </a:prstGeom>
+          <a:noFill/>
+          <a:ln>
+            <a:solidFill>
+              <a:schemeClr val="tx1"/>
+            </a:solidFill>
+          </a:ln>
+        </p:spPr>
+        <p:txBody>
+          <a:bodyPr wrap="square" rtlCol="0">
+            <a:spAutoFit/>
+          </a:bodyPr>
+          <a:lstStyle/>
+          <a:p>
+            <a:r>
+              <a:rPr lang="zh-TW" altLang="en-US" dirty="0"/>
+              <a:t>出現這個代表成功進入虛擬環境</a:t>
+            </a:r>
+          </a:p>
+        </p:txBody>
+      </p:sp>
+    </p:spTree>
+    <p:extLst>
+      <p:ext uri="{BB962C8B-B14F-4D97-AF65-F5344CB8AC3E}">
+        <p14:creationId xmlns:p14="http://schemas.microsoft.com/office/powerpoint/2010/main" val="1690780675"/>
+      </p:ext>
+    </p:extLst>
+  </p:cSld>
+  <p:clrMapOvr>
+    <a:masterClrMapping/>
+  </p:clrMapOvr>
+</p:sld>
+</file>
+
+<file path=ppt/slides/slide8.xml><?xml version="1.0" encoding="utf-8"?>
+<p:sld xmlns:a="http://schemas.openxmlformats.org/drawingml/2006/main" xmlns:r="http://schemas.openxmlformats.org/officeDocument/2006/relationships" xmlns:p="http://schemas.openxmlformats.org/presentationml/2006/main">
+  <p:cSld>
+    <p:spTree>
+      <p:nvGrpSpPr>
+        <p:cNvPr id="1" name=""/>
+        <p:cNvGrpSpPr/>
+        <p:nvPr/>
+      </p:nvGrpSpPr>
+      <p:grpSpPr>
+        <a:xfrm>
+          <a:off x="0" y="0"/>
+          <a:ext cx="0" cy="0"/>
+          <a:chOff x="0" y="0"/>
+          <a:chExt cx="0" cy="0"/>
+        </a:xfrm>
+      </p:grpSpPr>
+      <p:sp>
+        <p:nvSpPr>
+          <p:cNvPr id="3" name="標題 2"/>
+          <p:cNvSpPr>
+            <a:spLocks noGrp="1"/>
+          </p:cNvSpPr>
+          <p:nvPr>
+            <p:ph type="title"/>
+          </p:nvPr>
+        </p:nvSpPr>
+        <p:spPr/>
+        <p:txBody>
+          <a:bodyPr>
+            <a:noAutofit/>
+          </a:bodyPr>
+          <a:lstStyle/>
+          <a:p>
+            <a:r>
+              <a:rPr lang="zh-TW" altLang="en-US" sz="3600" dirty="0"/>
+              <a:t>教學</a:t>
+            </a:r>
+          </a:p>
+        </p:txBody>
+      </p:sp>
+      <p:sp>
+        <p:nvSpPr>
+          <p:cNvPr id="4" name="文字方塊 3">
+            <a:extLst>
+              <a:ext uri="{FF2B5EF4-FFF2-40B4-BE49-F238E27FC236}">
+                <a16:creationId xmlns:a16="http://schemas.microsoft.com/office/drawing/2014/main" id="{2B338AA9-E58C-0FF2-7D06-E44A90439D6F}"/>
+              </a:ext>
+            </a:extLst>
+          </p:cNvPr>
+          <p:cNvSpPr txBox="1"/>
+          <p:nvPr/>
+        </p:nvSpPr>
+        <p:spPr>
+          <a:xfrm>
+            <a:off x="1010193" y="1384663"/>
+            <a:ext cx="5529943" cy="369332"/>
+          </a:xfrm>
+          <a:prstGeom prst="rect">
+            <a:avLst/>
+          </a:prstGeom>
+          <a:noFill/>
+          <a:ln>
+            <a:solidFill>
+              <a:schemeClr val="tx1"/>
+            </a:solidFill>
+          </a:ln>
+        </p:spPr>
+        <p:txBody>
+          <a:bodyPr wrap="square" rtlCol="0">
+            <a:spAutoFit/>
+          </a:bodyPr>
+          <a:lstStyle/>
+          <a:p>
+            <a:r>
+              <a:rPr lang="zh-TW" altLang="en-US" dirty="0"/>
+              <a:t>第三步</a:t>
+            </a:r>
+            <a:r>
+              <a:rPr lang="en-US" altLang="zh-TW" dirty="0"/>
+              <a:t>:</a:t>
+            </a:r>
+            <a:r>
+              <a:rPr lang="zh-TW" altLang="en-US" dirty="0"/>
+              <a:t>輸入運行</a:t>
+            </a:r>
+            <a:r>
+              <a:rPr lang="en-US" altLang="zh-TW" dirty="0" err="1"/>
+              <a:t>django</a:t>
+            </a:r>
+            <a:r>
+              <a:rPr lang="zh-TW" altLang="en-US" dirty="0"/>
+              <a:t>網站的指令</a:t>
+            </a:r>
+            <a:r>
+              <a:rPr lang="en-US" altLang="zh-TW" dirty="0"/>
+              <a:t>,</a:t>
+            </a:r>
+            <a:r>
+              <a:rPr lang="zh-TW" altLang="en-US" dirty="0"/>
+              <a:t>會跑出網頁的網址</a:t>
+            </a:r>
+          </a:p>
+        </p:txBody>
+      </p:sp>
+      <p:pic>
+        <p:nvPicPr>
+          <p:cNvPr id="10" name="圖片 9">
+            <a:extLst>
+              <a:ext uri="{FF2B5EF4-FFF2-40B4-BE49-F238E27FC236}">
+                <a16:creationId xmlns:a16="http://schemas.microsoft.com/office/drawing/2014/main" id="{FD291076-FBDE-05B6-6E94-72594D7E0E08}"/>
+              </a:ext>
+            </a:extLst>
+          </p:cNvPr>
+          <p:cNvPicPr>
+            <a:picLocks noChangeAspect="1"/>
+          </p:cNvPicPr>
+          <p:nvPr/>
+        </p:nvPicPr>
+        <p:blipFill>
+          <a:blip r:embed="rId2"/>
+          <a:stretch>
+            <a:fillRect/>
+          </a:stretch>
+        </p:blipFill>
+        <p:spPr>
+          <a:xfrm>
+            <a:off x="1010194" y="1942893"/>
+            <a:ext cx="7106642" cy="1486107"/>
+          </a:xfrm>
+          <a:prstGeom prst="rect">
+            <a:avLst/>
+          </a:prstGeom>
+        </p:spPr>
+      </p:pic>
+      <p:sp>
+        <p:nvSpPr>
+          <p:cNvPr id="11" name="框架 10">
+            <a:extLst>
+              <a:ext uri="{FF2B5EF4-FFF2-40B4-BE49-F238E27FC236}">
+                <a16:creationId xmlns:a16="http://schemas.microsoft.com/office/drawing/2014/main" id="{3FE71066-F74C-9D21-0B8A-968E5E143ED7}"/>
+              </a:ext>
+            </a:extLst>
+          </p:cNvPr>
+          <p:cNvSpPr/>
+          <p:nvPr/>
+        </p:nvSpPr>
+        <p:spPr>
+          <a:xfrm>
+            <a:off x="5566303" y="2804160"/>
+            <a:ext cx="2227868" cy="326572"/>
+          </a:xfrm>
+          <a:prstGeom prst="frame">
+            <a:avLst/>
+          </a:prstGeom>
+          <a:solidFill>
+            <a:srgbClr val="FF0000"/>
+          </a:solidFill>
+          <a:ln>
+            <a:solidFill>
+              <a:srgbClr val="FF0000"/>
+            </a:solidFill>
+          </a:ln>
+        </p:spPr>
+        <p:style>
+          <a:lnRef idx="2">
+            <a:schemeClr val="accent1">
+              <a:shade val="15000"/>
+            </a:schemeClr>
+          </a:lnRef>
+          <a:fillRef idx="1">
+            <a:schemeClr val="accent1"/>
+          </a:fillRef>
+          <a:effectRef idx="0">
+            <a:schemeClr val="accent1"/>
+          </a:effectRef>
+          <a:fontRef idx="minor">
+            <a:schemeClr val="lt1"/>
+          </a:fontRef>
+        </p:style>
+        <p:txBody>
+          <a:bodyPr rtlCol="0" anchor="ctr"/>
+          <a:lstStyle/>
+          <a:p>
+            <a:pPr algn="ctr"/>
+            <a:endParaRPr lang="zh-TW" altLang="en-US">
+              <a:solidFill>
+                <a:schemeClr val="tx1"/>
+              </a:solidFill>
+            </a:endParaRPr>
+          </a:p>
+        </p:txBody>
+      </p:sp>
+      <p:pic>
+        <p:nvPicPr>
+          <p:cNvPr id="14" name="圖片 13">
+            <a:extLst>
+              <a:ext uri="{FF2B5EF4-FFF2-40B4-BE49-F238E27FC236}">
+                <a16:creationId xmlns:a16="http://schemas.microsoft.com/office/drawing/2014/main" id="{78D74473-0D96-64A2-28E6-18FD72978954}"/>
+              </a:ext>
+            </a:extLst>
+          </p:cNvPr>
+          <p:cNvPicPr>
+            <a:picLocks noChangeAspect="1"/>
+          </p:cNvPicPr>
+          <p:nvPr/>
+        </p:nvPicPr>
+        <p:blipFill>
+          <a:blip r:embed="rId3"/>
+          <a:stretch>
+            <a:fillRect/>
+          </a:stretch>
+        </p:blipFill>
+        <p:spPr>
+          <a:xfrm>
+            <a:off x="1010194" y="3617898"/>
+            <a:ext cx="10421804" cy="2638793"/>
+          </a:xfrm>
+          <a:prstGeom prst="rect">
+            <a:avLst/>
+          </a:prstGeom>
+        </p:spPr>
+      </p:pic>
+      <p:sp>
+        <p:nvSpPr>
+          <p:cNvPr id="15" name="框架 14">
+            <a:extLst>
+              <a:ext uri="{FF2B5EF4-FFF2-40B4-BE49-F238E27FC236}">
+                <a16:creationId xmlns:a16="http://schemas.microsoft.com/office/drawing/2014/main" id="{B641A442-D89C-EACE-4E6B-D4F67F6E2644}"/>
+              </a:ext>
+            </a:extLst>
+          </p:cNvPr>
+          <p:cNvSpPr/>
+          <p:nvPr/>
+        </p:nvSpPr>
+        <p:spPr>
+          <a:xfrm>
+            <a:off x="3611225" y="5841610"/>
+            <a:ext cx="2227868" cy="326572"/>
+          </a:xfrm>
+          <a:prstGeom prst="frame">
+            <a:avLst/>
+          </a:prstGeom>
+          <a:solidFill>
+            <a:srgbClr val="FF0000"/>
+          </a:solidFill>
+          <a:ln>
+            <a:solidFill>
+              <a:srgbClr val="FF0000"/>
+            </a:solidFill>
+          </a:ln>
+        </p:spPr>
+        <p:style>
+          <a:lnRef idx="2">
+            <a:schemeClr val="accent1">
+              <a:shade val="15000"/>
+            </a:schemeClr>
+          </a:lnRef>
+          <a:fillRef idx="1">
+            <a:schemeClr val="accent1"/>
+          </a:fillRef>
+          <a:effectRef idx="0">
+            <a:schemeClr val="accent1"/>
+          </a:effectRef>
+          <a:fontRef idx="minor">
+            <a:schemeClr val="lt1"/>
+          </a:fontRef>
+        </p:style>
+        <p:txBody>
+          <a:bodyPr rtlCol="0" anchor="ctr"/>
+          <a:lstStyle/>
+          <a:p>
+            <a:pPr algn="ctr"/>
+            <a:endParaRPr lang="zh-TW" altLang="en-US">
+              <a:solidFill>
+                <a:schemeClr val="tx1"/>
+              </a:solidFill>
+            </a:endParaRPr>
+          </a:p>
+        </p:txBody>
+      </p:sp>
+      <p:cxnSp>
+        <p:nvCxnSpPr>
+          <p:cNvPr id="16" name="直線接點 15">
+            <a:extLst>
+              <a:ext uri="{FF2B5EF4-FFF2-40B4-BE49-F238E27FC236}">
+                <a16:creationId xmlns:a16="http://schemas.microsoft.com/office/drawing/2014/main" id="{417595B8-A37D-6040-38DD-2E82D3F2B481}"/>
+              </a:ext>
+            </a:extLst>
+          </p:cNvPr>
+          <p:cNvCxnSpPr>
+            <a:cxnSpLocks/>
+            <a:stCxn id="15" idx="3"/>
+            <a:endCxn id="17" idx="2"/>
+          </p:cNvCxnSpPr>
+          <p:nvPr/>
+        </p:nvCxnSpPr>
+        <p:spPr>
+          <a:xfrm flipV="1">
+            <a:off x="5839093" y="2967446"/>
+            <a:ext cx="4101741" cy="3037450"/>
+          </a:xfrm>
+          <a:prstGeom prst="line">
+            <a:avLst/>
+          </a:prstGeom>
+          <a:ln>
+            <a:solidFill>
+              <a:srgbClr val="FF0000"/>
+            </a:solidFill>
+          </a:ln>
+        </p:spPr>
+        <p:style>
+          <a:lnRef idx="3">
+            <a:schemeClr val="dk1"/>
+          </a:lnRef>
+          <a:fillRef idx="0">
+            <a:schemeClr val="dk1"/>
+          </a:fillRef>
+          <a:effectRef idx="2">
+            <a:schemeClr val="dk1"/>
+          </a:effectRef>
+          <a:fontRef idx="minor">
+            <a:schemeClr val="tx1"/>
+          </a:fontRef>
+        </p:style>
+      </p:cxnSp>
+      <p:sp>
+        <p:nvSpPr>
+          <p:cNvPr id="17" name="文字方塊 16">
+            <a:extLst>
+              <a:ext uri="{FF2B5EF4-FFF2-40B4-BE49-F238E27FC236}">
+                <a16:creationId xmlns:a16="http://schemas.microsoft.com/office/drawing/2014/main" id="{A18A340D-325D-764E-34EC-2BA6DD8B586D}"/>
+              </a:ext>
+            </a:extLst>
+          </p:cNvPr>
+          <p:cNvSpPr txBox="1"/>
+          <p:nvPr/>
+        </p:nvSpPr>
+        <p:spPr>
+          <a:xfrm>
+            <a:off x="9544593" y="2598114"/>
+            <a:ext cx="792481" cy="369332"/>
+          </a:xfrm>
+          <a:prstGeom prst="rect">
+            <a:avLst/>
+          </a:prstGeom>
+          <a:noFill/>
+          <a:ln>
+            <a:solidFill>
+              <a:schemeClr val="tx1"/>
+            </a:solidFill>
+          </a:ln>
+        </p:spPr>
+        <p:txBody>
+          <a:bodyPr wrap="square" rtlCol="0">
+            <a:spAutoFit/>
+          </a:bodyPr>
+          <a:lstStyle/>
+          <a:p>
+            <a:r>
+              <a:rPr lang="zh-TW" altLang="en-US"/>
+              <a:t>網址</a:t>
+            </a:r>
+            <a:endParaRPr lang="zh-TW" altLang="en-US" dirty="0"/>
+          </a:p>
+        </p:txBody>
+      </p:sp>
+      <p:sp>
+        <p:nvSpPr>
+          <p:cNvPr id="24" name="箭號: 上彎 23">
+            <a:extLst>
+              <a:ext uri="{FF2B5EF4-FFF2-40B4-BE49-F238E27FC236}">
+                <a16:creationId xmlns:a16="http://schemas.microsoft.com/office/drawing/2014/main" id="{B21D8F95-95FD-8249-B527-3BE7ECA9ACF5}"/>
+              </a:ext>
+            </a:extLst>
+          </p:cNvPr>
+          <p:cNvSpPr/>
+          <p:nvPr/>
+        </p:nvSpPr>
+        <p:spPr>
+          <a:xfrm rot="5400000">
+            <a:off x="-656899" y="3164967"/>
+            <a:ext cx="2454618" cy="879565"/>
+          </a:xfrm>
+          <a:prstGeom prst="bentUpArrow">
+            <a:avLst>
+              <a:gd name="adj1" fmla="val 25000"/>
+              <a:gd name="adj2" fmla="val 29791"/>
+              <a:gd name="adj3" fmla="val 23206"/>
+            </a:avLst>
+          </a:prstGeom>
+          <a:solidFill>
+            <a:srgbClr val="FF0000"/>
+          </a:solidFill>
+          <a:ln>
+            <a:solidFill>
+              <a:srgbClr val="FF0000"/>
+            </a:solidFill>
+          </a:ln>
+        </p:spPr>
+        <p:style>
+          <a:lnRef idx="2">
+            <a:schemeClr val="accent1">
+              <a:shade val="15000"/>
+            </a:schemeClr>
+          </a:lnRef>
+          <a:fillRef idx="1">
+            <a:schemeClr val="accent1"/>
+          </a:fillRef>
+          <a:effectRef idx="0">
+            <a:schemeClr val="accent1"/>
+          </a:effectRef>
+          <a:fontRef idx="minor">
+            <a:schemeClr val="lt1"/>
+          </a:fontRef>
+        </p:style>
+        <p:txBody>
+          <a:bodyPr rtlCol="0" anchor="ctr"/>
+          <a:lstStyle/>
+          <a:p>
+            <a:pPr algn="ctr"/>
+            <a:endParaRPr lang="zh-TW" altLang="en-US"/>
+          </a:p>
+        </p:txBody>
+      </p:sp>
+      <p:sp>
+        <p:nvSpPr>
+          <p:cNvPr id="25" name="流程圖: 程序 24">
+            <a:extLst>
+              <a:ext uri="{FF2B5EF4-FFF2-40B4-BE49-F238E27FC236}">
+                <a16:creationId xmlns:a16="http://schemas.microsoft.com/office/drawing/2014/main" id="{803079B4-94A2-DE42-FA25-29D38A03A30F}"/>
+              </a:ext>
+            </a:extLst>
+          </p:cNvPr>
+          <p:cNvSpPr/>
+          <p:nvPr/>
+        </p:nvSpPr>
+        <p:spPr>
+          <a:xfrm>
+            <a:off x="130626" y="2310850"/>
+            <a:ext cx="792483" cy="241544"/>
+          </a:xfrm>
+          <a:prstGeom prst="flowChartProcess">
+            <a:avLst/>
+          </a:prstGeom>
+          <a:solidFill>
+            <a:srgbClr val="FF0000"/>
+          </a:solidFill>
+          <a:ln>
+            <a:solidFill>
+              <a:srgbClr val="FF0000"/>
+            </a:solidFill>
+          </a:ln>
+        </p:spPr>
+        <p:style>
+          <a:lnRef idx="2">
+            <a:schemeClr val="accent1">
+              <a:shade val="15000"/>
+            </a:schemeClr>
+          </a:lnRef>
+          <a:fillRef idx="1">
+            <a:schemeClr val="accent1"/>
+          </a:fillRef>
+          <a:effectRef idx="0">
+            <a:schemeClr val="accent1"/>
+          </a:effectRef>
+          <a:fontRef idx="minor">
+            <a:schemeClr val="lt1"/>
+          </a:fontRef>
+        </p:style>
+        <p:txBody>
+          <a:bodyPr rtlCol="0" anchor="ctr"/>
+          <a:lstStyle/>
+          <a:p>
+            <a:pPr algn="ctr"/>
+            <a:endParaRPr lang="zh-TW" altLang="en-US"/>
+          </a:p>
+        </p:txBody>
+      </p:sp>
+    </p:spTree>
+    <p:extLst>
+      <p:ext uri="{BB962C8B-B14F-4D97-AF65-F5344CB8AC3E}">
+        <p14:creationId xmlns:p14="http://schemas.microsoft.com/office/powerpoint/2010/main" val="2285920300"/>
+      </p:ext>
+    </p:extLst>
+  </p:cSld>
+  <p:clrMapOvr>
+    <a:masterClrMapping/>
+  </p:clrMapOvr>
+</p:sld>
+</file>
+
+<file path=ppt/slides/slide9.xml><?xml version="1.0" encoding="utf-8"?>
+<p:sld xmlns:a="http://schemas.openxmlformats.org/drawingml/2006/main" xmlns:r="http://schemas.openxmlformats.org/officeDocument/2006/relationships" xmlns:p="http://schemas.openxmlformats.org/presentationml/2006/main">
+  <p:cSld>
+    <p:spTree>
+      <p:nvGrpSpPr>
+        <p:cNvPr id="1" name=""/>
+        <p:cNvGrpSpPr/>
+        <p:nvPr/>
+      </p:nvGrpSpPr>
+      <p:grpSpPr>
+        <a:xfrm>
+          <a:off x="0" y="0"/>
+          <a:ext cx="0" cy="0"/>
+          <a:chOff x="0" y="0"/>
+          <a:chExt cx="0" cy="0"/>
+        </a:xfrm>
+      </p:grpSpPr>
+      <p:sp>
+        <p:nvSpPr>
+          <p:cNvPr id="3" name="標題 2"/>
+          <p:cNvSpPr>
+            <a:spLocks noGrp="1"/>
+          </p:cNvSpPr>
+          <p:nvPr>
+            <p:ph type="title"/>
+          </p:nvPr>
+        </p:nvSpPr>
+        <p:spPr/>
+        <p:txBody>
+          <a:bodyPr>
+            <a:noAutofit/>
+          </a:bodyPr>
+          <a:lstStyle/>
+          <a:p>
+            <a:r>
+              <a:rPr lang="zh-TW" altLang="en-US" sz="3600" dirty="0"/>
+              <a:t>教學</a:t>
+            </a:r>
+          </a:p>
+        </p:txBody>
+      </p:sp>
+      <p:sp>
+        <p:nvSpPr>
+          <p:cNvPr id="4" name="文字方塊 3">
+            <a:extLst>
+              <a:ext uri="{FF2B5EF4-FFF2-40B4-BE49-F238E27FC236}">
+                <a16:creationId xmlns:a16="http://schemas.microsoft.com/office/drawing/2014/main" id="{2B338AA9-E58C-0FF2-7D06-E44A90439D6F}"/>
+              </a:ext>
+            </a:extLst>
+          </p:cNvPr>
+          <p:cNvSpPr txBox="1"/>
+          <p:nvPr/>
+        </p:nvSpPr>
+        <p:spPr>
+          <a:xfrm>
+            <a:off x="1123405" y="1358537"/>
+            <a:ext cx="4171406" cy="369332"/>
+          </a:xfrm>
+          <a:prstGeom prst="rect">
+            <a:avLst/>
+          </a:prstGeom>
+          <a:noFill/>
+          <a:ln>
+            <a:solidFill>
+              <a:schemeClr val="tx1"/>
+            </a:solidFill>
+          </a:ln>
+        </p:spPr>
+        <p:txBody>
+          <a:bodyPr wrap="square" rtlCol="0">
+            <a:spAutoFit/>
+          </a:bodyPr>
+          <a:lstStyle/>
+          <a:p>
+            <a:r>
+              <a:rPr lang="zh-TW" altLang="en-US" dirty="0"/>
+              <a:t>第四步</a:t>
+            </a:r>
+            <a:r>
+              <a:rPr lang="en-US" altLang="zh-TW" dirty="0"/>
+              <a:t>:</a:t>
+            </a:r>
+            <a:r>
+              <a:rPr lang="zh-TW" altLang="en-US" dirty="0"/>
+              <a:t>在瀏覽器上輸入剛才得到的網址</a:t>
+            </a:r>
+          </a:p>
+        </p:txBody>
+      </p:sp>
+      <p:pic>
+        <p:nvPicPr>
+          <p:cNvPr id="5" name="圖片 4">
+            <a:extLst>
+              <a:ext uri="{FF2B5EF4-FFF2-40B4-BE49-F238E27FC236}">
+                <a16:creationId xmlns:a16="http://schemas.microsoft.com/office/drawing/2014/main" id="{9578C2D1-053A-5E6C-AFD4-130CE051023F}"/>
+              </a:ext>
+            </a:extLst>
+          </p:cNvPr>
+          <p:cNvPicPr>
+            <a:picLocks noChangeAspect="1"/>
+          </p:cNvPicPr>
+          <p:nvPr/>
+        </p:nvPicPr>
+        <p:blipFill>
+          <a:blip r:embed="rId2"/>
+          <a:stretch>
+            <a:fillRect/>
+          </a:stretch>
+        </p:blipFill>
+        <p:spPr>
+          <a:xfrm>
+            <a:off x="1123405" y="1870619"/>
+            <a:ext cx="8212184" cy="4281456"/>
+          </a:xfrm>
+          <a:prstGeom prst="rect">
+            <a:avLst/>
+          </a:prstGeom>
+        </p:spPr>
+      </p:pic>
+      <p:sp>
+        <p:nvSpPr>
+          <p:cNvPr id="6" name="框架 5">
+            <a:extLst>
+              <a:ext uri="{FF2B5EF4-FFF2-40B4-BE49-F238E27FC236}">
+                <a16:creationId xmlns:a16="http://schemas.microsoft.com/office/drawing/2014/main" id="{55F70CFD-9DEA-CBDF-199D-57D2947EE425}"/>
+              </a:ext>
+            </a:extLst>
+          </p:cNvPr>
+          <p:cNvSpPr/>
+          <p:nvPr/>
+        </p:nvSpPr>
+        <p:spPr>
+          <a:xfrm>
+            <a:off x="1573419" y="1837995"/>
+            <a:ext cx="2227868" cy="260771"/>
+          </a:xfrm>
+          <a:prstGeom prst="frame">
+            <a:avLst/>
+          </a:prstGeom>
+          <a:solidFill>
+            <a:srgbClr val="FF0000"/>
+          </a:solidFill>
+          <a:ln>
+            <a:solidFill>
+              <a:srgbClr val="FF0000"/>
+            </a:solidFill>
+          </a:ln>
+        </p:spPr>
+        <p:style>
+          <a:lnRef idx="2">
+            <a:schemeClr val="accent1">
+              <a:shade val="15000"/>
+            </a:schemeClr>
+          </a:lnRef>
+          <a:fillRef idx="1">
+            <a:schemeClr val="accent1"/>
+          </a:fillRef>
+          <a:effectRef idx="0">
+            <a:schemeClr val="accent1"/>
+          </a:effectRef>
+          <a:fontRef idx="minor">
+            <a:schemeClr val="lt1"/>
+          </a:fontRef>
+        </p:style>
+        <p:txBody>
+          <a:bodyPr rtlCol="0" anchor="ctr"/>
+          <a:lstStyle/>
+          <a:p>
+            <a:pPr algn="ctr"/>
+            <a:endParaRPr lang="zh-TW" altLang="en-US">
+              <a:solidFill>
+                <a:schemeClr val="tx1"/>
+              </a:solidFill>
+            </a:endParaRPr>
+          </a:p>
+        </p:txBody>
+      </p:sp>
+    </p:spTree>
+    <p:extLst>
+      <p:ext uri="{BB962C8B-B14F-4D97-AF65-F5344CB8AC3E}">
+        <p14:creationId xmlns:p14="http://schemas.microsoft.com/office/powerpoint/2010/main" val="2621321599"/>
       </p:ext>
     </p:extLst>
   </p:cSld>

--- a/zebrafish_detect_ppt/zebrafish_website_code/如何開啟網站.pptx
+++ b/zebrafish_detect_ppt/zebrafish_website_code/如何開啟網站.pptx
@@ -5,24 +5,23 @@
     <p:sldMasterId id="2147483648" r:id="rId1"/>
   </p:sldMasterIdLst>
   <p:notesMasterIdLst>
-    <p:notesMasterId r:id="rId14"/>
+    <p:notesMasterId r:id="rId13"/>
   </p:notesMasterIdLst>
   <p:handoutMasterIdLst>
-    <p:handoutMasterId r:id="rId15"/>
+    <p:handoutMasterId r:id="rId14"/>
   </p:handoutMasterIdLst>
   <p:sldIdLst>
     <p:sldId id="259" r:id="rId2"/>
     <p:sldId id="1258" r:id="rId3"/>
-    <p:sldId id="1269" r:id="rId4"/>
-    <p:sldId id="1270" r:id="rId5"/>
-    <p:sldId id="1259" r:id="rId6"/>
-    <p:sldId id="1260" r:id="rId7"/>
-    <p:sldId id="1266" r:id="rId8"/>
-    <p:sldId id="1261" r:id="rId9"/>
-    <p:sldId id="1262" r:id="rId10"/>
-    <p:sldId id="1267" r:id="rId11"/>
-    <p:sldId id="1268" r:id="rId12"/>
-    <p:sldId id="336" r:id="rId13"/>
+    <p:sldId id="1270" r:id="rId4"/>
+    <p:sldId id="1259" r:id="rId5"/>
+    <p:sldId id="1260" r:id="rId6"/>
+    <p:sldId id="1266" r:id="rId7"/>
+    <p:sldId id="1261" r:id="rId8"/>
+    <p:sldId id="1262" r:id="rId9"/>
+    <p:sldId id="1267" r:id="rId10"/>
+    <p:sldId id="1268" r:id="rId11"/>
+    <p:sldId id="336" r:id="rId12"/>
   </p:sldIdLst>
   <p:sldSz cx="12192000" cy="6858000"/>
   <p:notesSz cx="6858000" cy="9144000"/>
@@ -128,7 +127,6 @@
           <p14:sldIdLst>
             <p14:sldId id="259"/>
             <p14:sldId id="1258"/>
-            <p14:sldId id="1269"/>
             <p14:sldId id="1270"/>
             <p14:sldId id="1259"/>
             <p14:sldId id="1260"/>
@@ -4010,143 +4008,6 @@
           <a:chExt cx="0" cy="0"/>
         </a:xfrm>
       </p:grpSpPr>
-      <p:sp>
-        <p:nvSpPr>
-          <p:cNvPr id="3" name="標題 2"/>
-          <p:cNvSpPr>
-            <a:spLocks noGrp="1"/>
-          </p:cNvSpPr>
-          <p:nvPr>
-            <p:ph type="title"/>
-          </p:nvPr>
-        </p:nvSpPr>
-        <p:spPr/>
-        <p:txBody>
-          <a:bodyPr>
-            <a:noAutofit/>
-          </a:bodyPr>
-          <a:lstStyle/>
-          <a:p>
-            <a:r>
-              <a:rPr lang="zh-TW" altLang="en-US" sz="3600" dirty="0"/>
-              <a:t>教學</a:t>
-            </a:r>
-          </a:p>
-        </p:txBody>
-      </p:sp>
-      <p:sp>
-        <p:nvSpPr>
-          <p:cNvPr id="4" name="文字方塊 3">
-            <a:extLst>
-              <a:ext uri="{FF2B5EF4-FFF2-40B4-BE49-F238E27FC236}">
-                <a16:creationId xmlns:a16="http://schemas.microsoft.com/office/drawing/2014/main" id="{2B338AA9-E58C-0FF2-7D06-E44A90439D6F}"/>
-              </a:ext>
-            </a:extLst>
-          </p:cNvPr>
-          <p:cNvSpPr txBox="1"/>
-          <p:nvPr/>
-        </p:nvSpPr>
-        <p:spPr>
-          <a:xfrm>
-            <a:off x="1123405" y="1358537"/>
-            <a:ext cx="4171406" cy="369332"/>
-          </a:xfrm>
-          <a:prstGeom prst="rect">
-            <a:avLst/>
-          </a:prstGeom>
-          <a:noFill/>
-          <a:ln>
-            <a:solidFill>
-              <a:schemeClr val="tx1"/>
-            </a:solidFill>
-          </a:ln>
-        </p:spPr>
-        <p:txBody>
-          <a:bodyPr wrap="square" rtlCol="0">
-            <a:spAutoFit/>
-          </a:bodyPr>
-          <a:lstStyle/>
-          <a:p>
-            <a:r>
-              <a:rPr lang="zh-TW" altLang="en-US" dirty="0"/>
-              <a:t>第四步</a:t>
-            </a:r>
-            <a:r>
-              <a:rPr lang="en-US" altLang="zh-TW" dirty="0"/>
-              <a:t>:</a:t>
-            </a:r>
-            <a:r>
-              <a:rPr lang="zh-TW" altLang="en-US" dirty="0"/>
-              <a:t>在瀏覽器上輸入剛才得到的網址</a:t>
-            </a:r>
-          </a:p>
-        </p:txBody>
-      </p:sp>
-      <p:pic>
-        <p:nvPicPr>
-          <p:cNvPr id="9" name="圖片 8">
-            <a:extLst>
-              <a:ext uri="{FF2B5EF4-FFF2-40B4-BE49-F238E27FC236}">
-                <a16:creationId xmlns:a16="http://schemas.microsoft.com/office/drawing/2014/main" id="{D6AC1BDD-C520-330F-1D04-3C56BB6DED3A}"/>
-              </a:ext>
-            </a:extLst>
-          </p:cNvPr>
-          <p:cNvPicPr>
-            <a:picLocks noChangeAspect="1"/>
-          </p:cNvPicPr>
-          <p:nvPr/>
-        </p:nvPicPr>
-        <p:blipFill>
-          <a:blip r:embed="rId2"/>
-          <a:stretch>
-            <a:fillRect/>
-          </a:stretch>
-        </p:blipFill>
-        <p:spPr>
-          <a:xfrm>
-            <a:off x="1445623" y="1841149"/>
-            <a:ext cx="8447314" cy="4377644"/>
-          </a:xfrm>
-          <a:prstGeom prst="rect">
-            <a:avLst/>
-          </a:prstGeom>
-          <a:ln>
-            <a:solidFill>
-              <a:schemeClr val="tx1"/>
-            </a:solidFill>
-          </a:ln>
-        </p:spPr>
-      </p:pic>
-    </p:spTree>
-    <p:extLst>
-      <p:ext uri="{BB962C8B-B14F-4D97-AF65-F5344CB8AC3E}">
-        <p14:creationId xmlns:p14="http://schemas.microsoft.com/office/powerpoint/2010/main" val="1133431730"/>
-      </p:ext>
-    </p:extLst>
-  </p:cSld>
-  <p:clrMapOvr>
-    <a:masterClrMapping/>
-  </p:clrMapOvr>
-</p:sld>
-</file>
-
-<file path=ppt/slides/slide11.xml><?xml version="1.0" encoding="utf-8"?>
-<p:sld xmlns:a="http://schemas.openxmlformats.org/drawingml/2006/main" xmlns:r="http://schemas.openxmlformats.org/officeDocument/2006/relationships" xmlns:p="http://schemas.openxmlformats.org/presentationml/2006/main">
-  <p:cSld>
-    <p:spTree>
-      <p:nvGrpSpPr>
-        <p:cNvPr id="1" name=""/>
-        <p:cNvGrpSpPr/>
-        <p:nvPr/>
-      </p:nvGrpSpPr>
-      <p:grpSpPr>
-        <a:xfrm>
-          <a:off x="0" y="0"/>
-          <a:ext cx="0" cy="0"/>
-          <a:chOff x="0" y="0"/>
-          <a:chExt cx="0" cy="0"/>
-        </a:xfrm>
-      </p:grpSpPr>
       <p:pic>
         <p:nvPicPr>
           <p:cNvPr id="6" name="圖片 5">
@@ -4317,7 +4178,7 @@
 </p:sld>
 </file>
 
-<file path=ppt/slides/slide12.xml><?xml version="1.0" encoding="utf-8"?>
+<file path=ppt/slides/slide11.xml><?xml version="1.0" encoding="utf-8"?>
 <p:sld xmlns:a="http://schemas.openxmlformats.org/drawingml/2006/main" xmlns:r="http://schemas.openxmlformats.org/officeDocument/2006/relationships" xmlns:p="http://schemas.openxmlformats.org/presentationml/2006/main">
   <p:cSld>
     <p:spTree>
@@ -4777,294 +4638,6 @@
           </a:p>
         </p:txBody>
       </p:sp>
-      <p:pic>
-        <p:nvPicPr>
-          <p:cNvPr id="6" name="圖片 5">
-            <a:extLst>
-              <a:ext uri="{FF2B5EF4-FFF2-40B4-BE49-F238E27FC236}">
-                <a16:creationId xmlns:a16="http://schemas.microsoft.com/office/drawing/2014/main" id="{7E500E93-E437-FAD4-91D2-CA08C6074138}"/>
-              </a:ext>
-            </a:extLst>
-          </p:cNvPr>
-          <p:cNvPicPr>
-            <a:picLocks noChangeAspect="1"/>
-          </p:cNvPicPr>
-          <p:nvPr/>
-        </p:nvPicPr>
-        <p:blipFill>
-          <a:blip r:embed="rId2"/>
-          <a:stretch>
-            <a:fillRect/>
-          </a:stretch>
-        </p:blipFill>
-        <p:spPr>
-          <a:xfrm>
-            <a:off x="1010194" y="1865233"/>
-            <a:ext cx="5643155" cy="1992158"/>
-          </a:xfrm>
-          <a:prstGeom prst="rect">
-            <a:avLst/>
-          </a:prstGeom>
-          <a:ln>
-            <a:solidFill>
-              <a:schemeClr val="tx1"/>
-            </a:solidFill>
-          </a:ln>
-        </p:spPr>
-      </p:pic>
-      <p:sp>
-        <p:nvSpPr>
-          <p:cNvPr id="7" name="框架 6">
-            <a:extLst>
-              <a:ext uri="{FF2B5EF4-FFF2-40B4-BE49-F238E27FC236}">
-                <a16:creationId xmlns:a16="http://schemas.microsoft.com/office/drawing/2014/main" id="{0C5CC03B-B497-89EF-33CF-8DD76621FC51}"/>
-              </a:ext>
-            </a:extLst>
-          </p:cNvPr>
-          <p:cNvSpPr/>
-          <p:nvPr/>
-        </p:nvSpPr>
-        <p:spPr>
-          <a:xfrm>
-            <a:off x="1001486" y="2804161"/>
-            <a:ext cx="5477692" cy="296092"/>
-          </a:xfrm>
-          <a:prstGeom prst="frame">
-            <a:avLst/>
-          </a:prstGeom>
-          <a:solidFill>
-            <a:srgbClr val="FF0000"/>
-          </a:solidFill>
-          <a:ln>
-            <a:solidFill>
-              <a:srgbClr val="FF0000"/>
-            </a:solidFill>
-          </a:ln>
-        </p:spPr>
-        <p:style>
-          <a:lnRef idx="2">
-            <a:schemeClr val="accent1">
-              <a:shade val="15000"/>
-            </a:schemeClr>
-          </a:lnRef>
-          <a:fillRef idx="1">
-            <a:schemeClr val="accent1"/>
-          </a:fillRef>
-          <a:effectRef idx="0">
-            <a:schemeClr val="accent1"/>
-          </a:effectRef>
-          <a:fontRef idx="minor">
-            <a:schemeClr val="lt1"/>
-          </a:fontRef>
-        </p:style>
-        <p:txBody>
-          <a:bodyPr rtlCol="0" anchor="ctr"/>
-          <a:lstStyle/>
-          <a:p>
-            <a:pPr algn="ctr"/>
-            <a:endParaRPr lang="zh-TW" altLang="en-US">
-              <a:solidFill>
-                <a:schemeClr val="tx1"/>
-              </a:solidFill>
-            </a:endParaRPr>
-          </a:p>
-        </p:txBody>
-      </p:sp>
-      <p:pic>
-        <p:nvPicPr>
-          <p:cNvPr id="9" name="圖片 8">
-            <a:extLst>
-              <a:ext uri="{FF2B5EF4-FFF2-40B4-BE49-F238E27FC236}">
-                <a16:creationId xmlns:a16="http://schemas.microsoft.com/office/drawing/2014/main" id="{F15A310C-F1FA-1AB5-DADD-BE56A497FCA9}"/>
-              </a:ext>
-            </a:extLst>
-          </p:cNvPr>
-          <p:cNvPicPr>
-            <a:picLocks noChangeAspect="1"/>
-          </p:cNvPicPr>
-          <p:nvPr/>
-        </p:nvPicPr>
-        <p:blipFill>
-          <a:blip r:embed="rId3"/>
-          <a:stretch>
-            <a:fillRect/>
-          </a:stretch>
-        </p:blipFill>
-        <p:spPr>
-          <a:xfrm>
-            <a:off x="6096000" y="4080620"/>
-            <a:ext cx="5333451" cy="2578899"/>
-          </a:xfrm>
-          <a:prstGeom prst="rect">
-            <a:avLst/>
-          </a:prstGeom>
-          <a:ln>
-            <a:solidFill>
-              <a:schemeClr val="tx1"/>
-            </a:solidFill>
-          </a:ln>
-        </p:spPr>
-      </p:pic>
-      <p:sp>
-        <p:nvSpPr>
-          <p:cNvPr id="10" name="箭號: 上彎 9">
-            <a:extLst>
-              <a:ext uri="{FF2B5EF4-FFF2-40B4-BE49-F238E27FC236}">
-                <a16:creationId xmlns:a16="http://schemas.microsoft.com/office/drawing/2014/main" id="{829B7AC3-E531-9F13-F927-FA9A755EC35B}"/>
-              </a:ext>
-            </a:extLst>
-          </p:cNvPr>
-          <p:cNvSpPr/>
-          <p:nvPr/>
-        </p:nvSpPr>
-        <p:spPr>
-          <a:xfrm rot="5400000">
-            <a:off x="3827417" y="4034828"/>
-            <a:ext cx="1942011" cy="1950719"/>
-          </a:xfrm>
-          <a:prstGeom prst="bentUpArrow">
-            <a:avLst>
-              <a:gd name="adj1" fmla="val 25000"/>
-              <a:gd name="adj2" fmla="val 29791"/>
-              <a:gd name="adj3" fmla="val 23206"/>
-            </a:avLst>
-          </a:prstGeom>
-          <a:solidFill>
-            <a:srgbClr val="FF0000"/>
-          </a:solidFill>
-          <a:ln>
-            <a:solidFill>
-              <a:srgbClr val="FF0000"/>
-            </a:solidFill>
-          </a:ln>
-        </p:spPr>
-        <p:style>
-          <a:lnRef idx="2">
-            <a:schemeClr val="accent1">
-              <a:shade val="15000"/>
-            </a:schemeClr>
-          </a:lnRef>
-          <a:fillRef idx="1">
-            <a:schemeClr val="accent1"/>
-          </a:fillRef>
-          <a:effectRef idx="0">
-            <a:schemeClr val="accent1"/>
-          </a:effectRef>
-          <a:fontRef idx="minor">
-            <a:schemeClr val="lt1"/>
-          </a:fontRef>
-        </p:style>
-        <p:txBody>
-          <a:bodyPr rtlCol="0" anchor="ctr"/>
-          <a:lstStyle/>
-          <a:p>
-            <a:pPr algn="ctr"/>
-            <a:endParaRPr lang="zh-TW" altLang="en-US"/>
-          </a:p>
-        </p:txBody>
-      </p:sp>
-    </p:spTree>
-    <p:extLst>
-      <p:ext uri="{BB962C8B-B14F-4D97-AF65-F5344CB8AC3E}">
-        <p14:creationId xmlns:p14="http://schemas.microsoft.com/office/powerpoint/2010/main" val="3407219504"/>
-      </p:ext>
-    </p:extLst>
-  </p:cSld>
-  <p:clrMapOvr>
-    <a:masterClrMapping/>
-  </p:clrMapOvr>
-</p:sld>
-</file>
-
-<file path=ppt/slides/slide4.xml><?xml version="1.0" encoding="utf-8"?>
-<p:sld xmlns:a="http://schemas.openxmlformats.org/drawingml/2006/main" xmlns:r="http://schemas.openxmlformats.org/officeDocument/2006/relationships" xmlns:p="http://schemas.openxmlformats.org/presentationml/2006/main">
-  <p:cSld>
-    <p:spTree>
-      <p:nvGrpSpPr>
-        <p:cNvPr id="1" name=""/>
-        <p:cNvGrpSpPr/>
-        <p:nvPr/>
-      </p:nvGrpSpPr>
-      <p:grpSpPr>
-        <a:xfrm>
-          <a:off x="0" y="0"/>
-          <a:ext cx="0" cy="0"/>
-          <a:chOff x="0" y="0"/>
-          <a:chExt cx="0" cy="0"/>
-        </a:xfrm>
-      </p:grpSpPr>
-      <p:sp>
-        <p:nvSpPr>
-          <p:cNvPr id="3" name="標題 2"/>
-          <p:cNvSpPr>
-            <a:spLocks noGrp="1"/>
-          </p:cNvSpPr>
-          <p:nvPr>
-            <p:ph type="title"/>
-          </p:nvPr>
-        </p:nvSpPr>
-        <p:spPr/>
-        <p:txBody>
-          <a:bodyPr>
-            <a:noAutofit/>
-          </a:bodyPr>
-          <a:lstStyle/>
-          <a:p>
-            <a:r>
-              <a:rPr lang="zh-TW" altLang="en-US" sz="3600" dirty="0"/>
-              <a:t>教學</a:t>
-            </a:r>
-          </a:p>
-        </p:txBody>
-      </p:sp>
-      <p:sp>
-        <p:nvSpPr>
-          <p:cNvPr id="4" name="文字方塊 3">
-            <a:extLst>
-              <a:ext uri="{FF2B5EF4-FFF2-40B4-BE49-F238E27FC236}">
-                <a16:creationId xmlns:a16="http://schemas.microsoft.com/office/drawing/2014/main" id="{2B338AA9-E58C-0FF2-7D06-E44A90439D6F}"/>
-              </a:ext>
-            </a:extLst>
-          </p:cNvPr>
-          <p:cNvSpPr txBox="1"/>
-          <p:nvPr/>
-        </p:nvSpPr>
-        <p:spPr>
-          <a:xfrm>
-            <a:off x="1010194" y="1384663"/>
-            <a:ext cx="3805646" cy="369332"/>
-          </a:xfrm>
-          <a:prstGeom prst="rect">
-            <a:avLst/>
-          </a:prstGeom>
-          <a:noFill/>
-          <a:ln>
-            <a:solidFill>
-              <a:schemeClr val="tx1"/>
-            </a:solidFill>
-          </a:ln>
-        </p:spPr>
-        <p:txBody>
-          <a:bodyPr wrap="square" rtlCol="0">
-            <a:spAutoFit/>
-          </a:bodyPr>
-          <a:lstStyle/>
-          <a:p>
-            <a:r>
-              <a:rPr lang="zh-TW" altLang="en-US" dirty="0"/>
-              <a:t>第一步</a:t>
-            </a:r>
-            <a:r>
-              <a:rPr lang="en-US" altLang="zh-TW" dirty="0"/>
-              <a:t>:</a:t>
-            </a:r>
-            <a:r>
-              <a:rPr lang="zh-TW" altLang="en-US" dirty="0"/>
-              <a:t>打開放置網頁程式的資料夾</a:t>
-            </a:r>
-          </a:p>
-        </p:txBody>
-      </p:sp>
       <p:sp>
         <p:nvSpPr>
           <p:cNvPr id="10" name="箭號: 上彎 9">
@@ -5264,7 +4837,7 @@
 </p:sld>
 </file>
 
-<file path=ppt/slides/slide5.xml><?xml version="1.0" encoding="utf-8"?>
+<file path=ppt/slides/slide4.xml><?xml version="1.0" encoding="utf-8"?>
 <p:sld xmlns:a="http://schemas.openxmlformats.org/drawingml/2006/main" xmlns:r="http://schemas.openxmlformats.org/officeDocument/2006/relationships" xmlns:p="http://schemas.openxmlformats.org/presentationml/2006/main">
   <p:cSld>
     <p:spTree>
@@ -5610,7 +5183,7 @@
 </p:sld>
 </file>
 
-<file path=ppt/slides/slide6.xml><?xml version="1.0" encoding="utf-8"?>
+<file path=ppt/slides/slide5.xml><?xml version="1.0" encoding="utf-8"?>
 <p:sld xmlns:a="http://schemas.openxmlformats.org/drawingml/2006/main" xmlns:r="http://schemas.openxmlformats.org/officeDocument/2006/relationships" xmlns:p="http://schemas.openxmlformats.org/presentationml/2006/main">
   <p:cSld>
     <p:spTree>
@@ -5629,10 +5202,10 @@
       </p:grpSpPr>
       <p:pic>
         <p:nvPicPr>
-          <p:cNvPr id="11" name="圖片 10">
+          <p:cNvPr id="5" name="圖片 4" descr="一張含有 文字, 螢幕擷取畫面, 數字 的圖片&#10;&#10;自動產生的描述">
             <a:extLst>
               <a:ext uri="{FF2B5EF4-FFF2-40B4-BE49-F238E27FC236}">
-                <a16:creationId xmlns:a16="http://schemas.microsoft.com/office/drawing/2014/main" id="{5ED29591-9B72-9E0A-8C0A-458D4717076E}"/>
+                <a16:creationId xmlns:a16="http://schemas.microsoft.com/office/drawing/2014/main" id="{60EE96DE-1267-CA7B-E972-77F0FBBE4352}"/>
               </a:ext>
             </a:extLst>
           </p:cNvPr>
@@ -5642,22 +5215,31 @@
           <p:nvPr/>
         </p:nvPicPr>
         <p:blipFill>
-          <a:blip r:embed="rId2"/>
+          <a:blip r:embed="rId2">
+            <a:extLst>
+              <a:ext uri="{28A0092B-C50C-407E-A947-70E740481C1C}">
+                <a14:useLocalDpi xmlns:a14="http://schemas.microsoft.com/office/drawing/2010/main" val="0"/>
+              </a:ext>
+            </a:extLst>
+          </a:blip>
           <a:stretch>
             <a:fillRect/>
           </a:stretch>
         </p:blipFill>
         <p:spPr>
           <a:xfrm>
-            <a:off x="838200" y="1926969"/>
-            <a:ext cx="5336177" cy="1817690"/>
+            <a:off x="762544" y="1799937"/>
+            <a:ext cx="5333455" cy="1909913"/>
           </a:xfrm>
           <a:prstGeom prst="rect">
             <a:avLst/>
           </a:prstGeom>
           <a:ln>
             <a:solidFill>
-              <a:schemeClr val="tx1"/>
+              <a:schemeClr val="tx1">
+                <a:lumMod val="95000"/>
+                <a:lumOff val="5000"/>
+              </a:schemeClr>
             </a:solidFill>
           </a:ln>
         </p:spPr>
@@ -5700,7 +5282,7 @@
         </p:nvSpPr>
         <p:spPr>
           <a:xfrm>
-            <a:off x="1010194" y="1384663"/>
+            <a:off x="1003933" y="1308684"/>
             <a:ext cx="4850676" cy="369332"/>
           </a:xfrm>
           <a:prstGeom prst="rect">
@@ -5760,8 +5342,8 @@
         </p:nvSpPr>
         <p:spPr>
           <a:xfrm>
-            <a:off x="838200" y="1883452"/>
-            <a:ext cx="4880523" cy="296092"/>
+            <a:off x="762544" y="1802338"/>
+            <a:ext cx="3243399" cy="296092"/>
           </a:xfrm>
           <a:prstGeom prst="frame">
             <a:avLst/>
@@ -5959,6 +5541,372 @@
     <p:extLst>
       <p:ext uri="{BB962C8B-B14F-4D97-AF65-F5344CB8AC3E}">
         <p14:creationId xmlns:p14="http://schemas.microsoft.com/office/powerpoint/2010/main" val="3711818896"/>
+      </p:ext>
+    </p:extLst>
+  </p:cSld>
+  <p:clrMapOvr>
+    <a:masterClrMapping/>
+  </p:clrMapOvr>
+</p:sld>
+</file>
+
+<file path=ppt/slides/slide6.xml><?xml version="1.0" encoding="utf-8"?>
+<p:sld xmlns:a="http://schemas.openxmlformats.org/drawingml/2006/main" xmlns:r="http://schemas.openxmlformats.org/officeDocument/2006/relationships" xmlns:p="http://schemas.openxmlformats.org/presentationml/2006/main">
+  <p:cSld>
+    <p:spTree>
+      <p:nvGrpSpPr>
+        <p:cNvPr id="1" name=""/>
+        <p:cNvGrpSpPr/>
+        <p:nvPr/>
+      </p:nvGrpSpPr>
+      <p:grpSpPr>
+        <a:xfrm>
+          <a:off x="0" y="0"/>
+          <a:ext cx="0" cy="0"/>
+          <a:chOff x="0" y="0"/>
+          <a:chExt cx="0" cy="0"/>
+        </a:xfrm>
+      </p:grpSpPr>
+      <p:sp>
+        <p:nvSpPr>
+          <p:cNvPr id="3" name="標題 2"/>
+          <p:cNvSpPr>
+            <a:spLocks noGrp="1"/>
+          </p:cNvSpPr>
+          <p:nvPr>
+            <p:ph type="title"/>
+          </p:nvPr>
+        </p:nvSpPr>
+        <p:spPr/>
+        <p:txBody>
+          <a:bodyPr>
+            <a:noAutofit/>
+          </a:bodyPr>
+          <a:lstStyle/>
+          <a:p>
+            <a:r>
+              <a:rPr lang="zh-TW" altLang="en-US" sz="3600" dirty="0"/>
+              <a:t>教學</a:t>
+            </a:r>
+          </a:p>
+        </p:txBody>
+      </p:sp>
+      <p:sp>
+        <p:nvSpPr>
+          <p:cNvPr id="4" name="文字方塊 3">
+            <a:extLst>
+              <a:ext uri="{FF2B5EF4-FFF2-40B4-BE49-F238E27FC236}">
+                <a16:creationId xmlns:a16="http://schemas.microsoft.com/office/drawing/2014/main" id="{2B338AA9-E58C-0FF2-7D06-E44A90439D6F}"/>
+              </a:ext>
+            </a:extLst>
+          </p:cNvPr>
+          <p:cNvSpPr txBox="1"/>
+          <p:nvPr/>
+        </p:nvSpPr>
+        <p:spPr>
+          <a:xfrm>
+            <a:off x="1010193" y="1384663"/>
+            <a:ext cx="8203476" cy="369332"/>
+          </a:xfrm>
+          <a:prstGeom prst="rect">
+            <a:avLst/>
+          </a:prstGeom>
+          <a:noFill/>
+          <a:ln>
+            <a:solidFill>
+              <a:schemeClr val="tx1"/>
+            </a:solidFill>
+          </a:ln>
+        </p:spPr>
+        <p:txBody>
+          <a:bodyPr wrap="square" rtlCol="0">
+            <a:spAutoFit/>
+          </a:bodyPr>
+          <a:lstStyle/>
+          <a:p>
+            <a:r>
+              <a:rPr lang="zh-TW" altLang="en-US" dirty="0"/>
+              <a:t>第二步</a:t>
+            </a:r>
+            <a:r>
+              <a:rPr lang="en-US" altLang="zh-TW" dirty="0"/>
+              <a:t>:</a:t>
+            </a:r>
+            <a:r>
+              <a:rPr lang="zh-TW" altLang="en-US" dirty="0"/>
+              <a:t>在當前資料夾進入</a:t>
+            </a:r>
+            <a:r>
+              <a:rPr lang="en-US" altLang="zh-TW" dirty="0" err="1"/>
+              <a:t>cmd</a:t>
+            </a:r>
+            <a:r>
+              <a:rPr lang="en-US" altLang="zh-TW" dirty="0"/>
+              <a:t>,</a:t>
+            </a:r>
+            <a:r>
+              <a:rPr lang="zh-TW" altLang="en-US" dirty="0"/>
+              <a:t>並開啟虛擬環境</a:t>
+            </a:r>
+            <a:r>
+              <a:rPr lang="en-US" altLang="zh-TW" dirty="0"/>
+              <a:t>(</a:t>
+            </a:r>
+            <a:r>
+              <a:rPr lang="zh-TW" altLang="en-US" dirty="0"/>
+              <a:t>此處虛擬環境使用</a:t>
+            </a:r>
+            <a:r>
+              <a:rPr lang="en-US" altLang="zh-TW" dirty="0"/>
+              <a:t>Anaconda</a:t>
+            </a:r>
+            <a:r>
+              <a:rPr lang="zh-TW" altLang="en-US" dirty="0"/>
+              <a:t>架設</a:t>
+            </a:r>
+            <a:r>
+              <a:rPr lang="en-US" altLang="zh-TW" dirty="0"/>
+              <a:t>)</a:t>
+            </a:r>
+            <a:endParaRPr lang="zh-TW" altLang="en-US" dirty="0"/>
+          </a:p>
+        </p:txBody>
+      </p:sp>
+      <p:pic>
+        <p:nvPicPr>
+          <p:cNvPr id="14" name="圖片 13">
+            <a:extLst>
+              <a:ext uri="{FF2B5EF4-FFF2-40B4-BE49-F238E27FC236}">
+                <a16:creationId xmlns:a16="http://schemas.microsoft.com/office/drawing/2014/main" id="{D2522F1F-0A15-4238-3A25-A646A8D03725}"/>
+              </a:ext>
+            </a:extLst>
+          </p:cNvPr>
+          <p:cNvPicPr>
+            <a:picLocks noChangeAspect="1"/>
+          </p:cNvPicPr>
+          <p:nvPr/>
+        </p:nvPicPr>
+        <p:blipFill>
+          <a:blip r:embed="rId2"/>
+          <a:stretch>
+            <a:fillRect/>
+          </a:stretch>
+        </p:blipFill>
+        <p:spPr>
+          <a:xfrm>
+            <a:off x="1124933" y="2357389"/>
+            <a:ext cx="10507541" cy="2648320"/>
+          </a:xfrm>
+          <a:prstGeom prst="rect">
+            <a:avLst/>
+          </a:prstGeom>
+        </p:spPr>
+      </p:pic>
+      <p:sp>
+        <p:nvSpPr>
+          <p:cNvPr id="2" name="框架 1">
+            <a:extLst>
+              <a:ext uri="{FF2B5EF4-FFF2-40B4-BE49-F238E27FC236}">
+                <a16:creationId xmlns:a16="http://schemas.microsoft.com/office/drawing/2014/main" id="{12146EDD-9FC5-7CAA-5307-166B7298E453}"/>
+              </a:ext>
+            </a:extLst>
+          </p:cNvPr>
+          <p:cNvSpPr/>
+          <p:nvPr/>
+        </p:nvSpPr>
+        <p:spPr>
+          <a:xfrm>
+            <a:off x="4963886" y="3280954"/>
+            <a:ext cx="1567543" cy="296092"/>
+          </a:xfrm>
+          <a:prstGeom prst="frame">
+            <a:avLst/>
+          </a:prstGeom>
+          <a:solidFill>
+            <a:srgbClr val="FF0000"/>
+          </a:solidFill>
+          <a:ln>
+            <a:solidFill>
+              <a:srgbClr val="FF0000"/>
+            </a:solidFill>
+          </a:ln>
+        </p:spPr>
+        <p:style>
+          <a:lnRef idx="2">
+            <a:schemeClr val="accent1">
+              <a:shade val="15000"/>
+            </a:schemeClr>
+          </a:lnRef>
+          <a:fillRef idx="1">
+            <a:schemeClr val="accent1"/>
+          </a:fillRef>
+          <a:effectRef idx="0">
+            <a:schemeClr val="accent1"/>
+          </a:effectRef>
+          <a:fontRef idx="minor">
+            <a:schemeClr val="lt1"/>
+          </a:fontRef>
+        </p:style>
+        <p:txBody>
+          <a:bodyPr rtlCol="0" anchor="ctr"/>
+          <a:lstStyle/>
+          <a:p>
+            <a:pPr algn="ctr"/>
+            <a:endParaRPr lang="zh-TW" altLang="en-US">
+              <a:solidFill>
+                <a:schemeClr val="tx1"/>
+              </a:solidFill>
+            </a:endParaRPr>
+          </a:p>
+        </p:txBody>
+      </p:sp>
+      <p:sp>
+        <p:nvSpPr>
+          <p:cNvPr id="7" name="框架 6">
+            <a:extLst>
+              <a:ext uri="{FF2B5EF4-FFF2-40B4-BE49-F238E27FC236}">
+                <a16:creationId xmlns:a16="http://schemas.microsoft.com/office/drawing/2014/main" id="{CB4DA94A-447A-CAE6-F6EC-B09B6B012B64}"/>
+              </a:ext>
+            </a:extLst>
+          </p:cNvPr>
+          <p:cNvSpPr/>
+          <p:nvPr/>
+        </p:nvSpPr>
+        <p:spPr>
+          <a:xfrm>
+            <a:off x="1124932" y="3653246"/>
+            <a:ext cx="747411" cy="296092"/>
+          </a:xfrm>
+          <a:prstGeom prst="frame">
+            <a:avLst/>
+          </a:prstGeom>
+          <a:solidFill>
+            <a:srgbClr val="FF0000"/>
+          </a:solidFill>
+          <a:ln>
+            <a:solidFill>
+              <a:srgbClr val="FF0000"/>
+            </a:solidFill>
+          </a:ln>
+        </p:spPr>
+        <p:style>
+          <a:lnRef idx="2">
+            <a:schemeClr val="accent1">
+              <a:shade val="15000"/>
+            </a:schemeClr>
+          </a:lnRef>
+          <a:fillRef idx="1">
+            <a:schemeClr val="accent1"/>
+          </a:fillRef>
+          <a:effectRef idx="0">
+            <a:schemeClr val="accent1"/>
+          </a:effectRef>
+          <a:fontRef idx="minor">
+            <a:schemeClr val="lt1"/>
+          </a:fontRef>
+        </p:style>
+        <p:txBody>
+          <a:bodyPr rtlCol="0" anchor="ctr"/>
+          <a:lstStyle/>
+          <a:p>
+            <a:pPr algn="ctr"/>
+            <a:endParaRPr lang="zh-TW" altLang="en-US">
+              <a:solidFill>
+                <a:schemeClr val="tx1"/>
+              </a:solidFill>
+            </a:endParaRPr>
+          </a:p>
+        </p:txBody>
+      </p:sp>
+      <p:cxnSp>
+        <p:nvCxnSpPr>
+          <p:cNvPr id="11" name="直線接點 10">
+            <a:extLst>
+              <a:ext uri="{FF2B5EF4-FFF2-40B4-BE49-F238E27FC236}">
+                <a16:creationId xmlns:a16="http://schemas.microsoft.com/office/drawing/2014/main" id="{41E05AF9-882D-FB1C-8789-18432750A412}"/>
+              </a:ext>
+            </a:extLst>
+          </p:cNvPr>
+          <p:cNvCxnSpPr>
+            <a:cxnSpLocks/>
+            <a:stCxn id="7" idx="2"/>
+            <a:endCxn id="12" idx="0"/>
+          </p:cNvCxnSpPr>
+          <p:nvPr/>
+        </p:nvCxnSpPr>
+        <p:spPr>
+          <a:xfrm>
+            <a:off x="1498638" y="3949338"/>
+            <a:ext cx="1545008" cy="1637993"/>
+          </a:xfrm>
+          <a:prstGeom prst="line">
+            <a:avLst/>
+          </a:prstGeom>
+          <a:ln>
+            <a:solidFill>
+              <a:srgbClr val="FF0000"/>
+            </a:solidFill>
+          </a:ln>
+        </p:spPr>
+        <p:style>
+          <a:lnRef idx="3">
+            <a:schemeClr val="dk1"/>
+          </a:lnRef>
+          <a:fillRef idx="0">
+            <a:schemeClr val="dk1"/>
+          </a:fillRef>
+          <a:effectRef idx="2">
+            <a:schemeClr val="dk1"/>
+          </a:effectRef>
+          <a:fontRef idx="minor">
+            <a:schemeClr val="tx1"/>
+          </a:fontRef>
+        </p:style>
+      </p:cxnSp>
+      <p:sp>
+        <p:nvSpPr>
+          <p:cNvPr id="12" name="文字方塊 11">
+            <a:extLst>
+              <a:ext uri="{FF2B5EF4-FFF2-40B4-BE49-F238E27FC236}">
+                <a16:creationId xmlns:a16="http://schemas.microsoft.com/office/drawing/2014/main" id="{D54E4E02-69BD-3345-582C-B03AD68DCDD7}"/>
+              </a:ext>
+            </a:extLst>
+          </p:cNvPr>
+          <p:cNvSpPr txBox="1"/>
+          <p:nvPr/>
+        </p:nvSpPr>
+        <p:spPr>
+          <a:xfrm>
+            <a:off x="1297577" y="5587331"/>
+            <a:ext cx="3492138" cy="369332"/>
+          </a:xfrm>
+          <a:prstGeom prst="rect">
+            <a:avLst/>
+          </a:prstGeom>
+          <a:noFill/>
+          <a:ln>
+            <a:solidFill>
+              <a:schemeClr val="tx1"/>
+            </a:solidFill>
+          </a:ln>
+        </p:spPr>
+        <p:txBody>
+          <a:bodyPr wrap="square" rtlCol="0">
+            <a:spAutoFit/>
+          </a:bodyPr>
+          <a:lstStyle/>
+          <a:p>
+            <a:r>
+              <a:rPr lang="zh-TW" altLang="en-US" dirty="0"/>
+              <a:t>出現這個代表成功進入虛擬環境</a:t>
+            </a:r>
+          </a:p>
+        </p:txBody>
+      </p:sp>
+    </p:spTree>
+    <p:extLst>
+      <p:ext uri="{BB962C8B-B14F-4D97-AF65-F5344CB8AC3E}">
+        <p14:creationId xmlns:p14="http://schemas.microsoft.com/office/powerpoint/2010/main" val="1690780675"/>
       </p:ext>
     </p:extLst>
   </p:cSld>
@@ -6024,7 +5972,7 @@
         <p:spPr>
           <a:xfrm>
             <a:off x="1010193" y="1384663"/>
-            <a:ext cx="8203476" cy="369332"/>
+            <a:ext cx="5529943" cy="369332"/>
           </a:xfrm>
           <a:prstGeom prst="rect">
             <a:avLst/>
@@ -6044,7 +5992,7 @@
           <a:p>
             <a:r>
               <a:rPr lang="zh-TW" altLang="en-US" dirty="0"/>
-              <a:t>第二步</a:t>
+              <a:t>第三步</a:t>
             </a:r>
             <a:r>
               <a:rPr lang="en-US" altLang="zh-TW" dirty="0"/>
@@ -6052,11 +6000,15 @@
             </a:r>
             <a:r>
               <a:rPr lang="zh-TW" altLang="en-US" dirty="0"/>
-              <a:t>在當前資料夾進入</a:t>
+              <a:t>輸入運行</a:t>
             </a:r>
             <a:r>
               <a:rPr lang="en-US" altLang="zh-TW" dirty="0" err="1"/>
-              <a:t>cmd</a:t>
+              <a:t>django</a:t>
+            </a:r>
+            <a:r>
+              <a:rPr lang="zh-TW" altLang="en-US" dirty="0"/>
+              <a:t>網站的指令</a:t>
             </a:r>
             <a:r>
               <a:rPr lang="en-US" altLang="zh-TW" dirty="0"/>
@@ -6064,38 +6016,17 @@
             </a:r>
             <a:r>
               <a:rPr lang="zh-TW" altLang="en-US" dirty="0"/>
-              <a:t>並開啟虛擬環境</a:t>
-            </a:r>
-            <a:r>
-              <a:rPr lang="en-US" altLang="zh-TW" dirty="0"/>
-              <a:t>(</a:t>
-            </a:r>
-            <a:r>
-              <a:rPr lang="zh-TW" altLang="en-US" dirty="0"/>
-              <a:t>此處虛擬環境使用</a:t>
-            </a:r>
-            <a:r>
-              <a:rPr lang="en-US" altLang="zh-TW" dirty="0"/>
-              <a:t>Anaconda</a:t>
-            </a:r>
-            <a:r>
-              <a:rPr lang="zh-TW" altLang="en-US" dirty="0"/>
-              <a:t>架設</a:t>
-            </a:r>
-            <a:r>
-              <a:rPr lang="en-US" altLang="zh-TW" dirty="0"/>
-              <a:t>)</a:t>
-            </a:r>
-            <a:endParaRPr lang="zh-TW" altLang="en-US" dirty="0"/>
+              <a:t>會跑出網頁的網址</a:t>
+            </a:r>
           </a:p>
         </p:txBody>
       </p:sp>
       <p:pic>
         <p:nvPicPr>
-          <p:cNvPr id="14" name="圖片 13">
+          <p:cNvPr id="10" name="圖片 9">
             <a:extLst>
               <a:ext uri="{FF2B5EF4-FFF2-40B4-BE49-F238E27FC236}">
-                <a16:creationId xmlns:a16="http://schemas.microsoft.com/office/drawing/2014/main" id="{D2522F1F-0A15-4238-3A25-A646A8D03725}"/>
+                <a16:creationId xmlns:a16="http://schemas.microsoft.com/office/drawing/2014/main" id="{FD291076-FBDE-05B6-6E94-72594D7E0E08}"/>
               </a:ext>
             </a:extLst>
           </p:cNvPr>
@@ -6112,8 +6043,8 @@
         </p:blipFill>
         <p:spPr>
           <a:xfrm>
-            <a:off x="1124933" y="2357389"/>
-            <a:ext cx="10507541" cy="2648320"/>
+            <a:off x="1010194" y="1942893"/>
+            <a:ext cx="7106642" cy="1486107"/>
           </a:xfrm>
           <a:prstGeom prst="rect">
             <a:avLst/>
@@ -6122,10 +6053,10 @@
       </p:pic>
       <p:sp>
         <p:nvSpPr>
-          <p:cNvPr id="2" name="框架 1">
+          <p:cNvPr id="11" name="框架 10">
             <a:extLst>
               <a:ext uri="{FF2B5EF4-FFF2-40B4-BE49-F238E27FC236}">
-                <a16:creationId xmlns:a16="http://schemas.microsoft.com/office/drawing/2014/main" id="{12146EDD-9FC5-7CAA-5307-166B7298E453}"/>
+                <a16:creationId xmlns:a16="http://schemas.microsoft.com/office/drawing/2014/main" id="{3FE71066-F74C-9D21-0B8A-968E5E143ED7}"/>
               </a:ext>
             </a:extLst>
           </p:cNvPr>
@@ -6134,8 +6065,8 @@
         </p:nvSpPr>
         <p:spPr>
           <a:xfrm>
-            <a:off x="4963886" y="3280954"/>
-            <a:ext cx="1567543" cy="296092"/>
+            <a:off x="5566303" y="2804160"/>
+            <a:ext cx="2227868" cy="326572"/>
           </a:xfrm>
           <a:prstGeom prst="frame">
             <a:avLst/>
@@ -6178,12 +6109,42 @@
           </a:p>
         </p:txBody>
       </p:sp>
-      <p:sp>
-        <p:nvSpPr>
-          <p:cNvPr id="7" name="框架 6">
+      <p:pic>
+        <p:nvPicPr>
+          <p:cNvPr id="14" name="圖片 13">
             <a:extLst>
               <a:ext uri="{FF2B5EF4-FFF2-40B4-BE49-F238E27FC236}">
-                <a16:creationId xmlns:a16="http://schemas.microsoft.com/office/drawing/2014/main" id="{CB4DA94A-447A-CAE6-F6EC-B09B6B012B64}"/>
+                <a16:creationId xmlns:a16="http://schemas.microsoft.com/office/drawing/2014/main" id="{78D74473-0D96-64A2-28E6-18FD72978954}"/>
+              </a:ext>
+            </a:extLst>
+          </p:cNvPr>
+          <p:cNvPicPr>
+            <a:picLocks noChangeAspect="1"/>
+          </p:cNvPicPr>
+          <p:nvPr/>
+        </p:nvPicPr>
+        <p:blipFill>
+          <a:blip r:embed="rId3"/>
+          <a:stretch>
+            <a:fillRect/>
+          </a:stretch>
+        </p:blipFill>
+        <p:spPr>
+          <a:xfrm>
+            <a:off x="1010194" y="3617898"/>
+            <a:ext cx="10421804" cy="2638793"/>
+          </a:xfrm>
+          <a:prstGeom prst="rect">
+            <a:avLst/>
+          </a:prstGeom>
+        </p:spPr>
+      </p:pic>
+      <p:sp>
+        <p:nvSpPr>
+          <p:cNvPr id="15" name="框架 14">
+            <a:extLst>
+              <a:ext uri="{FF2B5EF4-FFF2-40B4-BE49-F238E27FC236}">
+                <a16:creationId xmlns:a16="http://schemas.microsoft.com/office/drawing/2014/main" id="{B641A442-D89C-EACE-4E6B-D4F67F6E2644}"/>
               </a:ext>
             </a:extLst>
           </p:cNvPr>
@@ -6192,8 +6153,8 @@
         </p:nvSpPr>
         <p:spPr>
           <a:xfrm>
-            <a:off x="1124932" y="3653246"/>
-            <a:ext cx="747411" cy="296092"/>
+            <a:off x="3611225" y="5841610"/>
+            <a:ext cx="2227868" cy="326572"/>
           </a:xfrm>
           <a:prstGeom prst="frame">
             <a:avLst/>
@@ -6238,24 +6199,24 @@
       </p:sp>
       <p:cxnSp>
         <p:nvCxnSpPr>
-          <p:cNvPr id="11" name="直線接點 10">
+          <p:cNvPr id="16" name="直線接點 15">
             <a:extLst>
               <a:ext uri="{FF2B5EF4-FFF2-40B4-BE49-F238E27FC236}">
-                <a16:creationId xmlns:a16="http://schemas.microsoft.com/office/drawing/2014/main" id="{41E05AF9-882D-FB1C-8789-18432750A412}"/>
+                <a16:creationId xmlns:a16="http://schemas.microsoft.com/office/drawing/2014/main" id="{417595B8-A37D-6040-38DD-2E82D3F2B481}"/>
               </a:ext>
             </a:extLst>
           </p:cNvPr>
           <p:cNvCxnSpPr>
             <a:cxnSpLocks/>
-            <a:stCxn id="7" idx="2"/>
-            <a:endCxn id="12" idx="0"/>
+            <a:stCxn id="15" idx="3"/>
+            <a:endCxn id="17" idx="2"/>
           </p:cNvCxnSpPr>
           <p:nvPr/>
         </p:nvCxnSpPr>
         <p:spPr>
-          <a:xfrm>
-            <a:off x="1498638" y="3949338"/>
-            <a:ext cx="1545008" cy="1637993"/>
+          <a:xfrm flipV="1">
+            <a:off x="5839093" y="2967446"/>
+            <a:ext cx="4101741" cy="3037450"/>
           </a:xfrm>
           <a:prstGeom prst="line">
             <a:avLst/>
@@ -6283,10 +6244,10 @@
       </p:cxnSp>
       <p:sp>
         <p:nvSpPr>
-          <p:cNvPr id="12" name="文字方塊 11">
+          <p:cNvPr id="17" name="文字方塊 16">
             <a:extLst>
               <a:ext uri="{FF2B5EF4-FFF2-40B4-BE49-F238E27FC236}">
-                <a16:creationId xmlns:a16="http://schemas.microsoft.com/office/drawing/2014/main" id="{D54E4E02-69BD-3345-582C-B03AD68DCDD7}"/>
+                <a16:creationId xmlns:a16="http://schemas.microsoft.com/office/drawing/2014/main" id="{A18A340D-325D-764E-34EC-2BA6DD8B586D}"/>
               </a:ext>
             </a:extLst>
           </p:cNvPr>
@@ -6295,8 +6256,8 @@
         </p:nvSpPr>
         <p:spPr>
           <a:xfrm>
-            <a:off x="1297577" y="5587331"/>
-            <a:ext cx="3492138" cy="369332"/>
+            <a:off x="9544593" y="2598114"/>
+            <a:ext cx="792481" cy="369332"/>
           </a:xfrm>
           <a:prstGeom prst="rect">
             <a:avLst/>
@@ -6315,16 +6276,129 @@
           <a:lstStyle/>
           <a:p>
             <a:r>
-              <a:rPr lang="zh-TW" altLang="en-US" dirty="0"/>
-              <a:t>出現這個代表成功進入虛擬環境</a:t>
-            </a:r>
+              <a:rPr lang="zh-TW" altLang="en-US"/>
+              <a:t>網址</a:t>
+            </a:r>
+            <a:endParaRPr lang="zh-TW" altLang="en-US" dirty="0"/>
+          </a:p>
+        </p:txBody>
+      </p:sp>
+      <p:sp>
+        <p:nvSpPr>
+          <p:cNvPr id="24" name="箭號: 上彎 23">
+            <a:extLst>
+              <a:ext uri="{FF2B5EF4-FFF2-40B4-BE49-F238E27FC236}">
+                <a16:creationId xmlns:a16="http://schemas.microsoft.com/office/drawing/2014/main" id="{B21D8F95-95FD-8249-B527-3BE7ECA9ACF5}"/>
+              </a:ext>
+            </a:extLst>
+          </p:cNvPr>
+          <p:cNvSpPr/>
+          <p:nvPr/>
+        </p:nvSpPr>
+        <p:spPr>
+          <a:xfrm rot="5400000">
+            <a:off x="-656899" y="3164967"/>
+            <a:ext cx="2454618" cy="879565"/>
+          </a:xfrm>
+          <a:prstGeom prst="bentUpArrow">
+            <a:avLst>
+              <a:gd name="adj1" fmla="val 25000"/>
+              <a:gd name="adj2" fmla="val 29791"/>
+              <a:gd name="adj3" fmla="val 23206"/>
+            </a:avLst>
+          </a:prstGeom>
+          <a:solidFill>
+            <a:srgbClr val="FF0000"/>
+          </a:solidFill>
+          <a:ln>
+            <a:solidFill>
+              <a:srgbClr val="FF0000"/>
+            </a:solidFill>
+          </a:ln>
+        </p:spPr>
+        <p:style>
+          <a:lnRef idx="2">
+            <a:schemeClr val="accent1">
+              <a:shade val="15000"/>
+            </a:schemeClr>
+          </a:lnRef>
+          <a:fillRef idx="1">
+            <a:schemeClr val="accent1"/>
+          </a:fillRef>
+          <a:effectRef idx="0">
+            <a:schemeClr val="accent1"/>
+          </a:effectRef>
+          <a:fontRef idx="minor">
+            <a:schemeClr val="lt1"/>
+          </a:fontRef>
+        </p:style>
+        <p:txBody>
+          <a:bodyPr rtlCol="0" anchor="ctr"/>
+          <a:lstStyle/>
+          <a:p>
+            <a:pPr algn="ctr"/>
+            <a:endParaRPr lang="zh-TW" altLang="en-US"/>
+          </a:p>
+        </p:txBody>
+      </p:sp>
+      <p:sp>
+        <p:nvSpPr>
+          <p:cNvPr id="25" name="流程圖: 程序 24">
+            <a:extLst>
+              <a:ext uri="{FF2B5EF4-FFF2-40B4-BE49-F238E27FC236}">
+                <a16:creationId xmlns:a16="http://schemas.microsoft.com/office/drawing/2014/main" id="{803079B4-94A2-DE42-FA25-29D38A03A30F}"/>
+              </a:ext>
+            </a:extLst>
+          </p:cNvPr>
+          <p:cNvSpPr/>
+          <p:nvPr/>
+        </p:nvSpPr>
+        <p:spPr>
+          <a:xfrm>
+            <a:off x="130626" y="2310850"/>
+            <a:ext cx="792483" cy="241544"/>
+          </a:xfrm>
+          <a:prstGeom prst="flowChartProcess">
+            <a:avLst/>
+          </a:prstGeom>
+          <a:solidFill>
+            <a:srgbClr val="FF0000"/>
+          </a:solidFill>
+          <a:ln>
+            <a:solidFill>
+              <a:srgbClr val="FF0000"/>
+            </a:solidFill>
+          </a:ln>
+        </p:spPr>
+        <p:style>
+          <a:lnRef idx="2">
+            <a:schemeClr val="accent1">
+              <a:shade val="15000"/>
+            </a:schemeClr>
+          </a:lnRef>
+          <a:fillRef idx="1">
+            <a:schemeClr val="accent1"/>
+          </a:fillRef>
+          <a:effectRef idx="0">
+            <a:schemeClr val="accent1"/>
+          </a:effectRef>
+          <a:fontRef idx="minor">
+            <a:schemeClr val="lt1"/>
+          </a:fontRef>
+        </p:style>
+        <p:txBody>
+          <a:bodyPr rtlCol="0" anchor="ctr"/>
+          <a:lstStyle/>
+          <a:p>
+            <a:pPr algn="ctr"/>
+            <a:endParaRPr lang="zh-TW" altLang="en-US"/>
           </a:p>
         </p:txBody>
       </p:sp>
     </p:spTree>
     <p:extLst>
       <p:ext uri="{BB962C8B-B14F-4D97-AF65-F5344CB8AC3E}">
-        <p14:creationId xmlns:p14="http://schemas.microsoft.com/office/powerpoint/2010/main" val="1690780675"/>
+        <p14:creationId xmlns:p14="http://schemas.microsoft.com/office/powerpoint/2010/main" val="2285920300"/>
       </p:ext>
     </p:extLst>
   </p:cSld>
@@ -6389,8 +6463,8 @@
         </p:nvSpPr>
         <p:spPr>
           <a:xfrm>
-            <a:off x="1010193" y="1384663"/>
-            <a:ext cx="5529943" cy="369332"/>
+            <a:off x="1123405" y="1358537"/>
+            <a:ext cx="4171406" cy="369332"/>
           </a:xfrm>
           <a:prstGeom prst="rect">
             <a:avLst/>
@@ -6410,7 +6484,7 @@
           <a:p>
             <a:r>
               <a:rPr lang="zh-TW" altLang="en-US" dirty="0"/>
-              <a:t>第三步</a:t>
+              <a:t>第四步</a:t>
             </a:r>
             <a:r>
               <a:rPr lang="en-US" altLang="zh-TW" dirty="0"/>
@@ -6418,33 +6492,17 @@
             </a:r>
             <a:r>
               <a:rPr lang="zh-TW" altLang="en-US" dirty="0"/>
-              <a:t>輸入運行</a:t>
-            </a:r>
-            <a:r>
-              <a:rPr lang="en-US" altLang="zh-TW" dirty="0" err="1"/>
-              <a:t>django</a:t>
-            </a:r>
-            <a:r>
-              <a:rPr lang="zh-TW" altLang="en-US" dirty="0"/>
-              <a:t>網站的指令</a:t>
-            </a:r>
-            <a:r>
-              <a:rPr lang="en-US" altLang="zh-TW" dirty="0"/>
-              <a:t>,</a:t>
-            </a:r>
-            <a:r>
-              <a:rPr lang="zh-TW" altLang="en-US" dirty="0"/>
-              <a:t>會跑出網頁的網址</a:t>
+              <a:t>在瀏覽器上輸入剛才得到的網址</a:t>
             </a:r>
           </a:p>
         </p:txBody>
       </p:sp>
       <p:pic>
         <p:nvPicPr>
-          <p:cNvPr id="10" name="圖片 9">
+          <p:cNvPr id="5" name="圖片 4">
             <a:extLst>
               <a:ext uri="{FF2B5EF4-FFF2-40B4-BE49-F238E27FC236}">
-                <a16:creationId xmlns:a16="http://schemas.microsoft.com/office/drawing/2014/main" id="{FD291076-FBDE-05B6-6E94-72594D7E0E08}"/>
+                <a16:creationId xmlns:a16="http://schemas.microsoft.com/office/drawing/2014/main" id="{9578C2D1-053A-5E6C-AFD4-130CE051023F}"/>
               </a:ext>
             </a:extLst>
           </p:cNvPr>
@@ -6461,8 +6519,8 @@
         </p:blipFill>
         <p:spPr>
           <a:xfrm>
-            <a:off x="1010194" y="1942893"/>
-            <a:ext cx="7106642" cy="1486107"/>
+            <a:off x="1123405" y="1870619"/>
+            <a:ext cx="8212184" cy="4281456"/>
           </a:xfrm>
           <a:prstGeom prst="rect">
             <a:avLst/>
@@ -6471,10 +6529,10 @@
       </p:pic>
       <p:sp>
         <p:nvSpPr>
-          <p:cNvPr id="11" name="框架 10">
+          <p:cNvPr id="6" name="框架 5">
             <a:extLst>
               <a:ext uri="{FF2B5EF4-FFF2-40B4-BE49-F238E27FC236}">
-                <a16:creationId xmlns:a16="http://schemas.microsoft.com/office/drawing/2014/main" id="{3FE71066-F74C-9D21-0B8A-968E5E143ED7}"/>
+                <a16:creationId xmlns:a16="http://schemas.microsoft.com/office/drawing/2014/main" id="{55F70CFD-9DEA-CBDF-199D-57D2947EE425}"/>
               </a:ext>
             </a:extLst>
           </p:cNvPr>
@@ -6483,8 +6541,8 @@
         </p:nvSpPr>
         <p:spPr>
           <a:xfrm>
-            <a:off x="5566303" y="2804160"/>
-            <a:ext cx="2227868" cy="326572"/>
+            <a:off x="1573419" y="1837995"/>
+            <a:ext cx="2227868" cy="260771"/>
           </a:xfrm>
           <a:prstGeom prst="frame">
             <a:avLst/>
@@ -6527,296 +6585,10 @@
           </a:p>
         </p:txBody>
       </p:sp>
-      <p:pic>
-        <p:nvPicPr>
-          <p:cNvPr id="14" name="圖片 13">
-            <a:extLst>
-              <a:ext uri="{FF2B5EF4-FFF2-40B4-BE49-F238E27FC236}">
-                <a16:creationId xmlns:a16="http://schemas.microsoft.com/office/drawing/2014/main" id="{78D74473-0D96-64A2-28E6-18FD72978954}"/>
-              </a:ext>
-            </a:extLst>
-          </p:cNvPr>
-          <p:cNvPicPr>
-            <a:picLocks noChangeAspect="1"/>
-          </p:cNvPicPr>
-          <p:nvPr/>
-        </p:nvPicPr>
-        <p:blipFill>
-          <a:blip r:embed="rId3"/>
-          <a:stretch>
-            <a:fillRect/>
-          </a:stretch>
-        </p:blipFill>
-        <p:spPr>
-          <a:xfrm>
-            <a:off x="1010194" y="3617898"/>
-            <a:ext cx="10421804" cy="2638793"/>
-          </a:xfrm>
-          <a:prstGeom prst="rect">
-            <a:avLst/>
-          </a:prstGeom>
-        </p:spPr>
-      </p:pic>
-      <p:sp>
-        <p:nvSpPr>
-          <p:cNvPr id="15" name="框架 14">
-            <a:extLst>
-              <a:ext uri="{FF2B5EF4-FFF2-40B4-BE49-F238E27FC236}">
-                <a16:creationId xmlns:a16="http://schemas.microsoft.com/office/drawing/2014/main" id="{B641A442-D89C-EACE-4E6B-D4F67F6E2644}"/>
-              </a:ext>
-            </a:extLst>
-          </p:cNvPr>
-          <p:cNvSpPr/>
-          <p:nvPr/>
-        </p:nvSpPr>
-        <p:spPr>
-          <a:xfrm>
-            <a:off x="3611225" y="5841610"/>
-            <a:ext cx="2227868" cy="326572"/>
-          </a:xfrm>
-          <a:prstGeom prst="frame">
-            <a:avLst/>
-          </a:prstGeom>
-          <a:solidFill>
-            <a:srgbClr val="FF0000"/>
-          </a:solidFill>
-          <a:ln>
-            <a:solidFill>
-              <a:srgbClr val="FF0000"/>
-            </a:solidFill>
-          </a:ln>
-        </p:spPr>
-        <p:style>
-          <a:lnRef idx="2">
-            <a:schemeClr val="accent1">
-              <a:shade val="15000"/>
-            </a:schemeClr>
-          </a:lnRef>
-          <a:fillRef idx="1">
-            <a:schemeClr val="accent1"/>
-          </a:fillRef>
-          <a:effectRef idx="0">
-            <a:schemeClr val="accent1"/>
-          </a:effectRef>
-          <a:fontRef idx="minor">
-            <a:schemeClr val="lt1"/>
-          </a:fontRef>
-        </p:style>
-        <p:txBody>
-          <a:bodyPr rtlCol="0" anchor="ctr"/>
-          <a:lstStyle/>
-          <a:p>
-            <a:pPr algn="ctr"/>
-            <a:endParaRPr lang="zh-TW" altLang="en-US">
-              <a:solidFill>
-                <a:schemeClr val="tx1"/>
-              </a:solidFill>
-            </a:endParaRPr>
-          </a:p>
-        </p:txBody>
-      </p:sp>
-      <p:cxnSp>
-        <p:nvCxnSpPr>
-          <p:cNvPr id="16" name="直線接點 15">
-            <a:extLst>
-              <a:ext uri="{FF2B5EF4-FFF2-40B4-BE49-F238E27FC236}">
-                <a16:creationId xmlns:a16="http://schemas.microsoft.com/office/drawing/2014/main" id="{417595B8-A37D-6040-38DD-2E82D3F2B481}"/>
-              </a:ext>
-            </a:extLst>
-          </p:cNvPr>
-          <p:cNvCxnSpPr>
-            <a:cxnSpLocks/>
-            <a:stCxn id="15" idx="3"/>
-            <a:endCxn id="17" idx="2"/>
-          </p:cNvCxnSpPr>
-          <p:nvPr/>
-        </p:nvCxnSpPr>
-        <p:spPr>
-          <a:xfrm flipV="1">
-            <a:off x="5839093" y="2967446"/>
-            <a:ext cx="4101741" cy="3037450"/>
-          </a:xfrm>
-          <a:prstGeom prst="line">
-            <a:avLst/>
-          </a:prstGeom>
-          <a:ln>
-            <a:solidFill>
-              <a:srgbClr val="FF0000"/>
-            </a:solidFill>
-          </a:ln>
-        </p:spPr>
-        <p:style>
-          <a:lnRef idx="3">
-            <a:schemeClr val="dk1"/>
-          </a:lnRef>
-          <a:fillRef idx="0">
-            <a:schemeClr val="dk1"/>
-          </a:fillRef>
-          <a:effectRef idx="2">
-            <a:schemeClr val="dk1"/>
-          </a:effectRef>
-          <a:fontRef idx="minor">
-            <a:schemeClr val="tx1"/>
-          </a:fontRef>
-        </p:style>
-      </p:cxnSp>
-      <p:sp>
-        <p:nvSpPr>
-          <p:cNvPr id="17" name="文字方塊 16">
-            <a:extLst>
-              <a:ext uri="{FF2B5EF4-FFF2-40B4-BE49-F238E27FC236}">
-                <a16:creationId xmlns:a16="http://schemas.microsoft.com/office/drawing/2014/main" id="{A18A340D-325D-764E-34EC-2BA6DD8B586D}"/>
-              </a:ext>
-            </a:extLst>
-          </p:cNvPr>
-          <p:cNvSpPr txBox="1"/>
-          <p:nvPr/>
-        </p:nvSpPr>
-        <p:spPr>
-          <a:xfrm>
-            <a:off x="9544593" y="2598114"/>
-            <a:ext cx="792481" cy="369332"/>
-          </a:xfrm>
-          <a:prstGeom prst="rect">
-            <a:avLst/>
-          </a:prstGeom>
-          <a:noFill/>
-          <a:ln>
-            <a:solidFill>
-              <a:schemeClr val="tx1"/>
-            </a:solidFill>
-          </a:ln>
-        </p:spPr>
-        <p:txBody>
-          <a:bodyPr wrap="square" rtlCol="0">
-            <a:spAutoFit/>
-          </a:bodyPr>
-          <a:lstStyle/>
-          <a:p>
-            <a:r>
-              <a:rPr lang="zh-TW" altLang="en-US"/>
-              <a:t>網址</a:t>
-            </a:r>
-            <a:endParaRPr lang="zh-TW" altLang="en-US" dirty="0"/>
-          </a:p>
-        </p:txBody>
-      </p:sp>
-      <p:sp>
-        <p:nvSpPr>
-          <p:cNvPr id="24" name="箭號: 上彎 23">
-            <a:extLst>
-              <a:ext uri="{FF2B5EF4-FFF2-40B4-BE49-F238E27FC236}">
-                <a16:creationId xmlns:a16="http://schemas.microsoft.com/office/drawing/2014/main" id="{B21D8F95-95FD-8249-B527-3BE7ECA9ACF5}"/>
-              </a:ext>
-            </a:extLst>
-          </p:cNvPr>
-          <p:cNvSpPr/>
-          <p:nvPr/>
-        </p:nvSpPr>
-        <p:spPr>
-          <a:xfrm rot="5400000">
-            <a:off x="-656899" y="3164967"/>
-            <a:ext cx="2454618" cy="879565"/>
-          </a:xfrm>
-          <a:prstGeom prst="bentUpArrow">
-            <a:avLst>
-              <a:gd name="adj1" fmla="val 25000"/>
-              <a:gd name="adj2" fmla="val 29791"/>
-              <a:gd name="adj3" fmla="val 23206"/>
-            </a:avLst>
-          </a:prstGeom>
-          <a:solidFill>
-            <a:srgbClr val="FF0000"/>
-          </a:solidFill>
-          <a:ln>
-            <a:solidFill>
-              <a:srgbClr val="FF0000"/>
-            </a:solidFill>
-          </a:ln>
-        </p:spPr>
-        <p:style>
-          <a:lnRef idx="2">
-            <a:schemeClr val="accent1">
-              <a:shade val="15000"/>
-            </a:schemeClr>
-          </a:lnRef>
-          <a:fillRef idx="1">
-            <a:schemeClr val="accent1"/>
-          </a:fillRef>
-          <a:effectRef idx="0">
-            <a:schemeClr val="accent1"/>
-          </a:effectRef>
-          <a:fontRef idx="minor">
-            <a:schemeClr val="lt1"/>
-          </a:fontRef>
-        </p:style>
-        <p:txBody>
-          <a:bodyPr rtlCol="0" anchor="ctr"/>
-          <a:lstStyle/>
-          <a:p>
-            <a:pPr algn="ctr"/>
-            <a:endParaRPr lang="zh-TW" altLang="en-US"/>
-          </a:p>
-        </p:txBody>
-      </p:sp>
-      <p:sp>
-        <p:nvSpPr>
-          <p:cNvPr id="25" name="流程圖: 程序 24">
-            <a:extLst>
-              <a:ext uri="{FF2B5EF4-FFF2-40B4-BE49-F238E27FC236}">
-                <a16:creationId xmlns:a16="http://schemas.microsoft.com/office/drawing/2014/main" id="{803079B4-94A2-DE42-FA25-29D38A03A30F}"/>
-              </a:ext>
-            </a:extLst>
-          </p:cNvPr>
-          <p:cNvSpPr/>
-          <p:nvPr/>
-        </p:nvSpPr>
-        <p:spPr>
-          <a:xfrm>
-            <a:off x="130626" y="2310850"/>
-            <a:ext cx="792483" cy="241544"/>
-          </a:xfrm>
-          <a:prstGeom prst="flowChartProcess">
-            <a:avLst/>
-          </a:prstGeom>
-          <a:solidFill>
-            <a:srgbClr val="FF0000"/>
-          </a:solidFill>
-          <a:ln>
-            <a:solidFill>
-              <a:srgbClr val="FF0000"/>
-            </a:solidFill>
-          </a:ln>
-        </p:spPr>
-        <p:style>
-          <a:lnRef idx="2">
-            <a:schemeClr val="accent1">
-              <a:shade val="15000"/>
-            </a:schemeClr>
-          </a:lnRef>
-          <a:fillRef idx="1">
-            <a:schemeClr val="accent1"/>
-          </a:fillRef>
-          <a:effectRef idx="0">
-            <a:schemeClr val="accent1"/>
-          </a:effectRef>
-          <a:fontRef idx="minor">
-            <a:schemeClr val="lt1"/>
-          </a:fontRef>
-        </p:style>
-        <p:txBody>
-          <a:bodyPr rtlCol="0" anchor="ctr"/>
-          <a:lstStyle/>
-          <a:p>
-            <a:pPr algn="ctr"/>
-            <a:endParaRPr lang="zh-TW" altLang="en-US"/>
-          </a:p>
-        </p:txBody>
-      </p:sp>
     </p:spTree>
     <p:extLst>
       <p:ext uri="{BB962C8B-B14F-4D97-AF65-F5344CB8AC3E}">
-        <p14:creationId xmlns:p14="http://schemas.microsoft.com/office/powerpoint/2010/main" val="2285920300"/>
+        <p14:creationId xmlns:p14="http://schemas.microsoft.com/office/powerpoint/2010/main" val="2621321599"/>
       </p:ext>
     </p:extLst>
   </p:cSld>
@@ -6917,10 +6689,10 @@
       </p:sp>
       <p:pic>
         <p:nvPicPr>
-          <p:cNvPr id="5" name="圖片 4">
+          <p:cNvPr id="9" name="圖片 8">
             <a:extLst>
               <a:ext uri="{FF2B5EF4-FFF2-40B4-BE49-F238E27FC236}">
-                <a16:creationId xmlns:a16="http://schemas.microsoft.com/office/drawing/2014/main" id="{9578C2D1-053A-5E6C-AFD4-130CE051023F}"/>
+                <a16:creationId xmlns:a16="http://schemas.microsoft.com/office/drawing/2014/main" id="{D6AC1BDD-C520-330F-1D04-3C56BB6DED3A}"/>
               </a:ext>
             </a:extLst>
           </p:cNvPr>
@@ -6937,76 +6709,23 @@
         </p:blipFill>
         <p:spPr>
           <a:xfrm>
-            <a:off x="1123405" y="1870619"/>
-            <a:ext cx="8212184" cy="4281456"/>
+            <a:off x="1445623" y="1841149"/>
+            <a:ext cx="8447314" cy="4377644"/>
           </a:xfrm>
           <a:prstGeom prst="rect">
             <a:avLst/>
           </a:prstGeom>
-        </p:spPr>
-      </p:pic>
-      <p:sp>
-        <p:nvSpPr>
-          <p:cNvPr id="6" name="框架 5">
-            <a:extLst>
-              <a:ext uri="{FF2B5EF4-FFF2-40B4-BE49-F238E27FC236}">
-                <a16:creationId xmlns:a16="http://schemas.microsoft.com/office/drawing/2014/main" id="{55F70CFD-9DEA-CBDF-199D-57D2947EE425}"/>
-              </a:ext>
-            </a:extLst>
-          </p:cNvPr>
-          <p:cNvSpPr/>
-          <p:nvPr/>
-        </p:nvSpPr>
-        <p:spPr>
-          <a:xfrm>
-            <a:off x="1573419" y="1837995"/>
-            <a:ext cx="2227868" cy="260771"/>
-          </a:xfrm>
-          <a:prstGeom prst="frame">
-            <a:avLst/>
-          </a:prstGeom>
-          <a:solidFill>
-            <a:srgbClr val="FF0000"/>
-          </a:solidFill>
           <a:ln>
             <a:solidFill>
-              <a:srgbClr val="FF0000"/>
+              <a:schemeClr val="tx1"/>
             </a:solidFill>
           </a:ln>
         </p:spPr>
-        <p:style>
-          <a:lnRef idx="2">
-            <a:schemeClr val="accent1">
-              <a:shade val="15000"/>
-            </a:schemeClr>
-          </a:lnRef>
-          <a:fillRef idx="1">
-            <a:schemeClr val="accent1"/>
-          </a:fillRef>
-          <a:effectRef idx="0">
-            <a:schemeClr val="accent1"/>
-          </a:effectRef>
-          <a:fontRef idx="minor">
-            <a:schemeClr val="lt1"/>
-          </a:fontRef>
-        </p:style>
-        <p:txBody>
-          <a:bodyPr rtlCol="0" anchor="ctr"/>
-          <a:lstStyle/>
-          <a:p>
-            <a:pPr algn="ctr"/>
-            <a:endParaRPr lang="zh-TW" altLang="en-US">
-              <a:solidFill>
-                <a:schemeClr val="tx1"/>
-              </a:solidFill>
-            </a:endParaRPr>
-          </a:p>
-        </p:txBody>
-      </p:sp>
+      </p:pic>
     </p:spTree>
     <p:extLst>
       <p:ext uri="{BB962C8B-B14F-4D97-AF65-F5344CB8AC3E}">
-        <p14:creationId xmlns:p14="http://schemas.microsoft.com/office/powerpoint/2010/main" val="2621321599"/>
+        <p14:creationId xmlns:p14="http://schemas.microsoft.com/office/powerpoint/2010/main" val="1133431730"/>
       </p:ext>
     </p:extLst>
   </p:cSld>

--- a/zebrafish_detect_ppt/zebrafish_website_code/如何開啟網站.pptx
+++ b/zebrafish_detect_ppt/zebrafish_website_code/如何開啟網站.pptx
@@ -4512,7 +4512,7 @@
           <a:p>
             <a:r>
               <a:rPr lang="en-US" altLang="zh-TW" dirty="0"/>
-              <a:t>Pillow</a:t>
+              <a:t>Pillow==9.5.0</a:t>
             </a:r>
           </a:p>
           <a:p>
